--- a/docs/images/covers/fromClassToGame.pptx
+++ b/docs/images/covers/fromClassToGame.pptx
@@ -1,41 +1,38 @@
 
 <file path=ppt/presentation.xml><?xml version="1.0" encoding="utf-8"?>
-<p:presentation xmlns:a="http://schemas.openxmlformats.org/drawingml/2006/main" xmlns:r="http://schemas.openxmlformats.org/officeDocument/2006/relationships" xmlns:p="http://schemas.openxmlformats.org/presentationml/2006/main" strictFirstAndLastChars="0" embedTrueTypeFonts="1" saveSubsetFonts="1" autoCompressPictures="0">
+<p:presentation xmlns:a="http://schemas.openxmlformats.org/drawingml/2006/main" xmlns:r="http://schemas.openxmlformats.org/officeDocument/2006/relationships" xmlns:mc="http://schemas.openxmlformats.org/markup-compatibility/2006" xmlns:mv="urn:schemas-microsoft-com:mac:vml" xmlns:p="http://schemas.openxmlformats.org/presentationml/2006/main" xmlns:c="http://schemas.openxmlformats.org/drawingml/2006/chart" xmlns:dgm="http://schemas.openxmlformats.org/drawingml/2006/diagram" xmlns:o="urn:schemas-microsoft-com:office:office" xmlns:v="urn:schemas-microsoft-com:vml" xmlns:pvml="urn:schemas-microsoft-com:office:powerpoint" xmlns:com="http://schemas.openxmlformats.org/drawingml/2006/compatibility" xmlns:p14="http://schemas.microsoft.com/office/powerpoint/2010/main" xmlns:p15="http://schemas.microsoft.com/office/powerpoint/2012/main" xmlns:ahyp="http://schemas.microsoft.com/office/drawing/2018/hyperlinkcolor" autoCompressPictures="0" embedTrueTypeFonts="1" strictFirstAndLastChars="0" saveSubsetFonts="1">
   <p:sldMasterIdLst>
-    <p:sldMasterId id="2147483659" r:id="rId1"/>
+    <p:sldMasterId id="2147483659" r:id="rId4"/>
   </p:sldMasterIdLst>
   <p:notesMasterIdLst>
     <p:notesMasterId r:id="rId5"/>
   </p:notesMasterIdLst>
   <p:sldIdLst>
-    <p:sldId id="256" r:id="rId2"/>
-    <p:sldId id="257" r:id="rId3"/>
-    <p:sldId id="258" r:id="rId4"/>
+    <p:sldId id="256" r:id="rId6"/>
+    <p:sldId id="257" r:id="rId7"/>
+    <p:sldId id="258" r:id="rId8"/>
+    <p:sldId id="259" r:id="rId9"/>
   </p:sldIdLst>
-  <p:sldSz cx="7559675" cy="10691813"/>
+  <p:sldSz cy="10692000" cx="7560000"/>
   <p:notesSz cx="6858000" cy="9144000"/>
   <p:embeddedFontLst>
     <p:embeddedFont>
-      <p:font typeface="Aharoni" panose="02010803020104030203" pitchFamily="2" charset="-79"/>
-      <p:bold r:id="rId6"/>
-    </p:embeddedFont>
-    <p:embeddedFont>
-      <p:font typeface="Bree Serif" panose="020B0604020202020204" charset="0"/>
-      <p:regular r:id="rId7"/>
-    </p:embeddedFont>
-    <p:embeddedFont>
-      <p:font typeface="Oswald" panose="00000500000000000000" pitchFamily="2" charset="0"/>
-      <p:regular r:id="rId8"/>
-      <p:bold r:id="rId9"/>
-    </p:embeddedFont>
-    <p:embeddedFont>
-      <p:font typeface="Syncopate" panose="020B0604020202020204" charset="0"/>
+      <p:font typeface="Syncopate"/>
       <p:regular r:id="rId10"/>
       <p:bold r:id="rId11"/>
     </p:embeddedFont>
+    <p:embeddedFont>
+      <p:font typeface="Bree Serif"/>
+      <p:regular r:id="rId12"/>
+    </p:embeddedFont>
+    <p:embeddedFont>
+      <p:font typeface="Oswald"/>
+      <p:regular r:id="rId13"/>
+      <p:bold r:id="rId14"/>
+    </p:embeddedFont>
   </p:embeddedFontLst>
   <p:defaultTextStyle>
-    <a:defPPr marR="0" lvl="0" algn="l" rtl="0">
+    <a:defPPr lvl="0" marR="0" rtl="0" algn="l">
       <a:lnSpc>
         <a:spcPct val="100000"/>
       </a:lnSpc>
@@ -46,7 +43,7 @@
         <a:spcPts val="0"/>
       </a:spcAft>
     </a:defPPr>
-    <a:lvl1pPr marR="0" lvl="0" algn="l" rtl="0">
+    <a:lvl1pPr lvl="0" marR="0" rtl="0" algn="l">
       <a:lnSpc>
         <a:spcPct val="100000"/>
       </a:lnSpc>
@@ -60,7 +57,7 @@
         <a:srgbClr val="000000"/>
       </a:buClr>
       <a:buFont typeface="Arial"/>
-      <a:defRPr sz="1400" b="0" i="0" u="none" strike="noStrike" cap="none">
+      <a:defRPr b="0" i="0" sz="1400" u="none" cap="none" strike="noStrike">
         <a:solidFill>
           <a:srgbClr val="000000"/>
         </a:solidFill>
@@ -70,7 +67,7 @@
         <a:sym typeface="Arial"/>
       </a:defRPr>
     </a:lvl1pPr>
-    <a:lvl2pPr marR="0" lvl="1" algn="l" rtl="0">
+    <a:lvl2pPr lvl="1" marR="0" rtl="0" algn="l">
       <a:lnSpc>
         <a:spcPct val="100000"/>
       </a:lnSpc>
@@ -84,7 +81,7 @@
         <a:srgbClr val="000000"/>
       </a:buClr>
       <a:buFont typeface="Arial"/>
-      <a:defRPr sz="1400" b="0" i="0" u="none" strike="noStrike" cap="none">
+      <a:defRPr b="0" i="0" sz="1400" u="none" cap="none" strike="noStrike">
         <a:solidFill>
           <a:srgbClr val="000000"/>
         </a:solidFill>
@@ -94,7 +91,7 @@
         <a:sym typeface="Arial"/>
       </a:defRPr>
     </a:lvl2pPr>
-    <a:lvl3pPr marR="0" lvl="2" algn="l" rtl="0">
+    <a:lvl3pPr lvl="2" marR="0" rtl="0" algn="l">
       <a:lnSpc>
         <a:spcPct val="100000"/>
       </a:lnSpc>
@@ -108,7 +105,7 @@
         <a:srgbClr val="000000"/>
       </a:buClr>
       <a:buFont typeface="Arial"/>
-      <a:defRPr sz="1400" b="0" i="0" u="none" strike="noStrike" cap="none">
+      <a:defRPr b="0" i="0" sz="1400" u="none" cap="none" strike="noStrike">
         <a:solidFill>
           <a:srgbClr val="000000"/>
         </a:solidFill>
@@ -118,7 +115,7 @@
         <a:sym typeface="Arial"/>
       </a:defRPr>
     </a:lvl3pPr>
-    <a:lvl4pPr marR="0" lvl="3" algn="l" rtl="0">
+    <a:lvl4pPr lvl="3" marR="0" rtl="0" algn="l">
       <a:lnSpc>
         <a:spcPct val="100000"/>
       </a:lnSpc>
@@ -132,7 +129,7 @@
         <a:srgbClr val="000000"/>
       </a:buClr>
       <a:buFont typeface="Arial"/>
-      <a:defRPr sz="1400" b="0" i="0" u="none" strike="noStrike" cap="none">
+      <a:defRPr b="0" i="0" sz="1400" u="none" cap="none" strike="noStrike">
         <a:solidFill>
           <a:srgbClr val="000000"/>
         </a:solidFill>
@@ -142,7 +139,7 @@
         <a:sym typeface="Arial"/>
       </a:defRPr>
     </a:lvl4pPr>
-    <a:lvl5pPr marR="0" lvl="4" algn="l" rtl="0">
+    <a:lvl5pPr lvl="4" marR="0" rtl="0" algn="l">
       <a:lnSpc>
         <a:spcPct val="100000"/>
       </a:lnSpc>
@@ -156,7 +153,7 @@
         <a:srgbClr val="000000"/>
       </a:buClr>
       <a:buFont typeface="Arial"/>
-      <a:defRPr sz="1400" b="0" i="0" u="none" strike="noStrike" cap="none">
+      <a:defRPr b="0" i="0" sz="1400" u="none" cap="none" strike="noStrike">
         <a:solidFill>
           <a:srgbClr val="000000"/>
         </a:solidFill>
@@ -166,7 +163,7 @@
         <a:sym typeface="Arial"/>
       </a:defRPr>
     </a:lvl5pPr>
-    <a:lvl6pPr marR="0" lvl="5" algn="l" rtl="0">
+    <a:lvl6pPr lvl="5" marR="0" rtl="0" algn="l">
       <a:lnSpc>
         <a:spcPct val="100000"/>
       </a:lnSpc>
@@ -180,7 +177,7 @@
         <a:srgbClr val="000000"/>
       </a:buClr>
       <a:buFont typeface="Arial"/>
-      <a:defRPr sz="1400" b="0" i="0" u="none" strike="noStrike" cap="none">
+      <a:defRPr b="0" i="0" sz="1400" u="none" cap="none" strike="noStrike">
         <a:solidFill>
           <a:srgbClr val="000000"/>
         </a:solidFill>
@@ -190,7 +187,7 @@
         <a:sym typeface="Arial"/>
       </a:defRPr>
     </a:lvl6pPr>
-    <a:lvl7pPr marR="0" lvl="6" algn="l" rtl="0">
+    <a:lvl7pPr lvl="6" marR="0" rtl="0" algn="l">
       <a:lnSpc>
         <a:spcPct val="100000"/>
       </a:lnSpc>
@@ -204,7 +201,7 @@
         <a:srgbClr val="000000"/>
       </a:buClr>
       <a:buFont typeface="Arial"/>
-      <a:defRPr sz="1400" b="0" i="0" u="none" strike="noStrike" cap="none">
+      <a:defRPr b="0" i="0" sz="1400" u="none" cap="none" strike="noStrike">
         <a:solidFill>
           <a:srgbClr val="000000"/>
         </a:solidFill>
@@ -214,7 +211,7 @@
         <a:sym typeface="Arial"/>
       </a:defRPr>
     </a:lvl7pPr>
-    <a:lvl8pPr marR="0" lvl="7" algn="l" rtl="0">
+    <a:lvl8pPr lvl="7" marR="0" rtl="0" algn="l">
       <a:lnSpc>
         <a:spcPct val="100000"/>
       </a:lnSpc>
@@ -228,7 +225,7 @@
         <a:srgbClr val="000000"/>
       </a:buClr>
       <a:buFont typeface="Arial"/>
-      <a:defRPr sz="1400" b="0" i="0" u="none" strike="noStrike" cap="none">
+      <a:defRPr b="0" i="0" sz="1400" u="none" cap="none" strike="noStrike">
         <a:solidFill>
           <a:srgbClr val="000000"/>
         </a:solidFill>
@@ -238,7 +235,7 @@
         <a:sym typeface="Arial"/>
       </a:defRPr>
     </a:lvl8pPr>
-    <a:lvl9pPr marR="0" lvl="8" algn="l" rtl="0">
+    <a:lvl9pPr lvl="8" marR="0" rtl="0" algn="l">
       <a:lnSpc>
         <a:spcPct val="100000"/>
       </a:lnSpc>
@@ -252,7 +249,7 @@
         <a:srgbClr val="000000"/>
       </a:buClr>
       <a:buFont typeface="Arial"/>
-      <a:defRPr sz="1400" b="0" i="0" u="none" strike="noStrike" cap="none">
+      <a:defRPr b="0" i="0" sz="1400" u="none" cap="none" strike="noStrike">
         <a:solidFill>
           <a:srgbClr val="000000"/>
         </a:solidFill>
@@ -265,7 +262,7 @@
   </p:defaultTextStyle>
   <p:extLst>
     <p:ext uri="{EFAFB233-063F-42B5-8137-9DF3F51BA10A}">
-      <p15:sldGuideLst xmlns:p15="http://schemas.microsoft.com/office/powerpoint/2012/main">
+      <p15:sldGuideLst>
         <p15:guide id="1" orient="horz" pos="3368">
           <p15:clr>
             <a:srgbClr val="A4A3A4"/>
@@ -283,16 +280,11 @@
 </file>
 
 <file path=ppt/notesMasters/notesMaster1.xml><?xml version="1.0" encoding="utf-8"?>
-<p:notesMaster xmlns:a="http://schemas.openxmlformats.org/drawingml/2006/main" xmlns:r="http://schemas.openxmlformats.org/officeDocument/2006/relationships" xmlns:p="http://schemas.openxmlformats.org/presentationml/2006/main">
+<p:notesMaster xmlns:a="http://schemas.openxmlformats.org/drawingml/2006/main" xmlns:r="http://schemas.openxmlformats.org/officeDocument/2006/relationships" xmlns:mc="http://schemas.openxmlformats.org/markup-compatibility/2006" xmlns:mv="urn:schemas-microsoft-com:mac:vml" xmlns:p="http://schemas.openxmlformats.org/presentationml/2006/main" xmlns:c="http://schemas.openxmlformats.org/drawingml/2006/chart" xmlns:dgm="http://schemas.openxmlformats.org/drawingml/2006/diagram" xmlns:o="urn:schemas-microsoft-com:office:office" xmlns:v="urn:schemas-microsoft-com:vml" xmlns:pvml="urn:schemas-microsoft-com:office:powerpoint" xmlns:com="http://schemas.openxmlformats.org/drawingml/2006/compatibility" xmlns:p14="http://schemas.microsoft.com/office/powerpoint/2010/main" xmlns:p15="http://schemas.microsoft.com/office/powerpoint/2012/main" xmlns:ahyp="http://schemas.microsoft.com/office/drawing/2018/hyperlinkcolor">
   <p:cSld>
-    <p:bg>
-      <p:bgRef idx="1001">
-        <a:schemeClr val="bg1"/>
-      </p:bgRef>
-    </p:bg>
     <p:spTree>
       <p:nvGrpSpPr>
-        <p:cNvPr id="1" name="Shape 2"/>
+        <p:cNvPr id="2" name="Shape 2"/>
         <p:cNvGrpSpPr/>
         <p:nvPr/>
       </p:nvGrpSpPr>
@@ -307,11 +299,9 @@
       <p:sp>
         <p:nvSpPr>
           <p:cNvPr id="3" name="Google Shape;3;n"/>
-          <p:cNvSpPr>
-            <a:spLocks noGrp="1" noRot="1" noChangeAspect="1"/>
-          </p:cNvSpPr>
+          <p:cNvSpPr/>
           <p:nvPr>
-            <p:ph type="sldImg" idx="2"/>
+            <p:ph idx="2" type="sldImg"/>
           </p:nvPr>
         </p:nvSpPr>
         <p:spPr>
@@ -320,13 +310,9 @@
             <a:ext cx="2424600" cy="3429000"/>
           </a:xfrm>
           <a:custGeom>
-            <a:avLst/>
-            <a:gdLst/>
-            <a:ahLst/>
-            <a:cxnLst/>
-            <a:rect l="l" t="t" r="r" b="b"/>
+            <a:rect b="b" l="l" r="r" t="t"/>
             <a:pathLst>
-              <a:path w="120000" h="120000" extrusionOk="0">
+              <a:path extrusionOk="0" h="120000" w="120000">
                 <a:moveTo>
                   <a:pt x="0" y="0"/>
                 </a:moveTo>
@@ -344,25 +330,23 @@
             </a:pathLst>
           </a:custGeom>
           <a:noFill/>
-          <a:ln w="9525" cap="flat" cmpd="sng">
+          <a:ln cap="flat" cmpd="sng" w="9525">
             <a:solidFill>
               <a:srgbClr val="000000"/>
             </a:solidFill>
             <a:prstDash val="solid"/>
             <a:round/>
-            <a:headEnd type="none" w="sm" len="sm"/>
-            <a:tailEnd type="none" w="sm" len="sm"/>
+            <a:headEnd len="sm" w="sm" type="none"/>
+            <a:tailEnd len="sm" w="sm" type="none"/>
           </a:ln>
         </p:spPr>
       </p:sp>
       <p:sp>
         <p:nvSpPr>
           <p:cNvPr id="4" name="Google Shape;4;n"/>
-          <p:cNvSpPr txBox="1">
-            <a:spLocks noGrp="1"/>
-          </p:cNvSpPr>
+          <p:cNvSpPr txBox="1"/>
           <p:nvPr>
-            <p:ph type="body" idx="1"/>
+            <p:ph idx="1" type="body"/>
           </p:nvPr>
         </p:nvSpPr>
         <p:spPr>
@@ -379,11 +363,11 @@
           </a:ln>
         </p:spPr>
         <p:txBody>
-          <a:bodyPr spcFirstLastPara="1" wrap="square" lIns="91425" tIns="91425" rIns="91425" bIns="91425" anchor="t" anchorCtr="0">
+          <a:bodyPr anchorCtr="0" anchor="t" bIns="91425" lIns="91425" spcFirstLastPara="1" rIns="91425" wrap="square" tIns="91425">
             <a:noAutofit/>
           </a:bodyPr>
           <a:lstStyle>
-            <a:lvl1pPr marL="457200" lvl="0" indent="-298450">
+            <a:lvl1pPr indent="-298450" lvl="0" marL="457200">
               <a:spcBef>
                 <a:spcPts val="0"/>
               </a:spcBef>
@@ -394,7 +378,7 @@
               <a:buChar char="●"/>
               <a:defRPr sz="1100"/>
             </a:lvl1pPr>
-            <a:lvl2pPr marL="914400" lvl="1" indent="-298450">
+            <a:lvl2pPr indent="-298450" lvl="1" marL="914400">
               <a:spcBef>
                 <a:spcPts val="0"/>
               </a:spcBef>
@@ -405,7 +389,7 @@
               <a:buChar char="○"/>
               <a:defRPr sz="1100"/>
             </a:lvl2pPr>
-            <a:lvl3pPr marL="1371600" lvl="2" indent="-298450">
+            <a:lvl3pPr indent="-298450" lvl="2" marL="1371600">
               <a:spcBef>
                 <a:spcPts val="0"/>
               </a:spcBef>
@@ -416,7 +400,7 @@
               <a:buChar char="■"/>
               <a:defRPr sz="1100"/>
             </a:lvl3pPr>
-            <a:lvl4pPr marL="1828800" lvl="3" indent="-298450">
+            <a:lvl4pPr indent="-298450" lvl="3" marL="1828800">
               <a:spcBef>
                 <a:spcPts val="0"/>
               </a:spcBef>
@@ -427,7 +411,7 @@
               <a:buChar char="●"/>
               <a:defRPr sz="1100"/>
             </a:lvl4pPr>
-            <a:lvl5pPr marL="2286000" lvl="4" indent="-298450">
+            <a:lvl5pPr indent="-298450" lvl="4" marL="2286000">
               <a:spcBef>
                 <a:spcPts val="0"/>
               </a:spcBef>
@@ -438,7 +422,7 @@
               <a:buChar char="○"/>
               <a:defRPr sz="1100"/>
             </a:lvl5pPr>
-            <a:lvl6pPr marL="2743200" lvl="5" indent="-298450">
+            <a:lvl6pPr indent="-298450" lvl="5" marL="2743200">
               <a:spcBef>
                 <a:spcPts val="0"/>
               </a:spcBef>
@@ -449,7 +433,7 @@
               <a:buChar char="■"/>
               <a:defRPr sz="1100"/>
             </a:lvl6pPr>
-            <a:lvl7pPr marL="3200400" lvl="6" indent="-298450">
+            <a:lvl7pPr indent="-298450" lvl="6" marL="3200400">
               <a:spcBef>
                 <a:spcPts val="0"/>
               </a:spcBef>
@@ -460,7 +444,7 @@
               <a:buChar char="●"/>
               <a:defRPr sz="1100"/>
             </a:lvl7pPr>
-            <a:lvl8pPr marL="3657600" lvl="7" indent="-298450">
+            <a:lvl8pPr indent="-298450" lvl="7" marL="3657600">
               <a:spcBef>
                 <a:spcPts val="0"/>
               </a:spcBef>
@@ -471,7 +455,7 @@
               <a:buChar char="○"/>
               <a:defRPr sz="1100"/>
             </a:lvl8pPr>
-            <a:lvl9pPr marL="4114800" lvl="8" indent="-298450">
+            <a:lvl9pPr indent="-298450" lvl="8" marL="4114800">
               <a:spcBef>
                 <a:spcPts val="0"/>
               </a:spcBef>
@@ -483,16 +467,14 @@
               <a:defRPr sz="1100"/>
             </a:lvl9pPr>
           </a:lstStyle>
-          <a:p>
-            <a:endParaRPr/>
-          </a:p>
+          <a:p/>
         </p:txBody>
       </p:sp>
     </p:spTree>
   </p:cSld>
-  <p:clrMap bg1="lt1" tx1="dk1" bg2="dk2" tx2="lt2" accent1="accent1" accent2="accent2" accent3="accent3" accent4="accent4" accent5="accent5" accent6="accent6" hlink="hlink" folHlink="folHlink"/>
+  <p:clrMap accent1="accent1" accent2="accent2" accent3="accent3" accent4="accent4" accent5="accent5" accent6="accent6" bg1="lt1" bg2="dk2" tx1="dk1" tx2="lt2" folHlink="folHlink" hlink="hlink"/>
   <p:notesStyle>
-    <a:defPPr marR="0" lvl="0" algn="l" rtl="0">
+    <a:defPPr lvl="0" marR="0" rtl="0" algn="l">
       <a:lnSpc>
         <a:spcPct val="100000"/>
       </a:lnSpc>
@@ -503,7 +485,7 @@
         <a:spcPts val="0"/>
       </a:spcAft>
     </a:defPPr>
-    <a:lvl1pPr marR="0" lvl="0" algn="l" rtl="0">
+    <a:lvl1pPr lvl="0" marR="0" rtl="0" algn="l">
       <a:lnSpc>
         <a:spcPct val="100000"/>
       </a:lnSpc>
@@ -517,7 +499,7 @@
         <a:srgbClr val="000000"/>
       </a:buClr>
       <a:buFont typeface="Arial"/>
-      <a:defRPr sz="1400" b="0" i="0" u="none" strike="noStrike" cap="none">
+      <a:defRPr b="0" i="0" sz="1400" u="none" cap="none" strike="noStrike">
         <a:solidFill>
           <a:srgbClr val="000000"/>
         </a:solidFill>
@@ -527,7 +509,7 @@
         <a:sym typeface="Arial"/>
       </a:defRPr>
     </a:lvl1pPr>
-    <a:lvl2pPr marR="0" lvl="1" algn="l" rtl="0">
+    <a:lvl2pPr lvl="1" marR="0" rtl="0" algn="l">
       <a:lnSpc>
         <a:spcPct val="100000"/>
       </a:lnSpc>
@@ -541,7 +523,7 @@
         <a:srgbClr val="000000"/>
       </a:buClr>
       <a:buFont typeface="Arial"/>
-      <a:defRPr sz="1400" b="0" i="0" u="none" strike="noStrike" cap="none">
+      <a:defRPr b="0" i="0" sz="1400" u="none" cap="none" strike="noStrike">
         <a:solidFill>
           <a:srgbClr val="000000"/>
         </a:solidFill>
@@ -551,7 +533,7 @@
         <a:sym typeface="Arial"/>
       </a:defRPr>
     </a:lvl2pPr>
-    <a:lvl3pPr marR="0" lvl="2" algn="l" rtl="0">
+    <a:lvl3pPr lvl="2" marR="0" rtl="0" algn="l">
       <a:lnSpc>
         <a:spcPct val="100000"/>
       </a:lnSpc>
@@ -565,7 +547,7 @@
         <a:srgbClr val="000000"/>
       </a:buClr>
       <a:buFont typeface="Arial"/>
-      <a:defRPr sz="1400" b="0" i="0" u="none" strike="noStrike" cap="none">
+      <a:defRPr b="0" i="0" sz="1400" u="none" cap="none" strike="noStrike">
         <a:solidFill>
           <a:srgbClr val="000000"/>
         </a:solidFill>
@@ -575,7 +557,7 @@
         <a:sym typeface="Arial"/>
       </a:defRPr>
     </a:lvl3pPr>
-    <a:lvl4pPr marR="0" lvl="3" algn="l" rtl="0">
+    <a:lvl4pPr lvl="3" marR="0" rtl="0" algn="l">
       <a:lnSpc>
         <a:spcPct val="100000"/>
       </a:lnSpc>
@@ -589,7 +571,7 @@
         <a:srgbClr val="000000"/>
       </a:buClr>
       <a:buFont typeface="Arial"/>
-      <a:defRPr sz="1400" b="0" i="0" u="none" strike="noStrike" cap="none">
+      <a:defRPr b="0" i="0" sz="1400" u="none" cap="none" strike="noStrike">
         <a:solidFill>
           <a:srgbClr val="000000"/>
         </a:solidFill>
@@ -599,7 +581,7 @@
         <a:sym typeface="Arial"/>
       </a:defRPr>
     </a:lvl4pPr>
-    <a:lvl5pPr marR="0" lvl="4" algn="l" rtl="0">
+    <a:lvl5pPr lvl="4" marR="0" rtl="0" algn="l">
       <a:lnSpc>
         <a:spcPct val="100000"/>
       </a:lnSpc>
@@ -613,7 +595,7 @@
         <a:srgbClr val="000000"/>
       </a:buClr>
       <a:buFont typeface="Arial"/>
-      <a:defRPr sz="1400" b="0" i="0" u="none" strike="noStrike" cap="none">
+      <a:defRPr b="0" i="0" sz="1400" u="none" cap="none" strike="noStrike">
         <a:solidFill>
           <a:srgbClr val="000000"/>
         </a:solidFill>
@@ -623,7 +605,7 @@
         <a:sym typeface="Arial"/>
       </a:defRPr>
     </a:lvl5pPr>
-    <a:lvl6pPr marR="0" lvl="5" algn="l" rtl="0">
+    <a:lvl6pPr lvl="5" marR="0" rtl="0" algn="l">
       <a:lnSpc>
         <a:spcPct val="100000"/>
       </a:lnSpc>
@@ -637,7 +619,7 @@
         <a:srgbClr val="000000"/>
       </a:buClr>
       <a:buFont typeface="Arial"/>
-      <a:defRPr sz="1400" b="0" i="0" u="none" strike="noStrike" cap="none">
+      <a:defRPr b="0" i="0" sz="1400" u="none" cap="none" strike="noStrike">
         <a:solidFill>
           <a:srgbClr val="000000"/>
         </a:solidFill>
@@ -647,7 +629,7 @@
         <a:sym typeface="Arial"/>
       </a:defRPr>
     </a:lvl6pPr>
-    <a:lvl7pPr marR="0" lvl="6" algn="l" rtl="0">
+    <a:lvl7pPr lvl="6" marR="0" rtl="0" algn="l">
       <a:lnSpc>
         <a:spcPct val="100000"/>
       </a:lnSpc>
@@ -661,7 +643,7 @@
         <a:srgbClr val="000000"/>
       </a:buClr>
       <a:buFont typeface="Arial"/>
-      <a:defRPr sz="1400" b="0" i="0" u="none" strike="noStrike" cap="none">
+      <a:defRPr b="0" i="0" sz="1400" u="none" cap="none" strike="noStrike">
         <a:solidFill>
           <a:srgbClr val="000000"/>
         </a:solidFill>
@@ -671,7 +653,7 @@
         <a:sym typeface="Arial"/>
       </a:defRPr>
     </a:lvl7pPr>
-    <a:lvl8pPr marR="0" lvl="7" algn="l" rtl="0">
+    <a:lvl8pPr lvl="7" marR="0" rtl="0" algn="l">
       <a:lnSpc>
         <a:spcPct val="100000"/>
       </a:lnSpc>
@@ -685,7 +667,7 @@
         <a:srgbClr val="000000"/>
       </a:buClr>
       <a:buFont typeface="Arial"/>
-      <a:defRPr sz="1400" b="0" i="0" u="none" strike="noStrike" cap="none">
+      <a:defRPr b="0" i="0" sz="1400" u="none" cap="none" strike="noStrike">
         <a:solidFill>
           <a:srgbClr val="000000"/>
         </a:solidFill>
@@ -695,7 +677,7 @@
         <a:sym typeface="Arial"/>
       </a:defRPr>
     </a:lvl8pPr>
-    <a:lvl9pPr marR="0" lvl="8" algn="l" rtl="0">
+    <a:lvl9pPr lvl="8" marR="0" rtl="0" algn="l">
       <a:lnSpc>
         <a:spcPct val="100000"/>
       </a:lnSpc>
@@ -709,7 +691,7 @@
         <a:srgbClr val="000000"/>
       </a:buClr>
       <a:buFont typeface="Arial"/>
-      <a:defRPr sz="1400" b="0" i="0" u="none" strike="noStrike" cap="none">
+      <a:defRPr b="0" i="0" sz="1400" u="none" cap="none" strike="noStrike">
         <a:solidFill>
           <a:srgbClr val="000000"/>
         </a:solidFill>
@@ -724,11 +706,11 @@
 </file>
 
 <file path=ppt/notesSlides/notesSlide1.xml><?xml version="1.0" encoding="utf-8"?>
-<p:notes xmlns:a="http://schemas.openxmlformats.org/drawingml/2006/main" xmlns:r="http://schemas.openxmlformats.org/officeDocument/2006/relationships" xmlns:p="http://schemas.openxmlformats.org/presentationml/2006/main" showMasterSp="0" showMasterPhAnim="0">
+<p:notes xmlns:a="http://schemas.openxmlformats.org/drawingml/2006/main" xmlns:r="http://schemas.openxmlformats.org/officeDocument/2006/relationships" xmlns:mc="http://schemas.openxmlformats.org/markup-compatibility/2006" xmlns:mv="urn:schemas-microsoft-com:mac:vml" xmlns:p="http://schemas.openxmlformats.org/presentationml/2006/main" xmlns:c="http://schemas.openxmlformats.org/drawingml/2006/chart" xmlns:dgm="http://schemas.openxmlformats.org/drawingml/2006/diagram" xmlns:o="urn:schemas-microsoft-com:office:office" xmlns:v="urn:schemas-microsoft-com:vml" xmlns:pvml="urn:schemas-microsoft-com:office:powerpoint" xmlns:com="http://schemas.openxmlformats.org/drawingml/2006/compatibility" xmlns:p14="http://schemas.microsoft.com/office/powerpoint/2010/main" xmlns:p15="http://schemas.microsoft.com/office/powerpoint/2012/main" xmlns:ahyp="http://schemas.microsoft.com/office/drawing/2018/hyperlinkcolor" showMasterPhAnim="0" showMasterSp="0">
   <p:cSld>
     <p:spTree>
       <p:nvGrpSpPr>
-        <p:cNvPr id="1" name="Shape 50"/>
+        <p:cNvPr id="50" name="Shape 50"/>
         <p:cNvGrpSpPr/>
         <p:nvPr/>
       </p:nvGrpSpPr>
@@ -743,11 +725,9 @@
       <p:sp>
         <p:nvSpPr>
           <p:cNvPr id="51" name="Google Shape;51;p:notes"/>
-          <p:cNvSpPr>
-            <a:spLocks noGrp="1" noRot="1" noChangeAspect="1"/>
-          </p:cNvSpPr>
+          <p:cNvSpPr/>
           <p:nvPr>
-            <p:ph type="sldImg" idx="2"/>
+            <p:ph idx="2" type="sldImg"/>
           </p:nvPr>
         </p:nvSpPr>
         <p:spPr>
@@ -756,13 +736,9 @@
             <a:ext cx="2424600" cy="3429000"/>
           </a:xfrm>
           <a:custGeom>
-            <a:avLst/>
-            <a:gdLst/>
-            <a:ahLst/>
-            <a:cxnLst/>
-            <a:rect l="l" t="t" r="r" b="b"/>
+            <a:rect b="b" l="l" r="r" t="t"/>
             <a:pathLst>
-              <a:path w="120000" h="120000" extrusionOk="0">
+              <a:path extrusionOk="0" h="120000" w="120000">
                 <a:moveTo>
                   <a:pt x="0" y="0"/>
                 </a:moveTo>
@@ -784,11 +760,9 @@
       <p:sp>
         <p:nvSpPr>
           <p:cNvPr id="52" name="Google Shape;52;p:notes"/>
-          <p:cNvSpPr txBox="1">
-            <a:spLocks noGrp="1"/>
-          </p:cNvSpPr>
+          <p:cNvSpPr txBox="1"/>
           <p:nvPr>
-            <p:ph type="body" idx="1"/>
+            <p:ph idx="1" type="body"/>
           </p:nvPr>
         </p:nvSpPr>
         <p:spPr>
@@ -801,12 +775,12 @@
           </a:prstGeom>
         </p:spPr>
         <p:txBody>
-          <a:bodyPr spcFirstLastPara="1" wrap="square" lIns="91425" tIns="91425" rIns="91425" bIns="91425" anchor="t" anchorCtr="0">
+          <a:bodyPr anchorCtr="0" anchor="t" bIns="91425" lIns="91425" spcFirstLastPara="1" rIns="91425" wrap="square" tIns="91425">
             <a:noAutofit/>
           </a:bodyPr>
           <a:lstStyle/>
           <a:p>
-            <a:pPr marL="0" lvl="0" indent="0" algn="l" rtl="0">
+            <a:pPr indent="0" lvl="0" marL="0" rtl="0" algn="l">
               <a:spcBef>
                 <a:spcPts val="0"/>
               </a:spcBef>
@@ -815,6 +789,9 @@
               </a:spcAft>
               <a:buNone/>
             </a:pPr>
+            <a:r>
+              <a:t/>
+            </a:r>
             <a:endParaRPr/>
           </a:p>
         </p:txBody>
@@ -828,11 +805,11 @@
 </file>
 
 <file path=ppt/notesSlides/notesSlide2.xml><?xml version="1.0" encoding="utf-8"?>
-<p:notes xmlns:a="http://schemas.openxmlformats.org/drawingml/2006/main" xmlns:r="http://schemas.openxmlformats.org/officeDocument/2006/relationships" xmlns:p="http://schemas.openxmlformats.org/presentationml/2006/main" showMasterSp="0" showMasterPhAnim="0">
+<p:notes xmlns:a="http://schemas.openxmlformats.org/drawingml/2006/main" xmlns:r="http://schemas.openxmlformats.org/officeDocument/2006/relationships" xmlns:mc="http://schemas.openxmlformats.org/markup-compatibility/2006" xmlns:mv="urn:schemas-microsoft-com:mac:vml" xmlns:p="http://schemas.openxmlformats.org/presentationml/2006/main" xmlns:c="http://schemas.openxmlformats.org/drawingml/2006/chart" xmlns:dgm="http://schemas.openxmlformats.org/drawingml/2006/diagram" xmlns:o="urn:schemas-microsoft-com:office:office" xmlns:v="urn:schemas-microsoft-com:vml" xmlns:pvml="urn:schemas-microsoft-com:office:powerpoint" xmlns:com="http://schemas.openxmlformats.org/drawingml/2006/compatibility" xmlns:p14="http://schemas.microsoft.com/office/powerpoint/2010/main" xmlns:p15="http://schemas.microsoft.com/office/powerpoint/2012/main" xmlns:ahyp="http://schemas.microsoft.com/office/drawing/2018/hyperlinkcolor" showMasterPhAnim="0" showMasterSp="0">
   <p:cSld>
     <p:spTree>
       <p:nvGrpSpPr>
-        <p:cNvPr id="1" name="Shape 69"/>
+        <p:cNvPr id="69" name="Shape 69"/>
         <p:cNvGrpSpPr/>
         <p:nvPr/>
       </p:nvGrpSpPr>
@@ -847,11 +824,9 @@
       <p:sp>
         <p:nvSpPr>
           <p:cNvPr id="70" name="Google Shape;70;g39aa55946d_0_0:notes"/>
-          <p:cNvSpPr>
-            <a:spLocks noGrp="1" noRot="1" noChangeAspect="1"/>
-          </p:cNvSpPr>
+          <p:cNvSpPr/>
           <p:nvPr>
-            <p:ph type="sldImg" idx="2"/>
+            <p:ph idx="2" type="sldImg"/>
           </p:nvPr>
         </p:nvSpPr>
         <p:spPr>
@@ -860,13 +835,9 @@
             <a:ext cx="2424600" cy="3429000"/>
           </a:xfrm>
           <a:custGeom>
-            <a:avLst/>
-            <a:gdLst/>
-            <a:ahLst/>
-            <a:cxnLst/>
-            <a:rect l="l" t="t" r="r" b="b"/>
+            <a:rect b="b" l="l" r="r" t="t"/>
             <a:pathLst>
-              <a:path w="120000" h="120000" extrusionOk="0">
+              <a:path extrusionOk="0" h="120000" w="120000">
                 <a:moveTo>
                   <a:pt x="0" y="0"/>
                 </a:moveTo>
@@ -888,11 +859,9 @@
       <p:sp>
         <p:nvSpPr>
           <p:cNvPr id="71" name="Google Shape;71;g39aa55946d_0_0:notes"/>
-          <p:cNvSpPr txBox="1">
-            <a:spLocks noGrp="1"/>
-          </p:cNvSpPr>
+          <p:cNvSpPr txBox="1"/>
           <p:nvPr>
-            <p:ph type="body" idx="1"/>
+            <p:ph idx="1" type="body"/>
           </p:nvPr>
         </p:nvSpPr>
         <p:spPr>
@@ -905,12 +874,12 @@
           </a:prstGeom>
         </p:spPr>
         <p:txBody>
-          <a:bodyPr spcFirstLastPara="1" wrap="square" lIns="91425" tIns="91425" rIns="91425" bIns="91425" anchor="t" anchorCtr="0">
+          <a:bodyPr anchorCtr="0" anchor="t" bIns="91425" lIns="91425" spcFirstLastPara="1" rIns="91425" wrap="square" tIns="91425">
             <a:noAutofit/>
           </a:bodyPr>
           <a:lstStyle/>
           <a:p>
-            <a:pPr marL="0" lvl="0" indent="0" algn="l" rtl="0">
+            <a:pPr indent="0" lvl="0" marL="0" rtl="0" algn="l">
               <a:spcBef>
                 <a:spcPts val="0"/>
               </a:spcBef>
@@ -919,6 +888,9 @@
               </a:spcAft>
               <a:buNone/>
             </a:pPr>
+            <a:r>
+              <a:t/>
+            </a:r>
             <a:endParaRPr/>
           </a:p>
         </p:txBody>
@@ -932,11 +904,11 @@
 </file>
 
 <file path=ppt/notesSlides/notesSlide3.xml><?xml version="1.0" encoding="utf-8"?>
-<p:notes xmlns:a="http://schemas.openxmlformats.org/drawingml/2006/main" xmlns:r="http://schemas.openxmlformats.org/officeDocument/2006/relationships" xmlns:p="http://schemas.openxmlformats.org/presentationml/2006/main" showMasterSp="0" showMasterPhAnim="0">
+<p:notes xmlns:a="http://schemas.openxmlformats.org/drawingml/2006/main" xmlns:r="http://schemas.openxmlformats.org/officeDocument/2006/relationships" xmlns:mc="http://schemas.openxmlformats.org/markup-compatibility/2006" xmlns:mv="urn:schemas-microsoft-com:mac:vml" xmlns:p="http://schemas.openxmlformats.org/presentationml/2006/main" xmlns:c="http://schemas.openxmlformats.org/drawingml/2006/chart" xmlns:dgm="http://schemas.openxmlformats.org/drawingml/2006/diagram" xmlns:o="urn:schemas-microsoft-com:office:office" xmlns:v="urn:schemas-microsoft-com:vml" xmlns:pvml="urn:schemas-microsoft-com:office:powerpoint" xmlns:com="http://schemas.openxmlformats.org/drawingml/2006/compatibility" xmlns:p14="http://schemas.microsoft.com/office/powerpoint/2010/main" xmlns:p15="http://schemas.microsoft.com/office/powerpoint/2012/main" xmlns:ahyp="http://schemas.microsoft.com/office/drawing/2018/hyperlinkcolor" showMasterPhAnim="0" showMasterSp="0">
   <p:cSld>
     <p:spTree>
       <p:nvGrpSpPr>
-        <p:cNvPr id="1" name="Shape 91"/>
+        <p:cNvPr id="91" name="Shape 91"/>
         <p:cNvGrpSpPr/>
         <p:nvPr/>
       </p:nvGrpSpPr>
@@ -951,26 +923,20 @@
       <p:sp>
         <p:nvSpPr>
           <p:cNvPr id="92" name="Google Shape;92;gcb64f45353_0_0:notes"/>
-          <p:cNvSpPr>
-            <a:spLocks noGrp="1" noRot="1" noChangeAspect="1"/>
-          </p:cNvSpPr>
+          <p:cNvSpPr/>
           <p:nvPr>
-            <p:ph type="sldImg" idx="2"/>
+            <p:ph idx="2" type="sldImg"/>
           </p:nvPr>
         </p:nvSpPr>
         <p:spPr>
           <a:xfrm>
-            <a:off x="2217738" y="685800"/>
-            <a:ext cx="2424112" cy="3429000"/>
+            <a:off x="2217050" y="685800"/>
+            <a:ext cx="2424600" cy="3429000"/>
           </a:xfrm>
           <a:custGeom>
-            <a:avLst/>
-            <a:gdLst/>
-            <a:ahLst/>
-            <a:cxnLst/>
-            <a:rect l="l" t="t" r="r" b="b"/>
+            <a:rect b="b" l="l" r="r" t="t"/>
             <a:pathLst>
-              <a:path w="120000" h="120000" extrusionOk="0">
+              <a:path extrusionOk="0" h="120000" w="120000">
                 <a:moveTo>
                   <a:pt x="0" y="0"/>
                 </a:moveTo>
@@ -992,11 +958,9 @@
       <p:sp>
         <p:nvSpPr>
           <p:cNvPr id="93" name="Google Shape;93;gcb64f45353_0_0:notes"/>
-          <p:cNvSpPr txBox="1">
-            <a:spLocks noGrp="1"/>
-          </p:cNvSpPr>
+          <p:cNvSpPr txBox="1"/>
           <p:nvPr>
-            <p:ph type="body" idx="1"/>
+            <p:ph idx="1" type="body"/>
           </p:nvPr>
         </p:nvSpPr>
         <p:spPr>
@@ -1009,12 +973,12 @@
           </a:prstGeom>
         </p:spPr>
         <p:txBody>
-          <a:bodyPr spcFirstLastPara="1" wrap="square" lIns="91425" tIns="91425" rIns="91425" bIns="91425" anchor="t" anchorCtr="0">
+          <a:bodyPr anchorCtr="0" anchor="t" bIns="91425" lIns="91425" spcFirstLastPara="1" rIns="91425" wrap="square" tIns="91425">
             <a:noAutofit/>
           </a:bodyPr>
           <a:lstStyle/>
           <a:p>
-            <a:pPr marL="0" lvl="0" indent="0" algn="l" rtl="0">
+            <a:pPr indent="0" lvl="0" marL="0" rtl="0" algn="l">
               <a:spcBef>
                 <a:spcPts val="0"/>
               </a:spcBef>
@@ -1023,6 +987,108 @@
               </a:spcAft>
               <a:buNone/>
             </a:pPr>
+            <a:r>
+              <a:t/>
+            </a:r>
+            <a:endParaRPr/>
+          </a:p>
+        </p:txBody>
+      </p:sp>
+    </p:spTree>
+  </p:cSld>
+  <p:clrMapOvr>
+    <a:masterClrMapping/>
+  </p:clrMapOvr>
+</p:notes>
+</file>
+
+<file path=ppt/notesSlides/notesSlide4.xml><?xml version="1.0" encoding="utf-8"?>
+<p:notes xmlns:a="http://schemas.openxmlformats.org/drawingml/2006/main" xmlns:r="http://schemas.openxmlformats.org/officeDocument/2006/relationships" xmlns:mc="http://schemas.openxmlformats.org/markup-compatibility/2006" xmlns:mv="urn:schemas-microsoft-com:mac:vml" xmlns:p="http://schemas.openxmlformats.org/presentationml/2006/main" xmlns:c="http://schemas.openxmlformats.org/drawingml/2006/chart" xmlns:dgm="http://schemas.openxmlformats.org/drawingml/2006/diagram" xmlns:o="urn:schemas-microsoft-com:office:office" xmlns:v="urn:schemas-microsoft-com:vml" xmlns:pvml="urn:schemas-microsoft-com:office:powerpoint" xmlns:com="http://schemas.openxmlformats.org/drawingml/2006/compatibility" xmlns:p14="http://schemas.microsoft.com/office/powerpoint/2010/main" xmlns:p15="http://schemas.microsoft.com/office/powerpoint/2012/main" xmlns:ahyp="http://schemas.microsoft.com/office/drawing/2018/hyperlinkcolor" showMasterPhAnim="0" showMasterSp="0">
+  <p:cSld>
+    <p:spTree>
+      <p:nvGrpSpPr>
+        <p:cNvPr id="107" name="Shape 107"/>
+        <p:cNvGrpSpPr/>
+        <p:nvPr/>
+      </p:nvGrpSpPr>
+      <p:grpSpPr>
+        <a:xfrm>
+          <a:off x="0" y="0"/>
+          <a:ext cx="0" cy="0"/>
+          <a:chOff x="0" y="0"/>
+          <a:chExt cx="0" cy="0"/>
+        </a:xfrm>
+      </p:grpSpPr>
+      <p:sp>
+        <p:nvSpPr>
+          <p:cNvPr id="108" name="Google Shape;108;g1095779f162_0_0:notes"/>
+          <p:cNvSpPr/>
+          <p:nvPr>
+            <p:ph idx="2" type="sldImg"/>
+          </p:nvPr>
+        </p:nvSpPr>
+        <p:spPr>
+          <a:xfrm>
+            <a:off x="2217050" y="685800"/>
+            <a:ext cx="2424600" cy="3429000"/>
+          </a:xfrm>
+          <a:custGeom>
+            <a:rect b="b" l="l" r="r" t="t"/>
+            <a:pathLst>
+              <a:path extrusionOk="0" h="120000" w="120000">
+                <a:moveTo>
+                  <a:pt x="0" y="0"/>
+                </a:moveTo>
+                <a:lnTo>
+                  <a:pt x="120000" y="0"/>
+                </a:lnTo>
+                <a:lnTo>
+                  <a:pt x="120000" y="120000"/>
+                </a:lnTo>
+                <a:lnTo>
+                  <a:pt x="0" y="120000"/>
+                </a:lnTo>
+                <a:close/>
+              </a:path>
+            </a:pathLst>
+          </a:custGeom>
+        </p:spPr>
+      </p:sp>
+      <p:sp>
+        <p:nvSpPr>
+          <p:cNvPr id="109" name="Google Shape;109;g1095779f162_0_0:notes"/>
+          <p:cNvSpPr txBox="1"/>
+          <p:nvPr>
+            <p:ph idx="1" type="body"/>
+          </p:nvPr>
+        </p:nvSpPr>
+        <p:spPr>
+          <a:xfrm>
+            <a:off x="685800" y="4343400"/>
+            <a:ext cx="5486400" cy="4114800"/>
+          </a:xfrm>
+          <a:prstGeom prst="rect">
+            <a:avLst/>
+          </a:prstGeom>
+        </p:spPr>
+        <p:txBody>
+          <a:bodyPr anchorCtr="0" anchor="t" bIns="91425" lIns="91425" spcFirstLastPara="1" rIns="91425" wrap="square" tIns="91425">
+            <a:noAutofit/>
+          </a:bodyPr>
+          <a:lstStyle/>
+          <a:p>
+            <a:pPr indent="0" lvl="0" marL="0" rtl="0" algn="l">
+              <a:spcBef>
+                <a:spcPts val="0"/>
+              </a:spcBef>
+              <a:spcAft>
+                <a:spcPts val="0"/>
+              </a:spcAft>
+              <a:buNone/>
+            </a:pPr>
+            <a:r>
+              <a:t/>
+            </a:r>
             <a:endParaRPr/>
           </a:p>
         </p:txBody>
@@ -1036,11 +1102,11 @@
 </file>
 
 <file path=ppt/slideLayouts/slideLayout1.xml><?xml version="1.0" encoding="utf-8"?>
-<p:sldLayout xmlns:a="http://schemas.openxmlformats.org/drawingml/2006/main" xmlns:r="http://schemas.openxmlformats.org/officeDocument/2006/relationships" xmlns:p="http://schemas.openxmlformats.org/presentationml/2006/main" matchingName="Title slide" type="title">
+<p:sldLayout xmlns:a="http://schemas.openxmlformats.org/drawingml/2006/main" xmlns:r="http://schemas.openxmlformats.org/officeDocument/2006/relationships" xmlns:mc="http://schemas.openxmlformats.org/markup-compatibility/2006" xmlns:mv="urn:schemas-microsoft-com:mac:vml" xmlns:p="http://schemas.openxmlformats.org/presentationml/2006/main" xmlns:c="http://schemas.openxmlformats.org/drawingml/2006/chart" xmlns:dgm="http://schemas.openxmlformats.org/drawingml/2006/diagram" xmlns:o="urn:schemas-microsoft-com:office:office" xmlns:v="urn:schemas-microsoft-com:vml" xmlns:pvml="urn:schemas-microsoft-com:office:powerpoint" xmlns:com="http://schemas.openxmlformats.org/drawingml/2006/compatibility" xmlns:p14="http://schemas.microsoft.com/office/powerpoint/2010/main" xmlns:p15="http://schemas.microsoft.com/office/powerpoint/2012/main" xmlns:ahyp="http://schemas.microsoft.com/office/drawing/2018/hyperlinkcolor" matchingName="Title slide" type="title">
   <p:cSld name="TITLE">
     <p:spTree>
       <p:nvGrpSpPr>
-        <p:cNvPr id="1" name="Shape 9"/>
+        <p:cNvPr id="9" name="Shape 9"/>
         <p:cNvGrpSpPr/>
         <p:nvPr/>
       </p:nvGrpSpPr>
@@ -1055,9 +1121,7 @@
       <p:sp>
         <p:nvSpPr>
           <p:cNvPr id="10" name="Google Shape;10;p2"/>
-          <p:cNvSpPr txBox="1">
-            <a:spLocks noGrp="1"/>
-          </p:cNvSpPr>
+          <p:cNvSpPr txBox="1"/>
           <p:nvPr>
             <p:ph type="ctrTitle"/>
           </p:nvPr>
@@ -1072,7 +1136,7 @@
           </a:prstGeom>
         </p:spPr>
         <p:txBody>
-          <a:bodyPr spcFirstLastPara="1" wrap="square" lIns="91425" tIns="91425" rIns="91425" bIns="91425" anchor="b" anchorCtr="0">
+          <a:bodyPr anchorCtr="0" anchor="b" bIns="91425" lIns="91425" spcFirstLastPara="1" rIns="91425" wrap="square" tIns="91425">
             <a:noAutofit/>
           </a:bodyPr>
           <a:lstStyle>
@@ -1176,19 +1240,15 @@
               <a:defRPr sz="5200"/>
             </a:lvl9pPr>
           </a:lstStyle>
-          <a:p>
-            <a:endParaRPr/>
-          </a:p>
+          <a:p/>
         </p:txBody>
       </p:sp>
       <p:sp>
         <p:nvSpPr>
           <p:cNvPr id="11" name="Google Shape;11;p2"/>
-          <p:cNvSpPr txBox="1">
-            <a:spLocks noGrp="1"/>
-          </p:cNvSpPr>
+          <p:cNvSpPr txBox="1"/>
           <p:nvPr>
-            <p:ph type="subTitle" idx="1"/>
+            <p:ph idx="1" type="subTitle"/>
           </p:nvPr>
         </p:nvSpPr>
         <p:spPr>
@@ -1201,7 +1261,7 @@
           </a:prstGeom>
         </p:spPr>
         <p:txBody>
-          <a:bodyPr spcFirstLastPara="1" wrap="square" lIns="91425" tIns="91425" rIns="91425" bIns="91425" anchor="t" anchorCtr="0">
+          <a:bodyPr anchorCtr="0" anchor="t" bIns="91425" lIns="91425" spcFirstLastPara="1" rIns="91425" wrap="square" tIns="91425">
             <a:noAutofit/>
           </a:bodyPr>
           <a:lstStyle>
@@ -1332,19 +1392,15 @@
               <a:defRPr sz="2800"/>
             </a:lvl9pPr>
           </a:lstStyle>
-          <a:p>
-            <a:endParaRPr/>
-          </a:p>
+          <a:p/>
         </p:txBody>
       </p:sp>
       <p:sp>
         <p:nvSpPr>
           <p:cNvPr id="12" name="Google Shape;12;p2"/>
-          <p:cNvSpPr txBox="1">
-            <a:spLocks noGrp="1"/>
-          </p:cNvSpPr>
+          <p:cNvSpPr txBox="1"/>
           <p:nvPr>
-            <p:ph type="sldNum" idx="12"/>
+            <p:ph idx="12" type="sldNum"/>
           </p:nvPr>
         </p:nvSpPr>
         <p:spPr>
@@ -1357,7 +1413,7 @@
           </a:prstGeom>
         </p:spPr>
         <p:txBody>
-          <a:bodyPr spcFirstLastPara="1" wrap="square" lIns="91425" tIns="91425" rIns="91425" bIns="91425" anchor="ctr" anchorCtr="0">
+          <a:bodyPr anchorCtr="0" anchor="ctr" bIns="91425" lIns="91425" spcFirstLastPara="1" rIns="91425" wrap="square" tIns="91425">
             <a:noAutofit/>
           </a:bodyPr>
           <a:lstStyle>
@@ -1399,7 +1455,7 @@
             </a:lvl9pPr>
           </a:lstStyle>
           <a:p>
-            <a:pPr marL="0" lvl="0" indent="0" algn="r" rtl="0">
+            <a:pPr indent="0" lvl="0" marL="0" rtl="0" algn="r">
               <a:spcBef>
                 <a:spcPts val="0"/>
               </a:spcBef>
@@ -1410,7 +1466,7 @@
             </a:pPr>
             <a:fld id="{00000000-1234-1234-1234-123412341234}" type="slidenum">
               <a:rPr lang="fr"/>
-              <a:t>‹N°›</a:t>
+              <a:t>‹#›</a:t>
             </a:fld>
             <a:endParaRPr/>
           </a:p>
@@ -1425,11 +1481,11 @@
 </file>
 
 <file path=ppt/slideLayouts/slideLayout10.xml><?xml version="1.0" encoding="utf-8"?>
-<p:sldLayout xmlns:a="http://schemas.openxmlformats.org/drawingml/2006/main" xmlns:r="http://schemas.openxmlformats.org/officeDocument/2006/relationships" xmlns:p="http://schemas.openxmlformats.org/presentationml/2006/main" matchingName="Big number">
+<p:sldLayout xmlns:a="http://schemas.openxmlformats.org/drawingml/2006/main" xmlns:r="http://schemas.openxmlformats.org/officeDocument/2006/relationships" xmlns:mc="http://schemas.openxmlformats.org/markup-compatibility/2006" xmlns:mv="urn:schemas-microsoft-com:mac:vml" xmlns:p="http://schemas.openxmlformats.org/presentationml/2006/main" xmlns:c="http://schemas.openxmlformats.org/drawingml/2006/chart" xmlns:dgm="http://schemas.openxmlformats.org/drawingml/2006/diagram" xmlns:o="urn:schemas-microsoft-com:office:office" xmlns:v="urn:schemas-microsoft-com:vml" xmlns:pvml="urn:schemas-microsoft-com:office:powerpoint" xmlns:com="http://schemas.openxmlformats.org/drawingml/2006/compatibility" xmlns:p14="http://schemas.microsoft.com/office/powerpoint/2010/main" xmlns:p15="http://schemas.microsoft.com/office/powerpoint/2012/main" xmlns:ahyp="http://schemas.microsoft.com/office/drawing/2018/hyperlinkcolor" matchingName="Big number">
   <p:cSld name="BIG_NUMBER">
     <p:spTree>
       <p:nvGrpSpPr>
-        <p:cNvPr id="1" name="Shape 44"/>
+        <p:cNvPr id="44" name="Shape 44"/>
         <p:cNvGrpSpPr/>
         <p:nvPr/>
       </p:nvGrpSpPr>
@@ -1444,11 +1500,9 @@
       <p:sp>
         <p:nvSpPr>
           <p:cNvPr id="45" name="Google Shape;45;p11"/>
-          <p:cNvSpPr txBox="1">
-            <a:spLocks noGrp="1"/>
-          </p:cNvSpPr>
+          <p:cNvSpPr txBox="1"/>
           <p:nvPr>
-            <p:ph type="title" hasCustomPrompt="1"/>
+            <p:ph hasCustomPrompt="1" type="title"/>
           </p:nvPr>
         </p:nvSpPr>
         <p:spPr>
@@ -1461,7 +1515,7 @@
           </a:prstGeom>
         </p:spPr>
         <p:txBody>
-          <a:bodyPr spcFirstLastPara="1" wrap="square" lIns="91425" tIns="91425" rIns="91425" bIns="91425" anchor="b" anchorCtr="0">
+          <a:bodyPr anchorCtr="0" anchor="b" bIns="91425" lIns="91425" spcFirstLastPara="1" rIns="91425" wrap="square" tIns="91425">
             <a:noAutofit/>
           </a:bodyPr>
           <a:lstStyle>
@@ -1575,11 +1629,9 @@
       <p:sp>
         <p:nvSpPr>
           <p:cNvPr id="46" name="Google Shape;46;p11"/>
-          <p:cNvSpPr txBox="1">
-            <a:spLocks noGrp="1"/>
-          </p:cNvSpPr>
+          <p:cNvSpPr txBox="1"/>
           <p:nvPr>
-            <p:ph type="body" idx="1"/>
+            <p:ph idx="1" type="body"/>
           </p:nvPr>
         </p:nvSpPr>
         <p:spPr>
@@ -1592,11 +1644,11 @@
           </a:prstGeom>
         </p:spPr>
         <p:txBody>
-          <a:bodyPr spcFirstLastPara="1" wrap="square" lIns="91425" tIns="91425" rIns="91425" bIns="91425" anchor="t" anchorCtr="0">
+          <a:bodyPr anchorCtr="0" anchor="t" bIns="91425" lIns="91425" spcFirstLastPara="1" rIns="91425" wrap="square" tIns="91425">
             <a:noAutofit/>
           </a:bodyPr>
           <a:lstStyle>
-            <a:lvl1pPr marL="457200" lvl="0" indent="-342900" algn="ctr">
+            <a:lvl1pPr indent="-342900" lvl="0" marL="457200" algn="ctr">
               <a:spcBef>
                 <a:spcPts val="0"/>
               </a:spcBef>
@@ -1607,7 +1659,7 @@
               <a:buChar char="●"/>
               <a:defRPr/>
             </a:lvl1pPr>
-            <a:lvl2pPr marL="914400" lvl="1" indent="-317500" algn="ctr">
+            <a:lvl2pPr indent="-317500" lvl="1" marL="914400" algn="ctr">
               <a:spcBef>
                 <a:spcPts val="1600"/>
               </a:spcBef>
@@ -1618,7 +1670,7 @@
               <a:buChar char="○"/>
               <a:defRPr/>
             </a:lvl2pPr>
-            <a:lvl3pPr marL="1371600" lvl="2" indent="-317500" algn="ctr">
+            <a:lvl3pPr indent="-317500" lvl="2" marL="1371600" algn="ctr">
               <a:spcBef>
                 <a:spcPts val="1600"/>
               </a:spcBef>
@@ -1629,7 +1681,7 @@
               <a:buChar char="■"/>
               <a:defRPr/>
             </a:lvl3pPr>
-            <a:lvl4pPr marL="1828800" lvl="3" indent="-317500" algn="ctr">
+            <a:lvl4pPr indent="-317500" lvl="3" marL="1828800" algn="ctr">
               <a:spcBef>
                 <a:spcPts val="1600"/>
               </a:spcBef>
@@ -1640,7 +1692,7 @@
               <a:buChar char="●"/>
               <a:defRPr/>
             </a:lvl4pPr>
-            <a:lvl5pPr marL="2286000" lvl="4" indent="-317500" algn="ctr">
+            <a:lvl5pPr indent="-317500" lvl="4" marL="2286000" algn="ctr">
               <a:spcBef>
                 <a:spcPts val="1600"/>
               </a:spcBef>
@@ -1651,7 +1703,7 @@
               <a:buChar char="○"/>
               <a:defRPr/>
             </a:lvl5pPr>
-            <a:lvl6pPr marL="2743200" lvl="5" indent="-317500" algn="ctr">
+            <a:lvl6pPr indent="-317500" lvl="5" marL="2743200" algn="ctr">
               <a:spcBef>
                 <a:spcPts val="1600"/>
               </a:spcBef>
@@ -1662,7 +1714,7 @@
               <a:buChar char="■"/>
               <a:defRPr/>
             </a:lvl6pPr>
-            <a:lvl7pPr marL="3200400" lvl="6" indent="-317500" algn="ctr">
+            <a:lvl7pPr indent="-317500" lvl="6" marL="3200400" algn="ctr">
               <a:spcBef>
                 <a:spcPts val="1600"/>
               </a:spcBef>
@@ -1673,7 +1725,7 @@
               <a:buChar char="●"/>
               <a:defRPr/>
             </a:lvl7pPr>
-            <a:lvl8pPr marL="3657600" lvl="7" indent="-317500" algn="ctr">
+            <a:lvl8pPr indent="-317500" lvl="7" marL="3657600" algn="ctr">
               <a:spcBef>
                 <a:spcPts val="1600"/>
               </a:spcBef>
@@ -1684,7 +1736,7 @@
               <a:buChar char="○"/>
               <a:defRPr/>
             </a:lvl8pPr>
-            <a:lvl9pPr marL="4114800" lvl="8" indent="-317500" algn="ctr">
+            <a:lvl9pPr indent="-317500" lvl="8" marL="4114800" algn="ctr">
               <a:spcBef>
                 <a:spcPts val="1600"/>
               </a:spcBef>
@@ -1696,19 +1748,15 @@
               <a:defRPr/>
             </a:lvl9pPr>
           </a:lstStyle>
-          <a:p>
-            <a:endParaRPr/>
-          </a:p>
+          <a:p/>
         </p:txBody>
       </p:sp>
       <p:sp>
         <p:nvSpPr>
           <p:cNvPr id="47" name="Google Shape;47;p11"/>
-          <p:cNvSpPr txBox="1">
-            <a:spLocks noGrp="1"/>
-          </p:cNvSpPr>
+          <p:cNvSpPr txBox="1"/>
           <p:nvPr>
-            <p:ph type="sldNum" idx="12"/>
+            <p:ph idx="12" type="sldNum"/>
           </p:nvPr>
         </p:nvSpPr>
         <p:spPr>
@@ -1721,7 +1769,7 @@
           </a:prstGeom>
         </p:spPr>
         <p:txBody>
-          <a:bodyPr spcFirstLastPara="1" wrap="square" lIns="91425" tIns="91425" rIns="91425" bIns="91425" anchor="ctr" anchorCtr="0">
+          <a:bodyPr anchorCtr="0" anchor="ctr" bIns="91425" lIns="91425" spcFirstLastPara="1" rIns="91425" wrap="square" tIns="91425">
             <a:noAutofit/>
           </a:bodyPr>
           <a:lstStyle>
@@ -1763,7 +1811,7 @@
             </a:lvl9pPr>
           </a:lstStyle>
           <a:p>
-            <a:pPr marL="0" lvl="0" indent="0" algn="r" rtl="0">
+            <a:pPr indent="0" lvl="0" marL="0" rtl="0" algn="r">
               <a:spcBef>
                 <a:spcPts val="0"/>
               </a:spcBef>
@@ -1774,7 +1822,7 @@
             </a:pPr>
             <a:fld id="{00000000-1234-1234-1234-123412341234}" type="slidenum">
               <a:rPr lang="fr"/>
-              <a:t>‹N°›</a:t>
+              <a:t>‹#›</a:t>
             </a:fld>
             <a:endParaRPr/>
           </a:p>
@@ -1789,11 +1837,11 @@
 </file>
 
 <file path=ppt/slideLayouts/slideLayout11.xml><?xml version="1.0" encoding="utf-8"?>
-<p:sldLayout xmlns:a="http://schemas.openxmlformats.org/drawingml/2006/main" xmlns:r="http://schemas.openxmlformats.org/officeDocument/2006/relationships" xmlns:p="http://schemas.openxmlformats.org/presentationml/2006/main" matchingName="Blank" type="blank">
+<p:sldLayout xmlns:a="http://schemas.openxmlformats.org/drawingml/2006/main" xmlns:r="http://schemas.openxmlformats.org/officeDocument/2006/relationships" xmlns:mc="http://schemas.openxmlformats.org/markup-compatibility/2006" xmlns:mv="urn:schemas-microsoft-com:mac:vml" xmlns:p="http://schemas.openxmlformats.org/presentationml/2006/main" xmlns:c="http://schemas.openxmlformats.org/drawingml/2006/chart" xmlns:dgm="http://schemas.openxmlformats.org/drawingml/2006/diagram" xmlns:o="urn:schemas-microsoft-com:office:office" xmlns:v="urn:schemas-microsoft-com:vml" xmlns:pvml="urn:schemas-microsoft-com:office:powerpoint" xmlns:com="http://schemas.openxmlformats.org/drawingml/2006/compatibility" xmlns:p14="http://schemas.microsoft.com/office/powerpoint/2010/main" xmlns:p15="http://schemas.microsoft.com/office/powerpoint/2012/main" xmlns:ahyp="http://schemas.microsoft.com/office/drawing/2018/hyperlinkcolor" matchingName="Blank" type="blank">
   <p:cSld name="BLANK">
     <p:spTree>
       <p:nvGrpSpPr>
-        <p:cNvPr id="1" name="Shape 48"/>
+        <p:cNvPr id="48" name="Shape 48"/>
         <p:cNvGrpSpPr/>
         <p:nvPr/>
       </p:nvGrpSpPr>
@@ -1808,11 +1856,9 @@
       <p:sp>
         <p:nvSpPr>
           <p:cNvPr id="49" name="Google Shape;49;p12"/>
-          <p:cNvSpPr txBox="1">
-            <a:spLocks noGrp="1"/>
-          </p:cNvSpPr>
+          <p:cNvSpPr txBox="1"/>
           <p:nvPr>
-            <p:ph type="sldNum" idx="12"/>
+            <p:ph idx="12" type="sldNum"/>
           </p:nvPr>
         </p:nvSpPr>
         <p:spPr>
@@ -1825,7 +1871,7 @@
           </a:prstGeom>
         </p:spPr>
         <p:txBody>
-          <a:bodyPr spcFirstLastPara="1" wrap="square" lIns="91425" tIns="91425" rIns="91425" bIns="91425" anchor="ctr" anchorCtr="0">
+          <a:bodyPr anchorCtr="0" anchor="ctr" bIns="91425" lIns="91425" spcFirstLastPara="1" rIns="91425" wrap="square" tIns="91425">
             <a:noAutofit/>
           </a:bodyPr>
           <a:lstStyle>
@@ -1867,7 +1913,7 @@
             </a:lvl9pPr>
           </a:lstStyle>
           <a:p>
-            <a:pPr marL="0" lvl="0" indent="0" algn="r" rtl="0">
+            <a:pPr indent="0" lvl="0" marL="0" rtl="0" algn="r">
               <a:spcBef>
                 <a:spcPts val="0"/>
               </a:spcBef>
@@ -1878,7 +1924,7 @@
             </a:pPr>
             <a:fld id="{00000000-1234-1234-1234-123412341234}" type="slidenum">
               <a:rPr lang="fr"/>
-              <a:t>‹N°›</a:t>
+              <a:t>‹#›</a:t>
             </a:fld>
             <a:endParaRPr/>
           </a:p>
@@ -1893,11 +1939,11 @@
 </file>
 
 <file path=ppt/slideLayouts/slideLayout2.xml><?xml version="1.0" encoding="utf-8"?>
-<p:sldLayout xmlns:a="http://schemas.openxmlformats.org/drawingml/2006/main" xmlns:r="http://schemas.openxmlformats.org/officeDocument/2006/relationships" xmlns:p="http://schemas.openxmlformats.org/presentationml/2006/main" matchingName="Section header" type="secHead">
+<p:sldLayout xmlns:a="http://schemas.openxmlformats.org/drawingml/2006/main" xmlns:r="http://schemas.openxmlformats.org/officeDocument/2006/relationships" xmlns:mc="http://schemas.openxmlformats.org/markup-compatibility/2006" xmlns:mv="urn:schemas-microsoft-com:mac:vml" xmlns:p="http://schemas.openxmlformats.org/presentationml/2006/main" xmlns:c="http://schemas.openxmlformats.org/drawingml/2006/chart" xmlns:dgm="http://schemas.openxmlformats.org/drawingml/2006/diagram" xmlns:o="urn:schemas-microsoft-com:office:office" xmlns:v="urn:schemas-microsoft-com:vml" xmlns:pvml="urn:schemas-microsoft-com:office:powerpoint" xmlns:com="http://schemas.openxmlformats.org/drawingml/2006/compatibility" xmlns:p14="http://schemas.microsoft.com/office/powerpoint/2010/main" xmlns:p15="http://schemas.microsoft.com/office/powerpoint/2012/main" xmlns:ahyp="http://schemas.microsoft.com/office/drawing/2018/hyperlinkcolor" matchingName="Section header" type="secHead">
   <p:cSld name="SECTION_HEADER">
     <p:spTree>
       <p:nvGrpSpPr>
-        <p:cNvPr id="1" name="Shape 13"/>
+        <p:cNvPr id="13" name="Shape 13"/>
         <p:cNvGrpSpPr/>
         <p:nvPr/>
       </p:nvGrpSpPr>
@@ -1912,9 +1958,7 @@
       <p:sp>
         <p:nvSpPr>
           <p:cNvPr id="14" name="Google Shape;14;p3"/>
-          <p:cNvSpPr txBox="1">
-            <a:spLocks noGrp="1"/>
-          </p:cNvSpPr>
+          <p:cNvSpPr txBox="1"/>
           <p:nvPr>
             <p:ph type="title"/>
           </p:nvPr>
@@ -1929,7 +1973,7 @@
           </a:prstGeom>
         </p:spPr>
         <p:txBody>
-          <a:bodyPr spcFirstLastPara="1" wrap="square" lIns="91425" tIns="91425" rIns="91425" bIns="91425" anchor="ctr" anchorCtr="0">
+          <a:bodyPr anchorCtr="0" anchor="ctr" bIns="91425" lIns="91425" spcFirstLastPara="1" rIns="91425" wrap="square" tIns="91425">
             <a:noAutofit/>
           </a:bodyPr>
           <a:lstStyle>
@@ -2033,19 +2077,15 @@
               <a:defRPr sz="3600"/>
             </a:lvl9pPr>
           </a:lstStyle>
-          <a:p>
-            <a:endParaRPr/>
-          </a:p>
+          <a:p/>
         </p:txBody>
       </p:sp>
       <p:sp>
         <p:nvSpPr>
           <p:cNvPr id="15" name="Google Shape;15;p3"/>
-          <p:cNvSpPr txBox="1">
-            <a:spLocks noGrp="1"/>
-          </p:cNvSpPr>
+          <p:cNvSpPr txBox="1"/>
           <p:nvPr>
-            <p:ph type="sldNum" idx="12"/>
+            <p:ph idx="12" type="sldNum"/>
           </p:nvPr>
         </p:nvSpPr>
         <p:spPr>
@@ -2058,7 +2098,7 @@
           </a:prstGeom>
         </p:spPr>
         <p:txBody>
-          <a:bodyPr spcFirstLastPara="1" wrap="square" lIns="91425" tIns="91425" rIns="91425" bIns="91425" anchor="ctr" anchorCtr="0">
+          <a:bodyPr anchorCtr="0" anchor="ctr" bIns="91425" lIns="91425" spcFirstLastPara="1" rIns="91425" wrap="square" tIns="91425">
             <a:noAutofit/>
           </a:bodyPr>
           <a:lstStyle>
@@ -2100,7 +2140,7 @@
             </a:lvl9pPr>
           </a:lstStyle>
           <a:p>
-            <a:pPr marL="0" lvl="0" indent="0" algn="r" rtl="0">
+            <a:pPr indent="0" lvl="0" marL="0" rtl="0" algn="r">
               <a:spcBef>
                 <a:spcPts val="0"/>
               </a:spcBef>
@@ -2111,7 +2151,7 @@
             </a:pPr>
             <a:fld id="{00000000-1234-1234-1234-123412341234}" type="slidenum">
               <a:rPr lang="fr"/>
-              <a:t>‹N°›</a:t>
+              <a:t>‹#›</a:t>
             </a:fld>
             <a:endParaRPr/>
           </a:p>
@@ -2126,11 +2166,11 @@
 </file>
 
 <file path=ppt/slideLayouts/slideLayout3.xml><?xml version="1.0" encoding="utf-8"?>
-<p:sldLayout xmlns:a="http://schemas.openxmlformats.org/drawingml/2006/main" xmlns:r="http://schemas.openxmlformats.org/officeDocument/2006/relationships" xmlns:p="http://schemas.openxmlformats.org/presentationml/2006/main" matchingName="Title and body" type="tx">
+<p:sldLayout xmlns:a="http://schemas.openxmlformats.org/drawingml/2006/main" xmlns:r="http://schemas.openxmlformats.org/officeDocument/2006/relationships" xmlns:mc="http://schemas.openxmlformats.org/markup-compatibility/2006" xmlns:mv="urn:schemas-microsoft-com:mac:vml" xmlns:p="http://schemas.openxmlformats.org/presentationml/2006/main" xmlns:c="http://schemas.openxmlformats.org/drawingml/2006/chart" xmlns:dgm="http://schemas.openxmlformats.org/drawingml/2006/diagram" xmlns:o="urn:schemas-microsoft-com:office:office" xmlns:v="urn:schemas-microsoft-com:vml" xmlns:pvml="urn:schemas-microsoft-com:office:powerpoint" xmlns:com="http://schemas.openxmlformats.org/drawingml/2006/compatibility" xmlns:p14="http://schemas.microsoft.com/office/powerpoint/2010/main" xmlns:p15="http://schemas.microsoft.com/office/powerpoint/2012/main" xmlns:ahyp="http://schemas.microsoft.com/office/drawing/2018/hyperlinkcolor" matchingName="Title and body" type="tx">
   <p:cSld name="TITLE_AND_BODY">
     <p:spTree>
       <p:nvGrpSpPr>
-        <p:cNvPr id="1" name="Shape 16"/>
+        <p:cNvPr id="16" name="Shape 16"/>
         <p:cNvGrpSpPr/>
         <p:nvPr/>
       </p:nvGrpSpPr>
@@ -2145,9 +2185,7 @@
       <p:sp>
         <p:nvSpPr>
           <p:cNvPr id="17" name="Google Shape;17;p4"/>
-          <p:cNvSpPr txBox="1">
-            <a:spLocks noGrp="1"/>
-          </p:cNvSpPr>
+          <p:cNvSpPr txBox="1"/>
           <p:nvPr>
             <p:ph type="title"/>
           </p:nvPr>
@@ -2162,7 +2200,7 @@
           </a:prstGeom>
         </p:spPr>
         <p:txBody>
-          <a:bodyPr spcFirstLastPara="1" wrap="square" lIns="91425" tIns="91425" rIns="91425" bIns="91425" anchor="t" anchorCtr="0">
+          <a:bodyPr anchorCtr="0" anchor="t" bIns="91425" lIns="91425" spcFirstLastPara="1" rIns="91425" wrap="square" tIns="91425">
             <a:noAutofit/>
           </a:bodyPr>
           <a:lstStyle>
@@ -2266,19 +2304,15 @@
               <a:defRPr/>
             </a:lvl9pPr>
           </a:lstStyle>
-          <a:p>
-            <a:endParaRPr/>
-          </a:p>
+          <a:p/>
         </p:txBody>
       </p:sp>
       <p:sp>
         <p:nvSpPr>
           <p:cNvPr id="18" name="Google Shape;18;p4"/>
-          <p:cNvSpPr txBox="1">
-            <a:spLocks noGrp="1"/>
-          </p:cNvSpPr>
+          <p:cNvSpPr txBox="1"/>
           <p:nvPr>
-            <p:ph type="body" idx="1"/>
+            <p:ph idx="1" type="body"/>
           </p:nvPr>
         </p:nvSpPr>
         <p:spPr>
@@ -2291,11 +2325,11 @@
           </a:prstGeom>
         </p:spPr>
         <p:txBody>
-          <a:bodyPr spcFirstLastPara="1" wrap="square" lIns="91425" tIns="91425" rIns="91425" bIns="91425" anchor="t" anchorCtr="0">
+          <a:bodyPr anchorCtr="0" anchor="t" bIns="91425" lIns="91425" spcFirstLastPara="1" rIns="91425" wrap="square" tIns="91425">
             <a:noAutofit/>
           </a:bodyPr>
           <a:lstStyle>
-            <a:lvl1pPr marL="457200" lvl="0" indent="-342900">
+            <a:lvl1pPr indent="-342900" lvl="0" marL="457200">
               <a:spcBef>
                 <a:spcPts val="0"/>
               </a:spcBef>
@@ -2306,7 +2340,7 @@
               <a:buChar char="●"/>
               <a:defRPr/>
             </a:lvl1pPr>
-            <a:lvl2pPr marL="914400" lvl="1" indent="-317500">
+            <a:lvl2pPr indent="-317500" lvl="1" marL="914400">
               <a:spcBef>
                 <a:spcPts val="1600"/>
               </a:spcBef>
@@ -2317,7 +2351,7 @@
               <a:buChar char="○"/>
               <a:defRPr/>
             </a:lvl2pPr>
-            <a:lvl3pPr marL="1371600" lvl="2" indent="-317500">
+            <a:lvl3pPr indent="-317500" lvl="2" marL="1371600">
               <a:spcBef>
                 <a:spcPts val="1600"/>
               </a:spcBef>
@@ -2328,7 +2362,7 @@
               <a:buChar char="■"/>
               <a:defRPr/>
             </a:lvl3pPr>
-            <a:lvl4pPr marL="1828800" lvl="3" indent="-317500">
+            <a:lvl4pPr indent="-317500" lvl="3" marL="1828800">
               <a:spcBef>
                 <a:spcPts val="1600"/>
               </a:spcBef>
@@ -2339,7 +2373,7 @@
               <a:buChar char="●"/>
               <a:defRPr/>
             </a:lvl4pPr>
-            <a:lvl5pPr marL="2286000" lvl="4" indent="-317500">
+            <a:lvl5pPr indent="-317500" lvl="4" marL="2286000">
               <a:spcBef>
                 <a:spcPts val="1600"/>
               </a:spcBef>
@@ -2350,7 +2384,7 @@
               <a:buChar char="○"/>
               <a:defRPr/>
             </a:lvl5pPr>
-            <a:lvl6pPr marL="2743200" lvl="5" indent="-317500">
+            <a:lvl6pPr indent="-317500" lvl="5" marL="2743200">
               <a:spcBef>
                 <a:spcPts val="1600"/>
               </a:spcBef>
@@ -2361,7 +2395,7 @@
               <a:buChar char="■"/>
               <a:defRPr/>
             </a:lvl6pPr>
-            <a:lvl7pPr marL="3200400" lvl="6" indent="-317500">
+            <a:lvl7pPr indent="-317500" lvl="6" marL="3200400">
               <a:spcBef>
                 <a:spcPts val="1600"/>
               </a:spcBef>
@@ -2372,7 +2406,7 @@
               <a:buChar char="●"/>
               <a:defRPr/>
             </a:lvl7pPr>
-            <a:lvl8pPr marL="3657600" lvl="7" indent="-317500">
+            <a:lvl8pPr indent="-317500" lvl="7" marL="3657600">
               <a:spcBef>
                 <a:spcPts val="1600"/>
               </a:spcBef>
@@ -2383,7 +2417,7 @@
               <a:buChar char="○"/>
               <a:defRPr/>
             </a:lvl8pPr>
-            <a:lvl9pPr marL="4114800" lvl="8" indent="-317500">
+            <a:lvl9pPr indent="-317500" lvl="8" marL="4114800">
               <a:spcBef>
                 <a:spcPts val="1600"/>
               </a:spcBef>
@@ -2395,19 +2429,15 @@
               <a:defRPr/>
             </a:lvl9pPr>
           </a:lstStyle>
-          <a:p>
-            <a:endParaRPr/>
-          </a:p>
+          <a:p/>
         </p:txBody>
       </p:sp>
       <p:sp>
         <p:nvSpPr>
           <p:cNvPr id="19" name="Google Shape;19;p4"/>
-          <p:cNvSpPr txBox="1">
-            <a:spLocks noGrp="1"/>
-          </p:cNvSpPr>
+          <p:cNvSpPr txBox="1"/>
           <p:nvPr>
-            <p:ph type="sldNum" idx="12"/>
+            <p:ph idx="12" type="sldNum"/>
           </p:nvPr>
         </p:nvSpPr>
         <p:spPr>
@@ -2420,7 +2450,7 @@
           </a:prstGeom>
         </p:spPr>
         <p:txBody>
-          <a:bodyPr spcFirstLastPara="1" wrap="square" lIns="91425" tIns="91425" rIns="91425" bIns="91425" anchor="ctr" anchorCtr="0">
+          <a:bodyPr anchorCtr="0" anchor="ctr" bIns="91425" lIns="91425" spcFirstLastPara="1" rIns="91425" wrap="square" tIns="91425">
             <a:noAutofit/>
           </a:bodyPr>
           <a:lstStyle>
@@ -2462,7 +2492,7 @@
             </a:lvl9pPr>
           </a:lstStyle>
           <a:p>
-            <a:pPr marL="0" lvl="0" indent="0" algn="r" rtl="0">
+            <a:pPr indent="0" lvl="0" marL="0" rtl="0" algn="r">
               <a:spcBef>
                 <a:spcPts val="0"/>
               </a:spcBef>
@@ -2473,7 +2503,7 @@
             </a:pPr>
             <a:fld id="{00000000-1234-1234-1234-123412341234}" type="slidenum">
               <a:rPr lang="fr"/>
-              <a:t>‹N°›</a:t>
+              <a:t>‹#›</a:t>
             </a:fld>
             <a:endParaRPr/>
           </a:p>
@@ -2488,11 +2518,11 @@
 </file>
 
 <file path=ppt/slideLayouts/slideLayout4.xml><?xml version="1.0" encoding="utf-8"?>
-<p:sldLayout xmlns:a="http://schemas.openxmlformats.org/drawingml/2006/main" xmlns:r="http://schemas.openxmlformats.org/officeDocument/2006/relationships" xmlns:p="http://schemas.openxmlformats.org/presentationml/2006/main" matchingName="Title and two columns" type="twoColTx">
+<p:sldLayout xmlns:a="http://schemas.openxmlformats.org/drawingml/2006/main" xmlns:r="http://schemas.openxmlformats.org/officeDocument/2006/relationships" xmlns:mc="http://schemas.openxmlformats.org/markup-compatibility/2006" xmlns:mv="urn:schemas-microsoft-com:mac:vml" xmlns:p="http://schemas.openxmlformats.org/presentationml/2006/main" xmlns:c="http://schemas.openxmlformats.org/drawingml/2006/chart" xmlns:dgm="http://schemas.openxmlformats.org/drawingml/2006/diagram" xmlns:o="urn:schemas-microsoft-com:office:office" xmlns:v="urn:schemas-microsoft-com:vml" xmlns:pvml="urn:schemas-microsoft-com:office:powerpoint" xmlns:com="http://schemas.openxmlformats.org/drawingml/2006/compatibility" xmlns:p14="http://schemas.microsoft.com/office/powerpoint/2010/main" xmlns:p15="http://schemas.microsoft.com/office/powerpoint/2012/main" xmlns:ahyp="http://schemas.microsoft.com/office/drawing/2018/hyperlinkcolor" matchingName="Title and two columns" type="twoColTx">
   <p:cSld name="TITLE_AND_TWO_COLUMNS">
     <p:spTree>
       <p:nvGrpSpPr>
-        <p:cNvPr id="1" name="Shape 20"/>
+        <p:cNvPr id="20" name="Shape 20"/>
         <p:cNvGrpSpPr/>
         <p:nvPr/>
       </p:nvGrpSpPr>
@@ -2507,9 +2537,7 @@
       <p:sp>
         <p:nvSpPr>
           <p:cNvPr id="21" name="Google Shape;21;p5"/>
-          <p:cNvSpPr txBox="1">
-            <a:spLocks noGrp="1"/>
-          </p:cNvSpPr>
+          <p:cNvSpPr txBox="1"/>
           <p:nvPr>
             <p:ph type="title"/>
           </p:nvPr>
@@ -2524,7 +2552,7 @@
           </a:prstGeom>
         </p:spPr>
         <p:txBody>
-          <a:bodyPr spcFirstLastPara="1" wrap="square" lIns="91425" tIns="91425" rIns="91425" bIns="91425" anchor="t" anchorCtr="0">
+          <a:bodyPr anchorCtr="0" anchor="t" bIns="91425" lIns="91425" spcFirstLastPara="1" rIns="91425" wrap="square" tIns="91425">
             <a:noAutofit/>
           </a:bodyPr>
           <a:lstStyle>
@@ -2628,19 +2656,15 @@
               <a:defRPr/>
             </a:lvl9pPr>
           </a:lstStyle>
-          <a:p>
-            <a:endParaRPr/>
-          </a:p>
+          <a:p/>
         </p:txBody>
       </p:sp>
       <p:sp>
         <p:nvSpPr>
           <p:cNvPr id="22" name="Google Shape;22;p5"/>
-          <p:cNvSpPr txBox="1">
-            <a:spLocks noGrp="1"/>
-          </p:cNvSpPr>
+          <p:cNvSpPr txBox="1"/>
           <p:nvPr>
-            <p:ph type="body" idx="1"/>
+            <p:ph idx="1" type="body"/>
           </p:nvPr>
         </p:nvSpPr>
         <p:spPr>
@@ -2653,11 +2677,11 @@
           </a:prstGeom>
         </p:spPr>
         <p:txBody>
-          <a:bodyPr spcFirstLastPara="1" wrap="square" lIns="91425" tIns="91425" rIns="91425" bIns="91425" anchor="t" anchorCtr="0">
+          <a:bodyPr anchorCtr="0" anchor="t" bIns="91425" lIns="91425" spcFirstLastPara="1" rIns="91425" wrap="square" tIns="91425">
             <a:noAutofit/>
           </a:bodyPr>
           <a:lstStyle>
-            <a:lvl1pPr marL="457200" lvl="0" indent="-317500">
+            <a:lvl1pPr indent="-317500" lvl="0" marL="457200">
               <a:spcBef>
                 <a:spcPts val="0"/>
               </a:spcBef>
@@ -2668,7 +2692,7 @@
               <a:buChar char="●"/>
               <a:defRPr sz="1400"/>
             </a:lvl1pPr>
-            <a:lvl2pPr marL="914400" lvl="1" indent="-304800">
+            <a:lvl2pPr indent="-304800" lvl="1" marL="914400">
               <a:spcBef>
                 <a:spcPts val="1600"/>
               </a:spcBef>
@@ -2679,7 +2703,7 @@
               <a:buChar char="○"/>
               <a:defRPr sz="1200"/>
             </a:lvl2pPr>
-            <a:lvl3pPr marL="1371600" lvl="2" indent="-304800">
+            <a:lvl3pPr indent="-304800" lvl="2" marL="1371600">
               <a:spcBef>
                 <a:spcPts val="1600"/>
               </a:spcBef>
@@ -2690,7 +2714,7 @@
               <a:buChar char="■"/>
               <a:defRPr sz="1200"/>
             </a:lvl3pPr>
-            <a:lvl4pPr marL="1828800" lvl="3" indent="-304800">
+            <a:lvl4pPr indent="-304800" lvl="3" marL="1828800">
               <a:spcBef>
                 <a:spcPts val="1600"/>
               </a:spcBef>
@@ -2701,7 +2725,7 @@
               <a:buChar char="●"/>
               <a:defRPr sz="1200"/>
             </a:lvl4pPr>
-            <a:lvl5pPr marL="2286000" lvl="4" indent="-304800">
+            <a:lvl5pPr indent="-304800" lvl="4" marL="2286000">
               <a:spcBef>
                 <a:spcPts val="1600"/>
               </a:spcBef>
@@ -2712,7 +2736,7 @@
               <a:buChar char="○"/>
               <a:defRPr sz="1200"/>
             </a:lvl5pPr>
-            <a:lvl6pPr marL="2743200" lvl="5" indent="-304800">
+            <a:lvl6pPr indent="-304800" lvl="5" marL="2743200">
               <a:spcBef>
                 <a:spcPts val="1600"/>
               </a:spcBef>
@@ -2723,7 +2747,7 @@
               <a:buChar char="■"/>
               <a:defRPr sz="1200"/>
             </a:lvl6pPr>
-            <a:lvl7pPr marL="3200400" lvl="6" indent="-304800">
+            <a:lvl7pPr indent="-304800" lvl="6" marL="3200400">
               <a:spcBef>
                 <a:spcPts val="1600"/>
               </a:spcBef>
@@ -2734,7 +2758,7 @@
               <a:buChar char="●"/>
               <a:defRPr sz="1200"/>
             </a:lvl7pPr>
-            <a:lvl8pPr marL="3657600" lvl="7" indent="-304800">
+            <a:lvl8pPr indent="-304800" lvl="7" marL="3657600">
               <a:spcBef>
                 <a:spcPts val="1600"/>
               </a:spcBef>
@@ -2745,7 +2769,7 @@
               <a:buChar char="○"/>
               <a:defRPr sz="1200"/>
             </a:lvl8pPr>
-            <a:lvl9pPr marL="4114800" lvl="8" indent="-304800">
+            <a:lvl9pPr indent="-304800" lvl="8" marL="4114800">
               <a:spcBef>
                 <a:spcPts val="1600"/>
               </a:spcBef>
@@ -2757,19 +2781,15 @@
               <a:defRPr sz="1200"/>
             </a:lvl9pPr>
           </a:lstStyle>
-          <a:p>
-            <a:endParaRPr/>
-          </a:p>
+          <a:p/>
         </p:txBody>
       </p:sp>
       <p:sp>
         <p:nvSpPr>
           <p:cNvPr id="23" name="Google Shape;23;p5"/>
-          <p:cNvSpPr txBox="1">
-            <a:spLocks noGrp="1"/>
-          </p:cNvSpPr>
+          <p:cNvSpPr txBox="1"/>
           <p:nvPr>
-            <p:ph type="body" idx="2"/>
+            <p:ph idx="2" type="body"/>
           </p:nvPr>
         </p:nvSpPr>
         <p:spPr>
@@ -2782,11 +2802,11 @@
           </a:prstGeom>
         </p:spPr>
         <p:txBody>
-          <a:bodyPr spcFirstLastPara="1" wrap="square" lIns="91425" tIns="91425" rIns="91425" bIns="91425" anchor="t" anchorCtr="0">
+          <a:bodyPr anchorCtr="0" anchor="t" bIns="91425" lIns="91425" spcFirstLastPara="1" rIns="91425" wrap="square" tIns="91425">
             <a:noAutofit/>
           </a:bodyPr>
           <a:lstStyle>
-            <a:lvl1pPr marL="457200" lvl="0" indent="-317500">
+            <a:lvl1pPr indent="-317500" lvl="0" marL="457200">
               <a:spcBef>
                 <a:spcPts val="0"/>
               </a:spcBef>
@@ -2797,7 +2817,7 @@
               <a:buChar char="●"/>
               <a:defRPr sz="1400"/>
             </a:lvl1pPr>
-            <a:lvl2pPr marL="914400" lvl="1" indent="-304800">
+            <a:lvl2pPr indent="-304800" lvl="1" marL="914400">
               <a:spcBef>
                 <a:spcPts val="1600"/>
               </a:spcBef>
@@ -2808,7 +2828,7 @@
               <a:buChar char="○"/>
               <a:defRPr sz="1200"/>
             </a:lvl2pPr>
-            <a:lvl3pPr marL="1371600" lvl="2" indent="-304800">
+            <a:lvl3pPr indent="-304800" lvl="2" marL="1371600">
               <a:spcBef>
                 <a:spcPts val="1600"/>
               </a:spcBef>
@@ -2819,7 +2839,7 @@
               <a:buChar char="■"/>
               <a:defRPr sz="1200"/>
             </a:lvl3pPr>
-            <a:lvl4pPr marL="1828800" lvl="3" indent="-304800">
+            <a:lvl4pPr indent="-304800" lvl="3" marL="1828800">
               <a:spcBef>
                 <a:spcPts val="1600"/>
               </a:spcBef>
@@ -2830,7 +2850,7 @@
               <a:buChar char="●"/>
               <a:defRPr sz="1200"/>
             </a:lvl4pPr>
-            <a:lvl5pPr marL="2286000" lvl="4" indent="-304800">
+            <a:lvl5pPr indent="-304800" lvl="4" marL="2286000">
               <a:spcBef>
                 <a:spcPts val="1600"/>
               </a:spcBef>
@@ -2841,7 +2861,7 @@
               <a:buChar char="○"/>
               <a:defRPr sz="1200"/>
             </a:lvl5pPr>
-            <a:lvl6pPr marL="2743200" lvl="5" indent="-304800">
+            <a:lvl6pPr indent="-304800" lvl="5" marL="2743200">
               <a:spcBef>
                 <a:spcPts val="1600"/>
               </a:spcBef>
@@ -2852,7 +2872,7 @@
               <a:buChar char="■"/>
               <a:defRPr sz="1200"/>
             </a:lvl6pPr>
-            <a:lvl7pPr marL="3200400" lvl="6" indent="-304800">
+            <a:lvl7pPr indent="-304800" lvl="6" marL="3200400">
               <a:spcBef>
                 <a:spcPts val="1600"/>
               </a:spcBef>
@@ -2863,7 +2883,7 @@
               <a:buChar char="●"/>
               <a:defRPr sz="1200"/>
             </a:lvl7pPr>
-            <a:lvl8pPr marL="3657600" lvl="7" indent="-304800">
+            <a:lvl8pPr indent="-304800" lvl="7" marL="3657600">
               <a:spcBef>
                 <a:spcPts val="1600"/>
               </a:spcBef>
@@ -2874,7 +2894,7 @@
               <a:buChar char="○"/>
               <a:defRPr sz="1200"/>
             </a:lvl8pPr>
-            <a:lvl9pPr marL="4114800" lvl="8" indent="-304800">
+            <a:lvl9pPr indent="-304800" lvl="8" marL="4114800">
               <a:spcBef>
                 <a:spcPts val="1600"/>
               </a:spcBef>
@@ -2886,19 +2906,15 @@
               <a:defRPr sz="1200"/>
             </a:lvl9pPr>
           </a:lstStyle>
-          <a:p>
-            <a:endParaRPr/>
-          </a:p>
+          <a:p/>
         </p:txBody>
       </p:sp>
       <p:sp>
         <p:nvSpPr>
           <p:cNvPr id="24" name="Google Shape;24;p5"/>
-          <p:cNvSpPr txBox="1">
-            <a:spLocks noGrp="1"/>
-          </p:cNvSpPr>
+          <p:cNvSpPr txBox="1"/>
           <p:nvPr>
-            <p:ph type="sldNum" idx="12"/>
+            <p:ph idx="12" type="sldNum"/>
           </p:nvPr>
         </p:nvSpPr>
         <p:spPr>
@@ -2911,7 +2927,7 @@
           </a:prstGeom>
         </p:spPr>
         <p:txBody>
-          <a:bodyPr spcFirstLastPara="1" wrap="square" lIns="91425" tIns="91425" rIns="91425" bIns="91425" anchor="ctr" anchorCtr="0">
+          <a:bodyPr anchorCtr="0" anchor="ctr" bIns="91425" lIns="91425" spcFirstLastPara="1" rIns="91425" wrap="square" tIns="91425">
             <a:noAutofit/>
           </a:bodyPr>
           <a:lstStyle>
@@ -2953,7 +2969,7 @@
             </a:lvl9pPr>
           </a:lstStyle>
           <a:p>
-            <a:pPr marL="0" lvl="0" indent="0" algn="r" rtl="0">
+            <a:pPr indent="0" lvl="0" marL="0" rtl="0" algn="r">
               <a:spcBef>
                 <a:spcPts val="0"/>
               </a:spcBef>
@@ -2964,7 +2980,7 @@
             </a:pPr>
             <a:fld id="{00000000-1234-1234-1234-123412341234}" type="slidenum">
               <a:rPr lang="fr"/>
-              <a:t>‹N°›</a:t>
+              <a:t>‹#›</a:t>
             </a:fld>
             <a:endParaRPr/>
           </a:p>
@@ -2979,11 +2995,11 @@
 </file>
 
 <file path=ppt/slideLayouts/slideLayout5.xml><?xml version="1.0" encoding="utf-8"?>
-<p:sldLayout xmlns:a="http://schemas.openxmlformats.org/drawingml/2006/main" xmlns:r="http://schemas.openxmlformats.org/officeDocument/2006/relationships" xmlns:p="http://schemas.openxmlformats.org/presentationml/2006/main" matchingName="Title only" type="titleOnly">
+<p:sldLayout xmlns:a="http://schemas.openxmlformats.org/drawingml/2006/main" xmlns:r="http://schemas.openxmlformats.org/officeDocument/2006/relationships" xmlns:mc="http://schemas.openxmlformats.org/markup-compatibility/2006" xmlns:mv="urn:schemas-microsoft-com:mac:vml" xmlns:p="http://schemas.openxmlformats.org/presentationml/2006/main" xmlns:c="http://schemas.openxmlformats.org/drawingml/2006/chart" xmlns:dgm="http://schemas.openxmlformats.org/drawingml/2006/diagram" xmlns:o="urn:schemas-microsoft-com:office:office" xmlns:v="urn:schemas-microsoft-com:vml" xmlns:pvml="urn:schemas-microsoft-com:office:powerpoint" xmlns:com="http://schemas.openxmlformats.org/drawingml/2006/compatibility" xmlns:p14="http://schemas.microsoft.com/office/powerpoint/2010/main" xmlns:p15="http://schemas.microsoft.com/office/powerpoint/2012/main" xmlns:ahyp="http://schemas.microsoft.com/office/drawing/2018/hyperlinkcolor" matchingName="Title only" type="titleOnly">
   <p:cSld name="TITLE_ONLY">
     <p:spTree>
       <p:nvGrpSpPr>
-        <p:cNvPr id="1" name="Shape 25"/>
+        <p:cNvPr id="25" name="Shape 25"/>
         <p:cNvGrpSpPr/>
         <p:nvPr/>
       </p:nvGrpSpPr>
@@ -2998,9 +3014,7 @@
       <p:sp>
         <p:nvSpPr>
           <p:cNvPr id="26" name="Google Shape;26;p6"/>
-          <p:cNvSpPr txBox="1">
-            <a:spLocks noGrp="1"/>
-          </p:cNvSpPr>
+          <p:cNvSpPr txBox="1"/>
           <p:nvPr>
             <p:ph type="title"/>
           </p:nvPr>
@@ -3015,7 +3029,7 @@
           </a:prstGeom>
         </p:spPr>
         <p:txBody>
-          <a:bodyPr spcFirstLastPara="1" wrap="square" lIns="91425" tIns="91425" rIns="91425" bIns="91425" anchor="t" anchorCtr="0">
+          <a:bodyPr anchorCtr="0" anchor="t" bIns="91425" lIns="91425" spcFirstLastPara="1" rIns="91425" wrap="square" tIns="91425">
             <a:noAutofit/>
           </a:bodyPr>
           <a:lstStyle>
@@ -3119,19 +3133,15 @@
               <a:defRPr/>
             </a:lvl9pPr>
           </a:lstStyle>
-          <a:p>
-            <a:endParaRPr/>
-          </a:p>
+          <a:p/>
         </p:txBody>
       </p:sp>
       <p:sp>
         <p:nvSpPr>
           <p:cNvPr id="27" name="Google Shape;27;p6"/>
-          <p:cNvSpPr txBox="1">
-            <a:spLocks noGrp="1"/>
-          </p:cNvSpPr>
+          <p:cNvSpPr txBox="1"/>
           <p:nvPr>
-            <p:ph type="sldNum" idx="12"/>
+            <p:ph idx="12" type="sldNum"/>
           </p:nvPr>
         </p:nvSpPr>
         <p:spPr>
@@ -3144,7 +3154,7 @@
           </a:prstGeom>
         </p:spPr>
         <p:txBody>
-          <a:bodyPr spcFirstLastPara="1" wrap="square" lIns="91425" tIns="91425" rIns="91425" bIns="91425" anchor="ctr" anchorCtr="0">
+          <a:bodyPr anchorCtr="0" anchor="ctr" bIns="91425" lIns="91425" spcFirstLastPara="1" rIns="91425" wrap="square" tIns="91425">
             <a:noAutofit/>
           </a:bodyPr>
           <a:lstStyle>
@@ -3186,7 +3196,7 @@
             </a:lvl9pPr>
           </a:lstStyle>
           <a:p>
-            <a:pPr marL="0" lvl="0" indent="0" algn="r" rtl="0">
+            <a:pPr indent="0" lvl="0" marL="0" rtl="0" algn="r">
               <a:spcBef>
                 <a:spcPts val="0"/>
               </a:spcBef>
@@ -3197,7 +3207,7 @@
             </a:pPr>
             <a:fld id="{00000000-1234-1234-1234-123412341234}" type="slidenum">
               <a:rPr lang="fr"/>
-              <a:t>‹N°›</a:t>
+              <a:t>‹#›</a:t>
             </a:fld>
             <a:endParaRPr/>
           </a:p>
@@ -3212,11 +3222,11 @@
 </file>
 
 <file path=ppt/slideLayouts/slideLayout6.xml><?xml version="1.0" encoding="utf-8"?>
-<p:sldLayout xmlns:a="http://schemas.openxmlformats.org/drawingml/2006/main" xmlns:r="http://schemas.openxmlformats.org/officeDocument/2006/relationships" xmlns:p="http://schemas.openxmlformats.org/presentationml/2006/main" matchingName="One column text">
+<p:sldLayout xmlns:a="http://schemas.openxmlformats.org/drawingml/2006/main" xmlns:r="http://schemas.openxmlformats.org/officeDocument/2006/relationships" xmlns:mc="http://schemas.openxmlformats.org/markup-compatibility/2006" xmlns:mv="urn:schemas-microsoft-com:mac:vml" xmlns:p="http://schemas.openxmlformats.org/presentationml/2006/main" xmlns:c="http://schemas.openxmlformats.org/drawingml/2006/chart" xmlns:dgm="http://schemas.openxmlformats.org/drawingml/2006/diagram" xmlns:o="urn:schemas-microsoft-com:office:office" xmlns:v="urn:schemas-microsoft-com:vml" xmlns:pvml="urn:schemas-microsoft-com:office:powerpoint" xmlns:com="http://schemas.openxmlformats.org/drawingml/2006/compatibility" xmlns:p14="http://schemas.microsoft.com/office/powerpoint/2010/main" xmlns:p15="http://schemas.microsoft.com/office/powerpoint/2012/main" xmlns:ahyp="http://schemas.microsoft.com/office/drawing/2018/hyperlinkcolor" matchingName="One column text">
   <p:cSld name="ONE_COLUMN_TEXT">
     <p:spTree>
       <p:nvGrpSpPr>
-        <p:cNvPr id="1" name="Shape 28"/>
+        <p:cNvPr id="28" name="Shape 28"/>
         <p:cNvGrpSpPr/>
         <p:nvPr/>
       </p:nvGrpSpPr>
@@ -3231,9 +3241,7 @@
       <p:sp>
         <p:nvSpPr>
           <p:cNvPr id="29" name="Google Shape;29;p7"/>
-          <p:cNvSpPr txBox="1">
-            <a:spLocks noGrp="1"/>
-          </p:cNvSpPr>
+          <p:cNvSpPr txBox="1"/>
           <p:nvPr>
             <p:ph type="title"/>
           </p:nvPr>
@@ -3248,7 +3256,7 @@
           </a:prstGeom>
         </p:spPr>
         <p:txBody>
-          <a:bodyPr spcFirstLastPara="1" wrap="square" lIns="91425" tIns="91425" rIns="91425" bIns="91425" anchor="b" anchorCtr="0">
+          <a:bodyPr anchorCtr="0" anchor="b" bIns="91425" lIns="91425" spcFirstLastPara="1" rIns="91425" wrap="square" tIns="91425">
             <a:noAutofit/>
           </a:bodyPr>
           <a:lstStyle>
@@ -3352,19 +3360,15 @@
               <a:defRPr sz="2400"/>
             </a:lvl9pPr>
           </a:lstStyle>
-          <a:p>
-            <a:endParaRPr/>
-          </a:p>
+          <a:p/>
         </p:txBody>
       </p:sp>
       <p:sp>
         <p:nvSpPr>
           <p:cNvPr id="30" name="Google Shape;30;p7"/>
-          <p:cNvSpPr txBox="1">
-            <a:spLocks noGrp="1"/>
-          </p:cNvSpPr>
+          <p:cNvSpPr txBox="1"/>
           <p:nvPr>
-            <p:ph type="body" idx="1"/>
+            <p:ph idx="1" type="body"/>
           </p:nvPr>
         </p:nvSpPr>
         <p:spPr>
@@ -3377,11 +3381,11 @@
           </a:prstGeom>
         </p:spPr>
         <p:txBody>
-          <a:bodyPr spcFirstLastPara="1" wrap="square" lIns="91425" tIns="91425" rIns="91425" bIns="91425" anchor="t" anchorCtr="0">
+          <a:bodyPr anchorCtr="0" anchor="t" bIns="91425" lIns="91425" spcFirstLastPara="1" rIns="91425" wrap="square" tIns="91425">
             <a:noAutofit/>
           </a:bodyPr>
           <a:lstStyle>
-            <a:lvl1pPr marL="457200" lvl="0" indent="-304800">
+            <a:lvl1pPr indent="-304800" lvl="0" marL="457200">
               <a:spcBef>
                 <a:spcPts val="0"/>
               </a:spcBef>
@@ -3392,7 +3396,7 @@
               <a:buChar char="●"/>
               <a:defRPr sz="1200"/>
             </a:lvl1pPr>
-            <a:lvl2pPr marL="914400" lvl="1" indent="-304800">
+            <a:lvl2pPr indent="-304800" lvl="1" marL="914400">
               <a:spcBef>
                 <a:spcPts val="1600"/>
               </a:spcBef>
@@ -3403,7 +3407,7 @@
               <a:buChar char="○"/>
               <a:defRPr sz="1200"/>
             </a:lvl2pPr>
-            <a:lvl3pPr marL="1371600" lvl="2" indent="-304800">
+            <a:lvl3pPr indent="-304800" lvl="2" marL="1371600">
               <a:spcBef>
                 <a:spcPts val="1600"/>
               </a:spcBef>
@@ -3414,7 +3418,7 @@
               <a:buChar char="■"/>
               <a:defRPr sz="1200"/>
             </a:lvl3pPr>
-            <a:lvl4pPr marL="1828800" lvl="3" indent="-304800">
+            <a:lvl4pPr indent="-304800" lvl="3" marL="1828800">
               <a:spcBef>
                 <a:spcPts val="1600"/>
               </a:spcBef>
@@ -3425,7 +3429,7 @@
               <a:buChar char="●"/>
               <a:defRPr sz="1200"/>
             </a:lvl4pPr>
-            <a:lvl5pPr marL="2286000" lvl="4" indent="-304800">
+            <a:lvl5pPr indent="-304800" lvl="4" marL="2286000">
               <a:spcBef>
                 <a:spcPts val="1600"/>
               </a:spcBef>
@@ -3436,7 +3440,7 @@
               <a:buChar char="○"/>
               <a:defRPr sz="1200"/>
             </a:lvl5pPr>
-            <a:lvl6pPr marL="2743200" lvl="5" indent="-304800">
+            <a:lvl6pPr indent="-304800" lvl="5" marL="2743200">
               <a:spcBef>
                 <a:spcPts val="1600"/>
               </a:spcBef>
@@ -3447,7 +3451,7 @@
               <a:buChar char="■"/>
               <a:defRPr sz="1200"/>
             </a:lvl6pPr>
-            <a:lvl7pPr marL="3200400" lvl="6" indent="-304800">
+            <a:lvl7pPr indent="-304800" lvl="6" marL="3200400">
               <a:spcBef>
                 <a:spcPts val="1600"/>
               </a:spcBef>
@@ -3458,7 +3462,7 @@
               <a:buChar char="●"/>
               <a:defRPr sz="1200"/>
             </a:lvl7pPr>
-            <a:lvl8pPr marL="3657600" lvl="7" indent="-304800">
+            <a:lvl8pPr indent="-304800" lvl="7" marL="3657600">
               <a:spcBef>
                 <a:spcPts val="1600"/>
               </a:spcBef>
@@ -3469,7 +3473,7 @@
               <a:buChar char="○"/>
               <a:defRPr sz="1200"/>
             </a:lvl8pPr>
-            <a:lvl9pPr marL="4114800" lvl="8" indent="-304800">
+            <a:lvl9pPr indent="-304800" lvl="8" marL="4114800">
               <a:spcBef>
                 <a:spcPts val="1600"/>
               </a:spcBef>
@@ -3481,19 +3485,15 @@
               <a:defRPr sz="1200"/>
             </a:lvl9pPr>
           </a:lstStyle>
-          <a:p>
-            <a:endParaRPr/>
-          </a:p>
+          <a:p/>
         </p:txBody>
       </p:sp>
       <p:sp>
         <p:nvSpPr>
           <p:cNvPr id="31" name="Google Shape;31;p7"/>
-          <p:cNvSpPr txBox="1">
-            <a:spLocks noGrp="1"/>
-          </p:cNvSpPr>
+          <p:cNvSpPr txBox="1"/>
           <p:nvPr>
-            <p:ph type="sldNum" idx="12"/>
+            <p:ph idx="12" type="sldNum"/>
           </p:nvPr>
         </p:nvSpPr>
         <p:spPr>
@@ -3506,7 +3506,7 @@
           </a:prstGeom>
         </p:spPr>
         <p:txBody>
-          <a:bodyPr spcFirstLastPara="1" wrap="square" lIns="91425" tIns="91425" rIns="91425" bIns="91425" anchor="ctr" anchorCtr="0">
+          <a:bodyPr anchorCtr="0" anchor="ctr" bIns="91425" lIns="91425" spcFirstLastPara="1" rIns="91425" wrap="square" tIns="91425">
             <a:noAutofit/>
           </a:bodyPr>
           <a:lstStyle>
@@ -3548,7 +3548,7 @@
             </a:lvl9pPr>
           </a:lstStyle>
           <a:p>
-            <a:pPr marL="0" lvl="0" indent="0" algn="r" rtl="0">
+            <a:pPr indent="0" lvl="0" marL="0" rtl="0" algn="r">
               <a:spcBef>
                 <a:spcPts val="0"/>
               </a:spcBef>
@@ -3559,7 +3559,7 @@
             </a:pPr>
             <a:fld id="{00000000-1234-1234-1234-123412341234}" type="slidenum">
               <a:rPr lang="fr"/>
-              <a:t>‹N°›</a:t>
+              <a:t>‹#›</a:t>
             </a:fld>
             <a:endParaRPr/>
           </a:p>
@@ -3574,11 +3574,11 @@
 </file>
 
 <file path=ppt/slideLayouts/slideLayout7.xml><?xml version="1.0" encoding="utf-8"?>
-<p:sldLayout xmlns:a="http://schemas.openxmlformats.org/drawingml/2006/main" xmlns:r="http://schemas.openxmlformats.org/officeDocument/2006/relationships" xmlns:p="http://schemas.openxmlformats.org/presentationml/2006/main" matchingName="Main point">
+<p:sldLayout xmlns:a="http://schemas.openxmlformats.org/drawingml/2006/main" xmlns:r="http://schemas.openxmlformats.org/officeDocument/2006/relationships" xmlns:mc="http://schemas.openxmlformats.org/markup-compatibility/2006" xmlns:mv="urn:schemas-microsoft-com:mac:vml" xmlns:p="http://schemas.openxmlformats.org/presentationml/2006/main" xmlns:c="http://schemas.openxmlformats.org/drawingml/2006/chart" xmlns:dgm="http://schemas.openxmlformats.org/drawingml/2006/diagram" xmlns:o="urn:schemas-microsoft-com:office:office" xmlns:v="urn:schemas-microsoft-com:vml" xmlns:pvml="urn:schemas-microsoft-com:office:powerpoint" xmlns:com="http://schemas.openxmlformats.org/drawingml/2006/compatibility" xmlns:p14="http://schemas.microsoft.com/office/powerpoint/2010/main" xmlns:p15="http://schemas.microsoft.com/office/powerpoint/2012/main" xmlns:ahyp="http://schemas.microsoft.com/office/drawing/2018/hyperlinkcolor" matchingName="Main point">
   <p:cSld name="MAIN_POINT">
     <p:spTree>
       <p:nvGrpSpPr>
-        <p:cNvPr id="1" name="Shape 32"/>
+        <p:cNvPr id="32" name="Shape 32"/>
         <p:cNvGrpSpPr/>
         <p:nvPr/>
       </p:nvGrpSpPr>
@@ -3593,9 +3593,7 @@
       <p:sp>
         <p:nvSpPr>
           <p:cNvPr id="33" name="Google Shape;33;p8"/>
-          <p:cNvSpPr txBox="1">
-            <a:spLocks noGrp="1"/>
-          </p:cNvSpPr>
+          <p:cNvSpPr txBox="1"/>
           <p:nvPr>
             <p:ph type="title"/>
           </p:nvPr>
@@ -3610,7 +3608,7 @@
           </a:prstGeom>
         </p:spPr>
         <p:txBody>
-          <a:bodyPr spcFirstLastPara="1" wrap="square" lIns="91425" tIns="91425" rIns="91425" bIns="91425" anchor="ctr" anchorCtr="0">
+          <a:bodyPr anchorCtr="0" anchor="ctr" bIns="91425" lIns="91425" spcFirstLastPara="1" rIns="91425" wrap="square" tIns="91425">
             <a:noAutofit/>
           </a:bodyPr>
           <a:lstStyle>
@@ -3714,19 +3712,15 @@
               <a:defRPr sz="4800"/>
             </a:lvl9pPr>
           </a:lstStyle>
-          <a:p>
-            <a:endParaRPr/>
-          </a:p>
+          <a:p/>
         </p:txBody>
       </p:sp>
       <p:sp>
         <p:nvSpPr>
           <p:cNvPr id="34" name="Google Shape;34;p8"/>
-          <p:cNvSpPr txBox="1">
-            <a:spLocks noGrp="1"/>
-          </p:cNvSpPr>
+          <p:cNvSpPr txBox="1"/>
           <p:nvPr>
-            <p:ph type="sldNum" idx="12"/>
+            <p:ph idx="12" type="sldNum"/>
           </p:nvPr>
         </p:nvSpPr>
         <p:spPr>
@@ -3739,7 +3733,7 @@
           </a:prstGeom>
         </p:spPr>
         <p:txBody>
-          <a:bodyPr spcFirstLastPara="1" wrap="square" lIns="91425" tIns="91425" rIns="91425" bIns="91425" anchor="ctr" anchorCtr="0">
+          <a:bodyPr anchorCtr="0" anchor="ctr" bIns="91425" lIns="91425" spcFirstLastPara="1" rIns="91425" wrap="square" tIns="91425">
             <a:noAutofit/>
           </a:bodyPr>
           <a:lstStyle>
@@ -3781,7 +3775,7 @@
             </a:lvl9pPr>
           </a:lstStyle>
           <a:p>
-            <a:pPr marL="0" lvl="0" indent="0" algn="r" rtl="0">
+            <a:pPr indent="0" lvl="0" marL="0" rtl="0" algn="r">
               <a:spcBef>
                 <a:spcPts val="0"/>
               </a:spcBef>
@@ -3792,7 +3786,7 @@
             </a:pPr>
             <a:fld id="{00000000-1234-1234-1234-123412341234}" type="slidenum">
               <a:rPr lang="fr"/>
-              <a:t>‹N°›</a:t>
+              <a:t>‹#›</a:t>
             </a:fld>
             <a:endParaRPr/>
           </a:p>
@@ -3807,11 +3801,11 @@
 </file>
 
 <file path=ppt/slideLayouts/slideLayout8.xml><?xml version="1.0" encoding="utf-8"?>
-<p:sldLayout xmlns:a="http://schemas.openxmlformats.org/drawingml/2006/main" xmlns:r="http://schemas.openxmlformats.org/officeDocument/2006/relationships" xmlns:p="http://schemas.openxmlformats.org/presentationml/2006/main" matchingName="Section title and description">
+<p:sldLayout xmlns:a="http://schemas.openxmlformats.org/drawingml/2006/main" xmlns:r="http://schemas.openxmlformats.org/officeDocument/2006/relationships" xmlns:mc="http://schemas.openxmlformats.org/markup-compatibility/2006" xmlns:mv="urn:schemas-microsoft-com:mac:vml" xmlns:p="http://schemas.openxmlformats.org/presentationml/2006/main" xmlns:c="http://schemas.openxmlformats.org/drawingml/2006/chart" xmlns:dgm="http://schemas.openxmlformats.org/drawingml/2006/diagram" xmlns:o="urn:schemas-microsoft-com:office:office" xmlns:v="urn:schemas-microsoft-com:vml" xmlns:pvml="urn:schemas-microsoft-com:office:powerpoint" xmlns:com="http://schemas.openxmlformats.org/drawingml/2006/compatibility" xmlns:p14="http://schemas.microsoft.com/office/powerpoint/2010/main" xmlns:p15="http://schemas.microsoft.com/office/powerpoint/2012/main" xmlns:ahyp="http://schemas.microsoft.com/office/drawing/2018/hyperlinkcolor" matchingName="Section title and description">
   <p:cSld name="SECTION_TITLE_AND_DESCRIPTION">
     <p:spTree>
       <p:nvGrpSpPr>
-        <p:cNvPr id="1" name="Shape 35"/>
+        <p:cNvPr id="35" name="Shape 35"/>
         <p:cNvGrpSpPr/>
         <p:nvPr/>
       </p:nvGrpSpPr>
@@ -3845,12 +3839,12 @@
           </a:ln>
         </p:spPr>
         <p:txBody>
-          <a:bodyPr spcFirstLastPara="1" wrap="square" lIns="91425" tIns="91425" rIns="91425" bIns="91425" anchor="ctr" anchorCtr="0">
+          <a:bodyPr anchorCtr="0" anchor="ctr" bIns="91425" lIns="91425" spcFirstLastPara="1" rIns="91425" wrap="square" tIns="91425">
             <a:noAutofit/>
           </a:bodyPr>
           <a:lstStyle/>
           <a:p>
-            <a:pPr marL="0" lvl="0" indent="0" algn="l" rtl="0">
+            <a:pPr indent="0" lvl="0" marL="0" rtl="0" algn="l">
               <a:spcBef>
                 <a:spcPts val="0"/>
               </a:spcBef>
@@ -3859,6 +3853,9 @@
               </a:spcAft>
               <a:buNone/>
             </a:pPr>
+            <a:r>
+              <a:t/>
+            </a:r>
             <a:endParaRPr/>
           </a:p>
         </p:txBody>
@@ -3866,9 +3863,7 @@
       <p:sp>
         <p:nvSpPr>
           <p:cNvPr id="37" name="Google Shape;37;p9"/>
-          <p:cNvSpPr txBox="1">
-            <a:spLocks noGrp="1"/>
-          </p:cNvSpPr>
+          <p:cNvSpPr txBox="1"/>
           <p:nvPr>
             <p:ph type="title"/>
           </p:nvPr>
@@ -3883,7 +3878,7 @@
           </a:prstGeom>
         </p:spPr>
         <p:txBody>
-          <a:bodyPr spcFirstLastPara="1" wrap="square" lIns="91425" tIns="91425" rIns="91425" bIns="91425" anchor="b" anchorCtr="0">
+          <a:bodyPr anchorCtr="0" anchor="b" bIns="91425" lIns="91425" spcFirstLastPara="1" rIns="91425" wrap="square" tIns="91425">
             <a:noAutofit/>
           </a:bodyPr>
           <a:lstStyle>
@@ -3987,19 +3982,15 @@
               <a:defRPr sz="4200"/>
             </a:lvl9pPr>
           </a:lstStyle>
-          <a:p>
-            <a:endParaRPr/>
-          </a:p>
+          <a:p/>
         </p:txBody>
       </p:sp>
       <p:sp>
         <p:nvSpPr>
           <p:cNvPr id="38" name="Google Shape;38;p9"/>
-          <p:cNvSpPr txBox="1">
-            <a:spLocks noGrp="1"/>
-          </p:cNvSpPr>
+          <p:cNvSpPr txBox="1"/>
           <p:nvPr>
-            <p:ph type="subTitle" idx="1"/>
+            <p:ph idx="1" type="subTitle"/>
           </p:nvPr>
         </p:nvSpPr>
         <p:spPr>
@@ -4012,7 +4003,7 @@
           </a:prstGeom>
         </p:spPr>
         <p:txBody>
-          <a:bodyPr spcFirstLastPara="1" wrap="square" lIns="91425" tIns="91425" rIns="91425" bIns="91425" anchor="t" anchorCtr="0">
+          <a:bodyPr anchorCtr="0" anchor="t" bIns="91425" lIns="91425" spcFirstLastPara="1" rIns="91425" wrap="square" tIns="91425">
             <a:noAutofit/>
           </a:bodyPr>
           <a:lstStyle>
@@ -4143,19 +4134,15 @@
               <a:defRPr sz="2100"/>
             </a:lvl9pPr>
           </a:lstStyle>
-          <a:p>
-            <a:endParaRPr/>
-          </a:p>
+          <a:p/>
         </p:txBody>
       </p:sp>
       <p:sp>
         <p:nvSpPr>
           <p:cNvPr id="39" name="Google Shape;39;p9"/>
-          <p:cNvSpPr txBox="1">
-            <a:spLocks noGrp="1"/>
-          </p:cNvSpPr>
+          <p:cNvSpPr txBox="1"/>
           <p:nvPr>
-            <p:ph type="body" idx="2"/>
+            <p:ph idx="2" type="body"/>
           </p:nvPr>
         </p:nvSpPr>
         <p:spPr>
@@ -4168,11 +4155,11 @@
           </a:prstGeom>
         </p:spPr>
         <p:txBody>
-          <a:bodyPr spcFirstLastPara="1" wrap="square" lIns="91425" tIns="91425" rIns="91425" bIns="91425" anchor="ctr" anchorCtr="0">
+          <a:bodyPr anchorCtr="0" anchor="ctr" bIns="91425" lIns="91425" spcFirstLastPara="1" rIns="91425" wrap="square" tIns="91425">
             <a:noAutofit/>
           </a:bodyPr>
           <a:lstStyle>
-            <a:lvl1pPr marL="457200" lvl="0" indent="-342900">
+            <a:lvl1pPr indent="-342900" lvl="0" marL="457200">
               <a:spcBef>
                 <a:spcPts val="0"/>
               </a:spcBef>
@@ -4183,7 +4170,7 @@
               <a:buChar char="●"/>
               <a:defRPr/>
             </a:lvl1pPr>
-            <a:lvl2pPr marL="914400" lvl="1" indent="-317500">
+            <a:lvl2pPr indent="-317500" lvl="1" marL="914400">
               <a:spcBef>
                 <a:spcPts val="1600"/>
               </a:spcBef>
@@ -4194,7 +4181,7 @@
               <a:buChar char="○"/>
               <a:defRPr/>
             </a:lvl2pPr>
-            <a:lvl3pPr marL="1371600" lvl="2" indent="-317500">
+            <a:lvl3pPr indent="-317500" lvl="2" marL="1371600">
               <a:spcBef>
                 <a:spcPts val="1600"/>
               </a:spcBef>
@@ -4205,7 +4192,7 @@
               <a:buChar char="■"/>
               <a:defRPr/>
             </a:lvl3pPr>
-            <a:lvl4pPr marL="1828800" lvl="3" indent="-317500">
+            <a:lvl4pPr indent="-317500" lvl="3" marL="1828800">
               <a:spcBef>
                 <a:spcPts val="1600"/>
               </a:spcBef>
@@ -4216,7 +4203,7 @@
               <a:buChar char="●"/>
               <a:defRPr/>
             </a:lvl4pPr>
-            <a:lvl5pPr marL="2286000" lvl="4" indent="-317500">
+            <a:lvl5pPr indent="-317500" lvl="4" marL="2286000">
               <a:spcBef>
                 <a:spcPts val="1600"/>
               </a:spcBef>
@@ -4227,7 +4214,7 @@
               <a:buChar char="○"/>
               <a:defRPr/>
             </a:lvl5pPr>
-            <a:lvl6pPr marL="2743200" lvl="5" indent="-317500">
+            <a:lvl6pPr indent="-317500" lvl="5" marL="2743200">
               <a:spcBef>
                 <a:spcPts val="1600"/>
               </a:spcBef>
@@ -4238,7 +4225,7 @@
               <a:buChar char="■"/>
               <a:defRPr/>
             </a:lvl6pPr>
-            <a:lvl7pPr marL="3200400" lvl="6" indent="-317500">
+            <a:lvl7pPr indent="-317500" lvl="6" marL="3200400">
               <a:spcBef>
                 <a:spcPts val="1600"/>
               </a:spcBef>
@@ -4249,7 +4236,7 @@
               <a:buChar char="●"/>
               <a:defRPr/>
             </a:lvl7pPr>
-            <a:lvl8pPr marL="3657600" lvl="7" indent="-317500">
+            <a:lvl8pPr indent="-317500" lvl="7" marL="3657600">
               <a:spcBef>
                 <a:spcPts val="1600"/>
               </a:spcBef>
@@ -4260,7 +4247,7 @@
               <a:buChar char="○"/>
               <a:defRPr/>
             </a:lvl8pPr>
-            <a:lvl9pPr marL="4114800" lvl="8" indent="-317500">
+            <a:lvl9pPr indent="-317500" lvl="8" marL="4114800">
               <a:spcBef>
                 <a:spcPts val="1600"/>
               </a:spcBef>
@@ -4272,19 +4259,15 @@
               <a:defRPr/>
             </a:lvl9pPr>
           </a:lstStyle>
-          <a:p>
-            <a:endParaRPr/>
-          </a:p>
+          <a:p/>
         </p:txBody>
       </p:sp>
       <p:sp>
         <p:nvSpPr>
           <p:cNvPr id="40" name="Google Shape;40;p9"/>
-          <p:cNvSpPr txBox="1">
-            <a:spLocks noGrp="1"/>
-          </p:cNvSpPr>
+          <p:cNvSpPr txBox="1"/>
           <p:nvPr>
-            <p:ph type="sldNum" idx="12"/>
+            <p:ph idx="12" type="sldNum"/>
           </p:nvPr>
         </p:nvSpPr>
         <p:spPr>
@@ -4297,7 +4280,7 @@
           </a:prstGeom>
         </p:spPr>
         <p:txBody>
-          <a:bodyPr spcFirstLastPara="1" wrap="square" lIns="91425" tIns="91425" rIns="91425" bIns="91425" anchor="ctr" anchorCtr="0">
+          <a:bodyPr anchorCtr="0" anchor="ctr" bIns="91425" lIns="91425" spcFirstLastPara="1" rIns="91425" wrap="square" tIns="91425">
             <a:noAutofit/>
           </a:bodyPr>
           <a:lstStyle>
@@ -4339,7 +4322,7 @@
             </a:lvl9pPr>
           </a:lstStyle>
           <a:p>
-            <a:pPr marL="0" lvl="0" indent="0" algn="r" rtl="0">
+            <a:pPr indent="0" lvl="0" marL="0" rtl="0" algn="r">
               <a:spcBef>
                 <a:spcPts val="0"/>
               </a:spcBef>
@@ -4350,7 +4333,7 @@
             </a:pPr>
             <a:fld id="{00000000-1234-1234-1234-123412341234}" type="slidenum">
               <a:rPr lang="fr"/>
-              <a:t>‹N°›</a:t>
+              <a:t>‹#›</a:t>
             </a:fld>
             <a:endParaRPr/>
           </a:p>
@@ -4365,11 +4348,11 @@
 </file>
 
 <file path=ppt/slideLayouts/slideLayout9.xml><?xml version="1.0" encoding="utf-8"?>
-<p:sldLayout xmlns:a="http://schemas.openxmlformats.org/drawingml/2006/main" xmlns:r="http://schemas.openxmlformats.org/officeDocument/2006/relationships" xmlns:p="http://schemas.openxmlformats.org/presentationml/2006/main" matchingName="Caption">
+<p:sldLayout xmlns:a="http://schemas.openxmlformats.org/drawingml/2006/main" xmlns:r="http://schemas.openxmlformats.org/officeDocument/2006/relationships" xmlns:mc="http://schemas.openxmlformats.org/markup-compatibility/2006" xmlns:mv="urn:schemas-microsoft-com:mac:vml" xmlns:p="http://schemas.openxmlformats.org/presentationml/2006/main" xmlns:c="http://schemas.openxmlformats.org/drawingml/2006/chart" xmlns:dgm="http://schemas.openxmlformats.org/drawingml/2006/diagram" xmlns:o="urn:schemas-microsoft-com:office:office" xmlns:v="urn:schemas-microsoft-com:vml" xmlns:pvml="urn:schemas-microsoft-com:office:powerpoint" xmlns:com="http://schemas.openxmlformats.org/drawingml/2006/compatibility" xmlns:p14="http://schemas.microsoft.com/office/powerpoint/2010/main" xmlns:p15="http://schemas.microsoft.com/office/powerpoint/2012/main" xmlns:ahyp="http://schemas.microsoft.com/office/drawing/2018/hyperlinkcolor" matchingName="Caption">
   <p:cSld name="CAPTION_ONLY">
     <p:spTree>
       <p:nvGrpSpPr>
-        <p:cNvPr id="1" name="Shape 41"/>
+        <p:cNvPr id="41" name="Shape 41"/>
         <p:cNvGrpSpPr/>
         <p:nvPr/>
       </p:nvGrpSpPr>
@@ -4384,11 +4367,9 @@
       <p:sp>
         <p:nvSpPr>
           <p:cNvPr id="42" name="Google Shape;42;p10"/>
-          <p:cNvSpPr txBox="1">
-            <a:spLocks noGrp="1"/>
-          </p:cNvSpPr>
+          <p:cNvSpPr txBox="1"/>
           <p:nvPr>
-            <p:ph type="body" idx="1"/>
+            <p:ph idx="1" type="body"/>
           </p:nvPr>
         </p:nvSpPr>
         <p:spPr>
@@ -4401,11 +4382,11 @@
           </a:prstGeom>
         </p:spPr>
         <p:txBody>
-          <a:bodyPr spcFirstLastPara="1" wrap="square" lIns="91425" tIns="91425" rIns="91425" bIns="91425" anchor="ctr" anchorCtr="0">
+          <a:bodyPr anchorCtr="0" anchor="ctr" bIns="91425" lIns="91425" spcFirstLastPara="1" rIns="91425" wrap="square" tIns="91425">
             <a:noAutofit/>
           </a:bodyPr>
           <a:lstStyle>
-            <a:lvl1pPr marL="457200" lvl="0" indent="-228600">
+            <a:lvl1pPr indent="-228600" lvl="0" marL="457200">
               <a:lnSpc>
                 <a:spcPct val="100000"/>
               </a:lnSpc>
@@ -4420,19 +4401,15 @@
               <a:defRPr/>
             </a:lvl1pPr>
           </a:lstStyle>
-          <a:p>
-            <a:endParaRPr/>
-          </a:p>
+          <a:p/>
         </p:txBody>
       </p:sp>
       <p:sp>
         <p:nvSpPr>
           <p:cNvPr id="43" name="Google Shape;43;p10"/>
-          <p:cNvSpPr txBox="1">
-            <a:spLocks noGrp="1"/>
-          </p:cNvSpPr>
+          <p:cNvSpPr txBox="1"/>
           <p:nvPr>
-            <p:ph type="sldNum" idx="12"/>
+            <p:ph idx="12" type="sldNum"/>
           </p:nvPr>
         </p:nvSpPr>
         <p:spPr>
@@ -4445,7 +4422,7 @@
           </a:prstGeom>
         </p:spPr>
         <p:txBody>
-          <a:bodyPr spcFirstLastPara="1" wrap="square" lIns="91425" tIns="91425" rIns="91425" bIns="91425" anchor="ctr" anchorCtr="0">
+          <a:bodyPr anchorCtr="0" anchor="ctr" bIns="91425" lIns="91425" spcFirstLastPara="1" rIns="91425" wrap="square" tIns="91425">
             <a:noAutofit/>
           </a:bodyPr>
           <a:lstStyle>
@@ -4487,7 +4464,7 @@
             </a:lvl9pPr>
           </a:lstStyle>
           <a:p>
-            <a:pPr marL="0" lvl="0" indent="0" algn="r" rtl="0">
+            <a:pPr indent="0" lvl="0" marL="0" rtl="0" algn="r">
               <a:spcBef>
                 <a:spcPts val="0"/>
               </a:spcBef>
@@ -4498,7 +4475,7 @@
             </a:pPr>
             <a:fld id="{00000000-1234-1234-1234-123412341234}" type="slidenum">
               <a:rPr lang="fr"/>
-              <a:t>‹N°›</a:t>
+              <a:t>‹#›</a:t>
             </a:fld>
             <a:endParaRPr/>
           </a:p>
@@ -4513,19 +4490,18 @@
 </file>
 
 <file path=ppt/slideMasters/slideMaster1.xml><?xml version="1.0" encoding="utf-8"?>
-<p:sldMaster xmlns:a="http://schemas.openxmlformats.org/drawingml/2006/main" xmlns:r="http://schemas.openxmlformats.org/officeDocument/2006/relationships" xmlns:p="http://schemas.openxmlformats.org/presentationml/2006/main">
+<p:sldMaster xmlns:a="http://schemas.openxmlformats.org/drawingml/2006/main" xmlns:r="http://schemas.openxmlformats.org/officeDocument/2006/relationships" xmlns:mc="http://schemas.openxmlformats.org/markup-compatibility/2006" xmlns:mv="urn:schemas-microsoft-com:mac:vml" xmlns:p="http://schemas.openxmlformats.org/presentationml/2006/main" xmlns:c="http://schemas.openxmlformats.org/drawingml/2006/chart" xmlns:dgm="http://schemas.openxmlformats.org/drawingml/2006/diagram" xmlns:o="urn:schemas-microsoft-com:office:office" xmlns:v="urn:schemas-microsoft-com:vml" xmlns:pvml="urn:schemas-microsoft-com:office:powerpoint" xmlns:com="http://schemas.openxmlformats.org/drawingml/2006/compatibility" xmlns:p14="http://schemas.microsoft.com/office/powerpoint/2010/main" xmlns:p15="http://schemas.microsoft.com/office/powerpoint/2012/main" xmlns:ahyp="http://schemas.microsoft.com/office/drawing/2018/hyperlinkcolor">
   <p:cSld name="simple-light-2">
     <p:bg>
       <p:bgPr>
         <a:solidFill>
           <a:schemeClr val="lt1"/>
         </a:solidFill>
-        <a:effectLst/>
       </p:bgPr>
     </p:bg>
     <p:spTree>
       <p:nvGrpSpPr>
-        <p:cNvPr id="1" name="Shape 5"/>
+        <p:cNvPr id="5" name="Shape 5"/>
         <p:cNvGrpSpPr/>
         <p:nvPr/>
       </p:nvGrpSpPr>
@@ -4540,9 +4516,7 @@
       <p:sp>
         <p:nvSpPr>
           <p:cNvPr id="6" name="Google Shape;6;p1"/>
-          <p:cNvSpPr txBox="1">
-            <a:spLocks noGrp="1"/>
-          </p:cNvSpPr>
+          <p:cNvSpPr txBox="1"/>
           <p:nvPr>
             <p:ph type="title"/>
           </p:nvPr>
@@ -4561,7 +4535,7 @@
           </a:ln>
         </p:spPr>
         <p:txBody>
-          <a:bodyPr spcFirstLastPara="1" wrap="square" lIns="91425" tIns="91425" rIns="91425" bIns="91425" anchor="t" anchorCtr="0">
+          <a:bodyPr anchorCtr="0" anchor="t" bIns="91425" lIns="91425" spcFirstLastPara="1" rIns="91425" wrap="square" tIns="91425">
             <a:noAutofit/>
           </a:bodyPr>
           <a:lstStyle>
@@ -4728,19 +4702,15 @@
               </a:defRPr>
             </a:lvl9pPr>
           </a:lstStyle>
-          <a:p>
-            <a:endParaRPr/>
-          </a:p>
+          <a:p/>
         </p:txBody>
       </p:sp>
       <p:sp>
         <p:nvSpPr>
           <p:cNvPr id="7" name="Google Shape;7;p1"/>
-          <p:cNvSpPr txBox="1">
-            <a:spLocks noGrp="1"/>
-          </p:cNvSpPr>
+          <p:cNvSpPr txBox="1"/>
           <p:nvPr>
-            <p:ph type="body" idx="1"/>
+            <p:ph idx="1" type="body"/>
           </p:nvPr>
         </p:nvSpPr>
         <p:spPr>
@@ -4757,11 +4727,11 @@
           </a:ln>
         </p:spPr>
         <p:txBody>
-          <a:bodyPr spcFirstLastPara="1" wrap="square" lIns="91425" tIns="91425" rIns="91425" bIns="91425" anchor="t" anchorCtr="0">
+          <a:bodyPr anchorCtr="0" anchor="t" bIns="91425" lIns="91425" spcFirstLastPara="1" rIns="91425" wrap="square" tIns="91425">
             <a:noAutofit/>
           </a:bodyPr>
           <a:lstStyle>
-            <a:lvl1pPr marL="457200" lvl="0" indent="-342900">
+            <a:lvl1pPr indent="-342900" lvl="0" marL="457200">
               <a:lnSpc>
                 <a:spcPct val="115000"/>
               </a:lnSpc>
@@ -4782,7 +4752,7 @@
                 </a:solidFill>
               </a:defRPr>
             </a:lvl1pPr>
-            <a:lvl2pPr marL="914400" lvl="1" indent="-317500">
+            <a:lvl2pPr indent="-317500" lvl="1" marL="914400">
               <a:lnSpc>
                 <a:spcPct val="115000"/>
               </a:lnSpc>
@@ -4803,7 +4773,7 @@
                 </a:solidFill>
               </a:defRPr>
             </a:lvl2pPr>
-            <a:lvl3pPr marL="1371600" lvl="2" indent="-317500">
+            <a:lvl3pPr indent="-317500" lvl="2" marL="1371600">
               <a:lnSpc>
                 <a:spcPct val="115000"/>
               </a:lnSpc>
@@ -4824,7 +4794,7 @@
                 </a:solidFill>
               </a:defRPr>
             </a:lvl3pPr>
-            <a:lvl4pPr marL="1828800" lvl="3" indent="-317500">
+            <a:lvl4pPr indent="-317500" lvl="3" marL="1828800">
               <a:lnSpc>
                 <a:spcPct val="115000"/>
               </a:lnSpc>
@@ -4845,7 +4815,7 @@
                 </a:solidFill>
               </a:defRPr>
             </a:lvl4pPr>
-            <a:lvl5pPr marL="2286000" lvl="4" indent="-317500">
+            <a:lvl5pPr indent="-317500" lvl="4" marL="2286000">
               <a:lnSpc>
                 <a:spcPct val="115000"/>
               </a:lnSpc>
@@ -4866,7 +4836,7 @@
                 </a:solidFill>
               </a:defRPr>
             </a:lvl5pPr>
-            <a:lvl6pPr marL="2743200" lvl="5" indent="-317500">
+            <a:lvl6pPr indent="-317500" lvl="5" marL="2743200">
               <a:lnSpc>
                 <a:spcPct val="115000"/>
               </a:lnSpc>
@@ -4887,7 +4857,7 @@
                 </a:solidFill>
               </a:defRPr>
             </a:lvl6pPr>
-            <a:lvl7pPr marL="3200400" lvl="6" indent="-317500">
+            <a:lvl7pPr indent="-317500" lvl="6" marL="3200400">
               <a:lnSpc>
                 <a:spcPct val="115000"/>
               </a:lnSpc>
@@ -4908,7 +4878,7 @@
                 </a:solidFill>
               </a:defRPr>
             </a:lvl7pPr>
-            <a:lvl8pPr marL="3657600" lvl="7" indent="-317500">
+            <a:lvl8pPr indent="-317500" lvl="7" marL="3657600">
               <a:lnSpc>
                 <a:spcPct val="115000"/>
               </a:lnSpc>
@@ -4929,7 +4899,7 @@
                 </a:solidFill>
               </a:defRPr>
             </a:lvl8pPr>
-            <a:lvl9pPr marL="4114800" lvl="8" indent="-317500">
+            <a:lvl9pPr indent="-317500" lvl="8" marL="4114800">
               <a:lnSpc>
                 <a:spcPct val="115000"/>
               </a:lnSpc>
@@ -4951,19 +4921,15 @@
               </a:defRPr>
             </a:lvl9pPr>
           </a:lstStyle>
-          <a:p>
-            <a:endParaRPr/>
-          </a:p>
+          <a:p/>
         </p:txBody>
       </p:sp>
       <p:sp>
         <p:nvSpPr>
           <p:cNvPr id="8" name="Google Shape;8;p1"/>
-          <p:cNvSpPr txBox="1">
-            <a:spLocks noGrp="1"/>
-          </p:cNvSpPr>
+          <p:cNvSpPr txBox="1"/>
           <p:nvPr>
-            <p:ph type="sldNum" idx="12"/>
+            <p:ph idx="12" type="sldNum"/>
           </p:nvPr>
         </p:nvSpPr>
         <p:spPr>
@@ -4980,7 +4946,7 @@
           </a:ln>
         </p:spPr>
         <p:txBody>
-          <a:bodyPr spcFirstLastPara="1" wrap="square" lIns="91425" tIns="91425" rIns="91425" bIns="91425" anchor="ctr" anchorCtr="0">
+          <a:bodyPr anchorCtr="0" anchor="ctr" bIns="91425" lIns="91425" spcFirstLastPara="1" rIns="91425" wrap="square" tIns="91425">
             <a:noAutofit/>
           </a:bodyPr>
           <a:lstStyle>
@@ -5058,7 +5024,7 @@
             </a:lvl9pPr>
           </a:lstStyle>
           <a:p>
-            <a:pPr marL="0" lvl="0" indent="0" algn="r" rtl="0">
+            <a:pPr indent="0" lvl="0" marL="0" rtl="0" algn="r">
               <a:spcBef>
                 <a:spcPts val="0"/>
               </a:spcBef>
@@ -5069,7 +5035,7 @@
             </a:pPr>
             <a:fld id="{00000000-1234-1234-1234-123412341234}" type="slidenum">
               <a:rPr lang="fr"/>
-              <a:t>‹N°›</a:t>
+              <a:t>‹#›</a:t>
             </a:fld>
             <a:endParaRPr/>
           </a:p>
@@ -5077,7 +5043,7 @@
       </p:sp>
     </p:spTree>
   </p:cSld>
-  <p:clrMap bg1="lt1" tx1="dk1" bg2="dk2" tx2="lt2" accent1="accent1" accent2="accent2" accent3="accent3" accent4="accent4" accent5="accent5" accent6="accent6" hlink="hlink" folHlink="folHlink"/>
+  <p:clrMap accent1="accent1" accent2="accent2" accent3="accent3" accent4="accent4" accent5="accent5" accent6="accent6" bg1="lt1" bg2="dk2" tx1="dk1" tx2="lt2" folHlink="folHlink" hlink="hlink"/>
   <p:sldLayoutIdLst>
     <p:sldLayoutId id="2147483648" r:id="rId1"/>
     <p:sldLayoutId id="2147483649" r:id="rId2"/>
@@ -5091,10 +5057,10 @@
     <p:sldLayoutId id="2147483657" r:id="rId10"/>
     <p:sldLayoutId id="2147483658" r:id="rId11"/>
   </p:sldLayoutIdLst>
-  <p:hf sldNum="0" hdr="0" ftr="0" dt="0"/>
+  <p:hf dt="0" ftr="0" hdr="0" sldNum="0"/>
   <p:txStyles>
     <p:titleStyle>
-      <a:defPPr marR="0" lvl="0" algn="l" rtl="0">
+      <a:defPPr lvl="0" marR="0" rtl="0" algn="l">
         <a:lnSpc>
           <a:spcPct val="100000"/>
         </a:lnSpc>
@@ -5105,7 +5071,7 @@
           <a:spcPts val="0"/>
         </a:spcAft>
       </a:defPPr>
-      <a:lvl1pPr marR="0" lvl="0" algn="l" rtl="0">
+      <a:lvl1pPr lvl="0" marR="0" rtl="0" algn="l">
         <a:lnSpc>
           <a:spcPct val="100000"/>
         </a:lnSpc>
@@ -5119,7 +5085,7 @@
           <a:srgbClr val="000000"/>
         </a:buClr>
         <a:buFont typeface="Arial"/>
-        <a:defRPr sz="1400" b="0" i="0" u="none" strike="noStrike" cap="none">
+        <a:defRPr b="0" i="0" sz="1400" u="none" cap="none" strike="noStrike">
           <a:solidFill>
             <a:srgbClr val="000000"/>
           </a:solidFill>
@@ -5129,7 +5095,7 @@
           <a:sym typeface="Arial"/>
         </a:defRPr>
       </a:lvl1pPr>
-      <a:lvl2pPr marR="0" lvl="1" algn="l" rtl="0">
+      <a:lvl2pPr lvl="1" marR="0" rtl="0" algn="l">
         <a:lnSpc>
           <a:spcPct val="100000"/>
         </a:lnSpc>
@@ -5143,7 +5109,7 @@
           <a:srgbClr val="000000"/>
         </a:buClr>
         <a:buFont typeface="Arial"/>
-        <a:defRPr sz="1400" b="0" i="0" u="none" strike="noStrike" cap="none">
+        <a:defRPr b="0" i="0" sz="1400" u="none" cap="none" strike="noStrike">
           <a:solidFill>
             <a:srgbClr val="000000"/>
           </a:solidFill>
@@ -5153,7 +5119,7 @@
           <a:sym typeface="Arial"/>
         </a:defRPr>
       </a:lvl2pPr>
-      <a:lvl3pPr marR="0" lvl="2" algn="l" rtl="0">
+      <a:lvl3pPr lvl="2" marR="0" rtl="0" algn="l">
         <a:lnSpc>
           <a:spcPct val="100000"/>
         </a:lnSpc>
@@ -5167,7 +5133,7 @@
           <a:srgbClr val="000000"/>
         </a:buClr>
         <a:buFont typeface="Arial"/>
-        <a:defRPr sz="1400" b="0" i="0" u="none" strike="noStrike" cap="none">
+        <a:defRPr b="0" i="0" sz="1400" u="none" cap="none" strike="noStrike">
           <a:solidFill>
             <a:srgbClr val="000000"/>
           </a:solidFill>
@@ -5177,7 +5143,7 @@
           <a:sym typeface="Arial"/>
         </a:defRPr>
       </a:lvl3pPr>
-      <a:lvl4pPr marR="0" lvl="3" algn="l" rtl="0">
+      <a:lvl4pPr lvl="3" marR="0" rtl="0" algn="l">
         <a:lnSpc>
           <a:spcPct val="100000"/>
         </a:lnSpc>
@@ -5191,7 +5157,7 @@
           <a:srgbClr val="000000"/>
         </a:buClr>
         <a:buFont typeface="Arial"/>
-        <a:defRPr sz="1400" b="0" i="0" u="none" strike="noStrike" cap="none">
+        <a:defRPr b="0" i="0" sz="1400" u="none" cap="none" strike="noStrike">
           <a:solidFill>
             <a:srgbClr val="000000"/>
           </a:solidFill>
@@ -5201,7 +5167,7 @@
           <a:sym typeface="Arial"/>
         </a:defRPr>
       </a:lvl4pPr>
-      <a:lvl5pPr marR="0" lvl="4" algn="l" rtl="0">
+      <a:lvl5pPr lvl="4" marR="0" rtl="0" algn="l">
         <a:lnSpc>
           <a:spcPct val="100000"/>
         </a:lnSpc>
@@ -5215,7 +5181,7 @@
           <a:srgbClr val="000000"/>
         </a:buClr>
         <a:buFont typeface="Arial"/>
-        <a:defRPr sz="1400" b="0" i="0" u="none" strike="noStrike" cap="none">
+        <a:defRPr b="0" i="0" sz="1400" u="none" cap="none" strike="noStrike">
           <a:solidFill>
             <a:srgbClr val="000000"/>
           </a:solidFill>
@@ -5225,7 +5191,7 @@
           <a:sym typeface="Arial"/>
         </a:defRPr>
       </a:lvl5pPr>
-      <a:lvl6pPr marR="0" lvl="5" algn="l" rtl="0">
+      <a:lvl6pPr lvl="5" marR="0" rtl="0" algn="l">
         <a:lnSpc>
           <a:spcPct val="100000"/>
         </a:lnSpc>
@@ -5239,7 +5205,7 @@
           <a:srgbClr val="000000"/>
         </a:buClr>
         <a:buFont typeface="Arial"/>
-        <a:defRPr sz="1400" b="0" i="0" u="none" strike="noStrike" cap="none">
+        <a:defRPr b="0" i="0" sz="1400" u="none" cap="none" strike="noStrike">
           <a:solidFill>
             <a:srgbClr val="000000"/>
           </a:solidFill>
@@ -5249,7 +5215,7 @@
           <a:sym typeface="Arial"/>
         </a:defRPr>
       </a:lvl6pPr>
-      <a:lvl7pPr marR="0" lvl="6" algn="l" rtl="0">
+      <a:lvl7pPr lvl="6" marR="0" rtl="0" algn="l">
         <a:lnSpc>
           <a:spcPct val="100000"/>
         </a:lnSpc>
@@ -5263,7 +5229,7 @@
           <a:srgbClr val="000000"/>
         </a:buClr>
         <a:buFont typeface="Arial"/>
-        <a:defRPr sz="1400" b="0" i="0" u="none" strike="noStrike" cap="none">
+        <a:defRPr b="0" i="0" sz="1400" u="none" cap="none" strike="noStrike">
           <a:solidFill>
             <a:srgbClr val="000000"/>
           </a:solidFill>
@@ -5273,7 +5239,7 @@
           <a:sym typeface="Arial"/>
         </a:defRPr>
       </a:lvl7pPr>
-      <a:lvl8pPr marR="0" lvl="7" algn="l" rtl="0">
+      <a:lvl8pPr lvl="7" marR="0" rtl="0" algn="l">
         <a:lnSpc>
           <a:spcPct val="100000"/>
         </a:lnSpc>
@@ -5287,7 +5253,7 @@
           <a:srgbClr val="000000"/>
         </a:buClr>
         <a:buFont typeface="Arial"/>
-        <a:defRPr sz="1400" b="0" i="0" u="none" strike="noStrike" cap="none">
+        <a:defRPr b="0" i="0" sz="1400" u="none" cap="none" strike="noStrike">
           <a:solidFill>
             <a:srgbClr val="000000"/>
           </a:solidFill>
@@ -5297,7 +5263,7 @@
           <a:sym typeface="Arial"/>
         </a:defRPr>
       </a:lvl8pPr>
-      <a:lvl9pPr marR="0" lvl="8" algn="l" rtl="0">
+      <a:lvl9pPr lvl="8" marR="0" rtl="0" algn="l">
         <a:lnSpc>
           <a:spcPct val="100000"/>
         </a:lnSpc>
@@ -5311,7 +5277,7 @@
           <a:srgbClr val="000000"/>
         </a:buClr>
         <a:buFont typeface="Arial"/>
-        <a:defRPr sz="1400" b="0" i="0" u="none" strike="noStrike" cap="none">
+        <a:defRPr b="0" i="0" sz="1400" u="none" cap="none" strike="noStrike">
           <a:solidFill>
             <a:srgbClr val="000000"/>
           </a:solidFill>
@@ -5323,7 +5289,7 @@
       </a:lvl9pPr>
     </p:titleStyle>
     <p:bodyStyle>
-      <a:defPPr marR="0" lvl="0" algn="l" rtl="0">
+      <a:defPPr lvl="0" marR="0" rtl="0" algn="l">
         <a:lnSpc>
           <a:spcPct val="100000"/>
         </a:lnSpc>
@@ -5334,7 +5300,7 @@
           <a:spcPts val="0"/>
         </a:spcAft>
       </a:defPPr>
-      <a:lvl1pPr marR="0" lvl="0" algn="l" rtl="0">
+      <a:lvl1pPr lvl="0" marR="0" rtl="0" algn="l">
         <a:lnSpc>
           <a:spcPct val="100000"/>
         </a:lnSpc>
@@ -5348,7 +5314,7 @@
           <a:srgbClr val="000000"/>
         </a:buClr>
         <a:buFont typeface="Arial"/>
-        <a:defRPr sz="1400" b="0" i="0" u="none" strike="noStrike" cap="none">
+        <a:defRPr b="0" i="0" sz="1400" u="none" cap="none" strike="noStrike">
           <a:solidFill>
             <a:srgbClr val="000000"/>
           </a:solidFill>
@@ -5358,7 +5324,7 @@
           <a:sym typeface="Arial"/>
         </a:defRPr>
       </a:lvl1pPr>
-      <a:lvl2pPr marR="0" lvl="1" algn="l" rtl="0">
+      <a:lvl2pPr lvl="1" marR="0" rtl="0" algn="l">
         <a:lnSpc>
           <a:spcPct val="100000"/>
         </a:lnSpc>
@@ -5372,7 +5338,7 @@
           <a:srgbClr val="000000"/>
         </a:buClr>
         <a:buFont typeface="Arial"/>
-        <a:defRPr sz="1400" b="0" i="0" u="none" strike="noStrike" cap="none">
+        <a:defRPr b="0" i="0" sz="1400" u="none" cap="none" strike="noStrike">
           <a:solidFill>
             <a:srgbClr val="000000"/>
           </a:solidFill>
@@ -5382,7 +5348,7 @@
           <a:sym typeface="Arial"/>
         </a:defRPr>
       </a:lvl2pPr>
-      <a:lvl3pPr marR="0" lvl="2" algn="l" rtl="0">
+      <a:lvl3pPr lvl="2" marR="0" rtl="0" algn="l">
         <a:lnSpc>
           <a:spcPct val="100000"/>
         </a:lnSpc>
@@ -5396,7 +5362,7 @@
           <a:srgbClr val="000000"/>
         </a:buClr>
         <a:buFont typeface="Arial"/>
-        <a:defRPr sz="1400" b="0" i="0" u="none" strike="noStrike" cap="none">
+        <a:defRPr b="0" i="0" sz="1400" u="none" cap="none" strike="noStrike">
           <a:solidFill>
             <a:srgbClr val="000000"/>
           </a:solidFill>
@@ -5406,7 +5372,7 @@
           <a:sym typeface="Arial"/>
         </a:defRPr>
       </a:lvl3pPr>
-      <a:lvl4pPr marR="0" lvl="3" algn="l" rtl="0">
+      <a:lvl4pPr lvl="3" marR="0" rtl="0" algn="l">
         <a:lnSpc>
           <a:spcPct val="100000"/>
         </a:lnSpc>
@@ -5420,7 +5386,7 @@
           <a:srgbClr val="000000"/>
         </a:buClr>
         <a:buFont typeface="Arial"/>
-        <a:defRPr sz="1400" b="0" i="0" u="none" strike="noStrike" cap="none">
+        <a:defRPr b="0" i="0" sz="1400" u="none" cap="none" strike="noStrike">
           <a:solidFill>
             <a:srgbClr val="000000"/>
           </a:solidFill>
@@ -5430,7 +5396,7 @@
           <a:sym typeface="Arial"/>
         </a:defRPr>
       </a:lvl4pPr>
-      <a:lvl5pPr marR="0" lvl="4" algn="l" rtl="0">
+      <a:lvl5pPr lvl="4" marR="0" rtl="0" algn="l">
         <a:lnSpc>
           <a:spcPct val="100000"/>
         </a:lnSpc>
@@ -5444,7 +5410,7 @@
           <a:srgbClr val="000000"/>
         </a:buClr>
         <a:buFont typeface="Arial"/>
-        <a:defRPr sz="1400" b="0" i="0" u="none" strike="noStrike" cap="none">
+        <a:defRPr b="0" i="0" sz="1400" u="none" cap="none" strike="noStrike">
           <a:solidFill>
             <a:srgbClr val="000000"/>
           </a:solidFill>
@@ -5454,7 +5420,7 @@
           <a:sym typeface="Arial"/>
         </a:defRPr>
       </a:lvl5pPr>
-      <a:lvl6pPr marR="0" lvl="5" algn="l" rtl="0">
+      <a:lvl6pPr lvl="5" marR="0" rtl="0" algn="l">
         <a:lnSpc>
           <a:spcPct val="100000"/>
         </a:lnSpc>
@@ -5468,7 +5434,7 @@
           <a:srgbClr val="000000"/>
         </a:buClr>
         <a:buFont typeface="Arial"/>
-        <a:defRPr sz="1400" b="0" i="0" u="none" strike="noStrike" cap="none">
+        <a:defRPr b="0" i="0" sz="1400" u="none" cap="none" strike="noStrike">
           <a:solidFill>
             <a:srgbClr val="000000"/>
           </a:solidFill>
@@ -5478,7 +5444,7 @@
           <a:sym typeface="Arial"/>
         </a:defRPr>
       </a:lvl6pPr>
-      <a:lvl7pPr marR="0" lvl="6" algn="l" rtl="0">
+      <a:lvl7pPr lvl="6" marR="0" rtl="0" algn="l">
         <a:lnSpc>
           <a:spcPct val="100000"/>
         </a:lnSpc>
@@ -5492,7 +5458,7 @@
           <a:srgbClr val="000000"/>
         </a:buClr>
         <a:buFont typeface="Arial"/>
-        <a:defRPr sz="1400" b="0" i="0" u="none" strike="noStrike" cap="none">
+        <a:defRPr b="0" i="0" sz="1400" u="none" cap="none" strike="noStrike">
           <a:solidFill>
             <a:srgbClr val="000000"/>
           </a:solidFill>
@@ -5502,7 +5468,7 @@
           <a:sym typeface="Arial"/>
         </a:defRPr>
       </a:lvl7pPr>
-      <a:lvl8pPr marR="0" lvl="7" algn="l" rtl="0">
+      <a:lvl8pPr lvl="7" marR="0" rtl="0" algn="l">
         <a:lnSpc>
           <a:spcPct val="100000"/>
         </a:lnSpc>
@@ -5516,7 +5482,7 @@
           <a:srgbClr val="000000"/>
         </a:buClr>
         <a:buFont typeface="Arial"/>
-        <a:defRPr sz="1400" b="0" i="0" u="none" strike="noStrike" cap="none">
+        <a:defRPr b="0" i="0" sz="1400" u="none" cap="none" strike="noStrike">
           <a:solidFill>
             <a:srgbClr val="000000"/>
           </a:solidFill>
@@ -5526,7 +5492,7 @@
           <a:sym typeface="Arial"/>
         </a:defRPr>
       </a:lvl8pPr>
-      <a:lvl9pPr marR="0" lvl="8" algn="l" rtl="0">
+      <a:lvl9pPr lvl="8" marR="0" rtl="0" algn="l">
         <a:lnSpc>
           <a:spcPct val="100000"/>
         </a:lnSpc>
@@ -5540,7 +5506,7 @@
           <a:srgbClr val="000000"/>
         </a:buClr>
         <a:buFont typeface="Arial"/>
-        <a:defRPr sz="1400" b="0" i="0" u="none" strike="noStrike" cap="none">
+        <a:defRPr b="0" i="0" sz="1400" u="none" cap="none" strike="noStrike">
           <a:solidFill>
             <a:srgbClr val="000000"/>
           </a:solidFill>
@@ -5552,7 +5518,7 @@
       </a:lvl9pPr>
     </p:bodyStyle>
     <p:otherStyle>
-      <a:defPPr marR="0" lvl="0" algn="l" rtl="0">
+      <a:defPPr lvl="0" marR="0" rtl="0" algn="l">
         <a:lnSpc>
           <a:spcPct val="100000"/>
         </a:lnSpc>
@@ -5563,7 +5529,7 @@
           <a:spcPts val="0"/>
         </a:spcAft>
       </a:defPPr>
-      <a:lvl1pPr marR="0" lvl="0" algn="l" rtl="0">
+      <a:lvl1pPr lvl="0" marR="0" rtl="0" algn="l">
         <a:lnSpc>
           <a:spcPct val="100000"/>
         </a:lnSpc>
@@ -5577,7 +5543,7 @@
           <a:srgbClr val="000000"/>
         </a:buClr>
         <a:buFont typeface="Arial"/>
-        <a:defRPr sz="1400" b="0" i="0" u="none" strike="noStrike" cap="none">
+        <a:defRPr b="0" i="0" sz="1400" u="none" cap="none" strike="noStrike">
           <a:solidFill>
             <a:srgbClr val="000000"/>
           </a:solidFill>
@@ -5587,7 +5553,7 @@
           <a:sym typeface="Arial"/>
         </a:defRPr>
       </a:lvl1pPr>
-      <a:lvl2pPr marR="0" lvl="1" algn="l" rtl="0">
+      <a:lvl2pPr lvl="1" marR="0" rtl="0" algn="l">
         <a:lnSpc>
           <a:spcPct val="100000"/>
         </a:lnSpc>
@@ -5601,7 +5567,7 @@
           <a:srgbClr val="000000"/>
         </a:buClr>
         <a:buFont typeface="Arial"/>
-        <a:defRPr sz="1400" b="0" i="0" u="none" strike="noStrike" cap="none">
+        <a:defRPr b="0" i="0" sz="1400" u="none" cap="none" strike="noStrike">
           <a:solidFill>
             <a:srgbClr val="000000"/>
           </a:solidFill>
@@ -5611,7 +5577,7 @@
           <a:sym typeface="Arial"/>
         </a:defRPr>
       </a:lvl2pPr>
-      <a:lvl3pPr marR="0" lvl="2" algn="l" rtl="0">
+      <a:lvl3pPr lvl="2" marR="0" rtl="0" algn="l">
         <a:lnSpc>
           <a:spcPct val="100000"/>
         </a:lnSpc>
@@ -5625,7 +5591,7 @@
           <a:srgbClr val="000000"/>
         </a:buClr>
         <a:buFont typeface="Arial"/>
-        <a:defRPr sz="1400" b="0" i="0" u="none" strike="noStrike" cap="none">
+        <a:defRPr b="0" i="0" sz="1400" u="none" cap="none" strike="noStrike">
           <a:solidFill>
             <a:srgbClr val="000000"/>
           </a:solidFill>
@@ -5635,7 +5601,7 @@
           <a:sym typeface="Arial"/>
         </a:defRPr>
       </a:lvl3pPr>
-      <a:lvl4pPr marR="0" lvl="3" algn="l" rtl="0">
+      <a:lvl4pPr lvl="3" marR="0" rtl="0" algn="l">
         <a:lnSpc>
           <a:spcPct val="100000"/>
         </a:lnSpc>
@@ -5649,7 +5615,7 @@
           <a:srgbClr val="000000"/>
         </a:buClr>
         <a:buFont typeface="Arial"/>
-        <a:defRPr sz="1400" b="0" i="0" u="none" strike="noStrike" cap="none">
+        <a:defRPr b="0" i="0" sz="1400" u="none" cap="none" strike="noStrike">
           <a:solidFill>
             <a:srgbClr val="000000"/>
           </a:solidFill>
@@ -5659,7 +5625,7 @@
           <a:sym typeface="Arial"/>
         </a:defRPr>
       </a:lvl4pPr>
-      <a:lvl5pPr marR="0" lvl="4" algn="l" rtl="0">
+      <a:lvl5pPr lvl="4" marR="0" rtl="0" algn="l">
         <a:lnSpc>
           <a:spcPct val="100000"/>
         </a:lnSpc>
@@ -5673,7 +5639,7 @@
           <a:srgbClr val="000000"/>
         </a:buClr>
         <a:buFont typeface="Arial"/>
-        <a:defRPr sz="1400" b="0" i="0" u="none" strike="noStrike" cap="none">
+        <a:defRPr b="0" i="0" sz="1400" u="none" cap="none" strike="noStrike">
           <a:solidFill>
             <a:srgbClr val="000000"/>
           </a:solidFill>
@@ -5683,7 +5649,7 @@
           <a:sym typeface="Arial"/>
         </a:defRPr>
       </a:lvl5pPr>
-      <a:lvl6pPr marR="0" lvl="5" algn="l" rtl="0">
+      <a:lvl6pPr lvl="5" marR="0" rtl="0" algn="l">
         <a:lnSpc>
           <a:spcPct val="100000"/>
         </a:lnSpc>
@@ -5697,7 +5663,7 @@
           <a:srgbClr val="000000"/>
         </a:buClr>
         <a:buFont typeface="Arial"/>
-        <a:defRPr sz="1400" b="0" i="0" u="none" strike="noStrike" cap="none">
+        <a:defRPr b="0" i="0" sz="1400" u="none" cap="none" strike="noStrike">
           <a:solidFill>
             <a:srgbClr val="000000"/>
           </a:solidFill>
@@ -5707,7 +5673,7 @@
           <a:sym typeface="Arial"/>
         </a:defRPr>
       </a:lvl6pPr>
-      <a:lvl7pPr marR="0" lvl="6" algn="l" rtl="0">
+      <a:lvl7pPr lvl="6" marR="0" rtl="0" algn="l">
         <a:lnSpc>
           <a:spcPct val="100000"/>
         </a:lnSpc>
@@ -5721,7 +5687,7 @@
           <a:srgbClr val="000000"/>
         </a:buClr>
         <a:buFont typeface="Arial"/>
-        <a:defRPr sz="1400" b="0" i="0" u="none" strike="noStrike" cap="none">
+        <a:defRPr b="0" i="0" sz="1400" u="none" cap="none" strike="noStrike">
           <a:solidFill>
             <a:srgbClr val="000000"/>
           </a:solidFill>
@@ -5731,7 +5697,7 @@
           <a:sym typeface="Arial"/>
         </a:defRPr>
       </a:lvl7pPr>
-      <a:lvl8pPr marR="0" lvl="7" algn="l" rtl="0">
+      <a:lvl8pPr lvl="7" marR="0" rtl="0" algn="l">
         <a:lnSpc>
           <a:spcPct val="100000"/>
         </a:lnSpc>
@@ -5745,7 +5711,7 @@
           <a:srgbClr val="000000"/>
         </a:buClr>
         <a:buFont typeface="Arial"/>
-        <a:defRPr sz="1400" b="0" i="0" u="none" strike="noStrike" cap="none">
+        <a:defRPr b="0" i="0" sz="1400" u="none" cap="none" strike="noStrike">
           <a:solidFill>
             <a:srgbClr val="000000"/>
           </a:solidFill>
@@ -5755,7 +5721,7 @@
           <a:sym typeface="Arial"/>
         </a:defRPr>
       </a:lvl8pPr>
-      <a:lvl9pPr marR="0" lvl="8" algn="l" rtl="0">
+      <a:lvl9pPr lvl="8" marR="0" rtl="0" algn="l">
         <a:lnSpc>
           <a:spcPct val="100000"/>
         </a:lnSpc>
@@ -5769,7 +5735,7 @@
           <a:srgbClr val="000000"/>
         </a:buClr>
         <a:buFont typeface="Arial"/>
-        <a:defRPr sz="1400" b="0" i="0" u="none" strike="noStrike" cap="none">
+        <a:defRPr b="0" i="0" sz="1400" u="none" cap="none" strike="noStrike">
           <a:solidFill>
             <a:srgbClr val="000000"/>
           </a:solidFill>
@@ -5785,19 +5751,18 @@
 </file>
 
 <file path=ppt/slides/slide1.xml><?xml version="1.0" encoding="utf-8"?>
-<p:sld xmlns:a="http://schemas.openxmlformats.org/drawingml/2006/main" xmlns:r="http://schemas.openxmlformats.org/officeDocument/2006/relationships" xmlns:p="http://schemas.openxmlformats.org/presentationml/2006/main">
+<p:sld xmlns:a="http://schemas.openxmlformats.org/drawingml/2006/main" xmlns:r="http://schemas.openxmlformats.org/officeDocument/2006/relationships" xmlns:mc="http://schemas.openxmlformats.org/markup-compatibility/2006" xmlns:mv="urn:schemas-microsoft-com:mac:vml" xmlns:p="http://schemas.openxmlformats.org/presentationml/2006/main" xmlns:c="http://schemas.openxmlformats.org/drawingml/2006/chart" xmlns:dgm="http://schemas.openxmlformats.org/drawingml/2006/diagram" xmlns:o="urn:schemas-microsoft-com:office:office" xmlns:v="urn:schemas-microsoft-com:vml" xmlns:pvml="urn:schemas-microsoft-com:office:powerpoint" xmlns:com="http://schemas.openxmlformats.org/drawingml/2006/compatibility" xmlns:p14="http://schemas.microsoft.com/office/powerpoint/2010/main" xmlns:p15="http://schemas.microsoft.com/office/powerpoint/2012/main" xmlns:ahyp="http://schemas.microsoft.com/office/drawing/2018/hyperlinkcolor">
   <p:cSld>
     <p:bg>
       <p:bgPr>
         <a:solidFill>
           <a:srgbClr val="000000"/>
         </a:solidFill>
-        <a:effectLst/>
       </p:bgPr>
     </p:bg>
     <p:spTree>
       <p:nvGrpSpPr>
-        <p:cNvPr id="1" name="Shape 53"/>
+        <p:cNvPr id="53" name="Shape 53"/>
         <p:cNvGrpSpPr/>
         <p:nvPr/>
       </p:nvGrpSpPr>
@@ -5819,7 +5784,7 @@
           <a:blip r:embed="rId3">
             <a:alphaModFix/>
           </a:blip>
-          <a:srcRect b="7175"/>
+          <a:srcRect b="7175" l="0" r="0" t="0"/>
           <a:stretch/>
         </p:blipFill>
         <p:spPr>
@@ -5839,9 +5804,7 @@
       <p:sp>
         <p:nvSpPr>
           <p:cNvPr id="55" name="Google Shape;55;p13"/>
-          <p:cNvSpPr txBox="1">
-            <a:spLocks noGrp="1"/>
-          </p:cNvSpPr>
+          <p:cNvSpPr txBox="1"/>
           <p:nvPr>
             <p:ph type="ctrTitle"/>
           </p:nvPr>
@@ -5855,7 +5818,7 @@
             <a:avLst/>
           </a:prstGeom>
           <a:effectLst>
-            <a:outerShdw blurRad="57150" dist="19050" dir="5400000" algn="bl" rotWithShape="0">
+            <a:outerShdw blurRad="57150" rotWithShape="0" algn="bl" dir="5400000" dist="19050">
               <a:srgbClr val="000000">
                 <a:alpha val="50000"/>
               </a:srgbClr>
@@ -5863,12 +5826,12 @@
           </a:effectLst>
         </p:spPr>
         <p:txBody>
-          <a:bodyPr spcFirstLastPara="1" wrap="square" lIns="91425" tIns="91425" rIns="91425" bIns="91425" anchor="ctr" anchorCtr="0">
+          <a:bodyPr anchorCtr="0" anchor="ctr" bIns="91425" lIns="91425" spcFirstLastPara="1" rIns="91425" wrap="square" tIns="91425">
             <a:noAutofit/>
           </a:bodyPr>
           <a:lstStyle/>
           <a:p>
-            <a:pPr marL="0" lvl="0" indent="0" algn="l" rtl="0">
+            <a:pPr indent="0" lvl="0" marL="0" rtl="0" algn="l">
               <a:spcBef>
                 <a:spcPts val="0"/>
               </a:spcBef>
@@ -5878,7 +5841,7 @@
               <a:buNone/>
             </a:pPr>
             <a:r>
-              <a:rPr lang="fr" sz="3300" b="1">
+              <a:rPr b="1" lang="fr" sz="3300">
                 <a:solidFill>
                   <a:srgbClr val="FFFFFF"/>
                 </a:solidFill>
@@ -5889,7 +5852,7 @@
               </a:rPr>
               <a:t>From Class</a:t>
             </a:r>
-            <a:endParaRPr sz="3300" b="1">
+            <a:endParaRPr b="1" sz="3300">
               <a:solidFill>
                 <a:srgbClr val="FFFFFF"/>
               </a:solidFill>
@@ -5900,7 +5863,7 @@
             </a:endParaRPr>
           </a:p>
           <a:p>
-            <a:pPr marL="0" lvl="0" indent="0" algn="l" rtl="0">
+            <a:pPr indent="0" lvl="0" marL="0" rtl="0" algn="l">
               <a:spcBef>
                 <a:spcPts val="0"/>
               </a:spcBef>
@@ -5910,7 +5873,7 @@
               <a:buNone/>
             </a:pPr>
             <a:r>
-              <a:rPr lang="fr" sz="3300" b="1">
+              <a:rPr b="1" lang="fr" sz="3300">
                 <a:solidFill>
                   <a:srgbClr val="FFFFFF"/>
                 </a:solidFill>
@@ -5921,7 +5884,7 @@
               </a:rPr>
               <a:t>To Game</a:t>
             </a:r>
-            <a:endParaRPr sz="3300" b="1">
+            <a:endParaRPr b="1" sz="3300">
               <a:solidFill>
                 <a:srgbClr val="FFFFFF"/>
               </a:solidFill>
@@ -5936,11 +5899,9 @@
       <p:sp>
         <p:nvSpPr>
           <p:cNvPr id="56" name="Google Shape;56;p13"/>
-          <p:cNvSpPr txBox="1">
-            <a:spLocks noGrp="1"/>
-          </p:cNvSpPr>
+          <p:cNvSpPr txBox="1"/>
           <p:nvPr>
-            <p:ph type="subTitle" idx="1"/>
+            <p:ph idx="1" type="subTitle"/>
           </p:nvPr>
         </p:nvSpPr>
         <p:spPr>
@@ -5953,12 +5914,12 @@
           </a:prstGeom>
         </p:spPr>
         <p:txBody>
-          <a:bodyPr spcFirstLastPara="1" wrap="square" lIns="91425" tIns="91425" rIns="91425" bIns="91425" anchor="t" anchorCtr="0">
+          <a:bodyPr anchorCtr="0" anchor="t" bIns="91425" lIns="91425" spcFirstLastPara="1" rIns="91425" wrap="square" tIns="91425">
             <a:noAutofit/>
           </a:bodyPr>
           <a:lstStyle/>
           <a:p>
-            <a:pPr marL="0" lvl="0" indent="0" algn="ctr" rtl="0">
+            <a:pPr indent="0" lvl="0" marL="0" rtl="0" algn="ctr">
               <a:spcBef>
                 <a:spcPts val="0"/>
               </a:spcBef>
@@ -5998,14 +5959,14 @@
             <a:avLst/>
           </a:prstGeom>
           <a:noFill/>
-          <a:ln w="19050" cap="flat" cmpd="sng">
+          <a:ln cap="flat" cmpd="sng" w="19050">
             <a:solidFill>
               <a:srgbClr val="FFFFFF"/>
             </a:solidFill>
             <a:prstDash val="solid"/>
             <a:round/>
-            <a:headEnd type="none" w="med" len="med"/>
-            <a:tailEnd type="none" w="med" len="med"/>
+            <a:headEnd len="med" w="med" type="none"/>
+            <a:tailEnd len="med" w="med" type="none"/>
           </a:ln>
         </p:spPr>
       </p:cxnSp>
@@ -6024,14 +5985,14 @@
             <a:avLst/>
           </a:prstGeom>
           <a:noFill/>
-          <a:ln w="76200" cap="flat" cmpd="sng">
+          <a:ln cap="flat" cmpd="sng" w="76200">
             <a:solidFill>
               <a:srgbClr val="FFFFFF"/>
             </a:solidFill>
             <a:prstDash val="solid"/>
             <a:round/>
-            <a:headEnd type="none" w="med" len="med"/>
-            <a:tailEnd type="none" w="med" len="med"/>
+            <a:headEnd len="med" w="med" type="none"/>
+            <a:tailEnd len="med" w="med" type="none"/>
           </a:ln>
         </p:spPr>
       </p:cxnSp>
@@ -6050,14 +6011,14 @@
             <a:avLst/>
           </a:prstGeom>
           <a:noFill/>
-          <a:ln w="76200" cap="flat" cmpd="sng">
+          <a:ln cap="flat" cmpd="sng" w="76200">
             <a:solidFill>
               <a:srgbClr val="FFFFFF"/>
             </a:solidFill>
             <a:prstDash val="solid"/>
             <a:round/>
-            <a:headEnd type="none" w="med" len="med"/>
-            <a:tailEnd type="none" w="med" len="med"/>
+            <a:headEnd len="med" w="med" type="none"/>
+            <a:tailEnd len="med" w="med" type="none"/>
           </a:ln>
         </p:spPr>
       </p:cxnSp>
@@ -6095,12 +6056,12 @@
             </a:ln>
           </p:spPr>
           <p:txBody>
-            <a:bodyPr spcFirstLastPara="1" wrap="square" lIns="91425" tIns="91425" rIns="91425" bIns="91425" anchor="ctr" anchorCtr="0">
+            <a:bodyPr anchorCtr="0" anchor="ctr" bIns="91425" lIns="91425" spcFirstLastPara="1" rIns="91425" wrap="square" tIns="91425">
               <a:noAutofit/>
             </a:bodyPr>
             <a:lstStyle/>
             <a:p>
-              <a:pPr marL="0" lvl="0" indent="0" algn="ctr" rtl="0">
+              <a:pPr indent="0" lvl="0" marL="0" rtl="0" algn="ctr">
                 <a:spcBef>
                   <a:spcPts val="0"/>
                 </a:spcBef>
@@ -6132,7 +6093,7 @@
               </a:endParaRPr>
             </a:p>
             <a:p>
-              <a:pPr marL="0" lvl="0" indent="0" algn="ctr" rtl="0">
+              <a:pPr indent="0" lvl="0" marL="0" rtl="0" algn="ctr">
                 <a:spcBef>
                   <a:spcPts val="0"/>
                 </a:spcBef>
@@ -6141,6 +6102,9 @@
                 </a:spcAft>
                 <a:buNone/>
               </a:pPr>
+              <a:r>
+                <a:t/>
+              </a:r>
               <a:endParaRPr sz="1100">
                 <a:solidFill>
                   <a:srgbClr val="FFFFFF"/>
@@ -6196,14 +6160,14 @@
               <a:avLst/>
             </a:prstGeom>
             <a:noFill/>
-            <a:ln w="9525" cap="flat" cmpd="sng">
+            <a:ln cap="flat" cmpd="sng" w="9525">
               <a:solidFill>
                 <a:srgbClr val="FFFFFF"/>
               </a:solidFill>
               <a:prstDash val="solid"/>
               <a:round/>
-              <a:headEnd type="none" w="med" len="med"/>
-              <a:tailEnd type="none" w="med" len="med"/>
+              <a:headEnd len="med" w="med" type="none"/>
+              <a:tailEnd len="med" w="med" type="none"/>
             </a:ln>
           </p:spPr>
         </p:cxnSp>
@@ -6227,12 +6191,12 @@
             </a:ln>
           </p:spPr>
           <p:txBody>
-            <a:bodyPr spcFirstLastPara="1" wrap="square" lIns="91425" tIns="91425" rIns="91425" bIns="91425" anchor="t" anchorCtr="0">
+            <a:bodyPr anchorCtr="0" anchor="t" bIns="91425" lIns="91425" spcFirstLastPara="1" rIns="91425" wrap="square" tIns="91425">
               <a:noAutofit/>
             </a:bodyPr>
             <a:lstStyle/>
             <a:p>
-              <a:pPr marL="0" lvl="0" indent="0" algn="ctr" rtl="0">
+              <a:pPr indent="0" lvl="0" marL="0" rtl="0" algn="ctr">
                 <a:spcBef>
                   <a:spcPts val="0"/>
                 </a:spcBef>
@@ -6269,7 +6233,7 @@
               </a:endParaRPr>
             </a:p>
             <a:p>
-              <a:pPr marL="0" lvl="0" indent="0" algn="ctr" rtl="0">
+              <a:pPr indent="0" lvl="0" marL="0" rtl="0" algn="ctr">
                 <a:spcBef>
                   <a:spcPts val="0"/>
                 </a:spcBef>
@@ -6278,6 +6242,9 @@
                 </a:spcAft>
                 <a:buNone/>
               </a:pPr>
+              <a:r>
+                <a:t/>
+              </a:r>
               <a:endParaRPr/>
             </a:p>
           </p:txBody>
@@ -6302,23 +6269,23 @@
           <a:solidFill>
             <a:srgbClr val="FF9900"/>
           </a:solidFill>
-          <a:ln w="28575" cap="flat" cmpd="sng">
+          <a:ln cap="flat" cmpd="sng" w="28575">
             <a:solidFill>
               <a:srgbClr val="FFE599"/>
             </a:solidFill>
             <a:prstDash val="solid"/>
             <a:round/>
-            <a:headEnd type="none" w="sm" len="sm"/>
-            <a:tailEnd type="none" w="sm" len="sm"/>
+            <a:headEnd len="sm" w="sm" type="none"/>
+            <a:tailEnd len="sm" w="sm" type="none"/>
           </a:ln>
         </p:spPr>
         <p:txBody>
-          <a:bodyPr spcFirstLastPara="1" wrap="square" lIns="91425" tIns="91425" rIns="91425" bIns="91425" anchor="ctr" anchorCtr="0">
+          <a:bodyPr anchorCtr="0" anchor="ctr" bIns="91425" lIns="91425" spcFirstLastPara="1" rIns="91425" wrap="square" tIns="91425">
             <a:noAutofit/>
           </a:bodyPr>
           <a:lstStyle/>
           <a:p>
-            <a:pPr marL="0" lvl="0" indent="0" algn="ctr" rtl="0">
+            <a:pPr indent="0" lvl="0" marL="0" rtl="0" algn="ctr">
               <a:spcBef>
                 <a:spcPts val="0"/>
               </a:spcBef>
@@ -6339,10 +6306,10 @@
                 <a:ea typeface="Oswald"/>
                 <a:cs typeface="Oswald"/>
                 <a:sym typeface="Oswald"/>
-                <a:hlinkClick r:id="rId5">
+                <a:hlinkClick r:id="rId6">
                   <a:extLst>
                     <a:ext uri="{A12FA001-AC4F-418D-AE19-62706E023703}">
-                      <ahyp:hlinkClr xmlns:ahyp="http://schemas.microsoft.com/office/drawing/2018/hyperlinkcolor" val="tx"/>
+                      <ahyp:hlinkClr val="tx"/>
                     </a:ext>
                   </a:extLst>
                 </a:hlinkClick>
@@ -6364,9 +6331,7 @@
       <p:sp>
         <p:nvSpPr>
           <p:cNvPr id="66" name="Google Shape;66;p13"/>
-          <p:cNvSpPr txBox="1">
-            <a:spLocks noGrp="1"/>
-          </p:cNvSpPr>
+          <p:cNvSpPr txBox="1"/>
           <p:nvPr>
             <p:ph type="ctrTitle"/>
           </p:nvPr>
@@ -6380,7 +6345,7 @@
             <a:avLst/>
           </a:prstGeom>
           <a:effectLst>
-            <a:outerShdw blurRad="57150" dist="19050" dir="5400000" algn="bl" rotWithShape="0">
+            <a:outerShdw blurRad="57150" rotWithShape="0" algn="bl" dir="5400000" dist="19050">
               <a:srgbClr val="000000">
                 <a:alpha val="50000"/>
               </a:srgbClr>
@@ -6388,12 +6353,12 @@
           </a:effectLst>
         </p:spPr>
         <p:txBody>
-          <a:bodyPr spcFirstLastPara="1" wrap="square" lIns="91425" tIns="91425" rIns="91425" bIns="91425" anchor="ctr" anchorCtr="0">
+          <a:bodyPr anchorCtr="0" anchor="ctr" bIns="91425" lIns="91425" spcFirstLastPara="1" rIns="91425" wrap="square" tIns="91425">
             <a:noAutofit/>
           </a:bodyPr>
           <a:lstStyle/>
           <a:p>
-            <a:pPr marL="0" lvl="0" indent="0" algn="l" rtl="0">
+            <a:pPr indent="0" lvl="0" marL="0" rtl="0" algn="l">
               <a:spcBef>
                 <a:spcPts val="0"/>
               </a:spcBef>
@@ -6403,7 +6368,7 @@
               <a:buNone/>
             </a:pPr>
             <a:r>
-              <a:rPr lang="fr" sz="2000" b="1">
+              <a:rPr b="1" lang="fr" sz="2000">
                 <a:solidFill>
                   <a:srgbClr val="FFFFFF"/>
                 </a:solidFill>
@@ -6414,7 +6379,7 @@
               </a:rPr>
               <a:t>A java 2d game framework story</a:t>
             </a:r>
-            <a:endParaRPr sz="2000" b="1">
+            <a:endParaRPr b="1" sz="2000">
               <a:solidFill>
                 <a:srgbClr val="FFFFFF"/>
               </a:solidFill>
@@ -6433,7 +6398,7 @@
           <p:nvPr/>
         </p:nvPicPr>
         <p:blipFill>
-          <a:blip r:embed="rId6">
+          <a:blip r:embed="rId7">
             <a:alphaModFix/>
           </a:blip>
           <a:stretch>
@@ -6461,7 +6426,7 @@
           <p:nvPr/>
         </p:nvPicPr>
         <p:blipFill>
-          <a:blip r:embed="rId7">
+          <a:blip r:embed="rId8">
             <a:alphaModFix/>
           </a:blip>
           <a:stretch>
@@ -6477,17 +6442,17 @@
             <a:avLst/>
           </a:prstGeom>
           <a:noFill/>
-          <a:ln w="9525" cap="flat" cmpd="sng">
+          <a:ln cap="flat" cmpd="sng" w="9525">
             <a:solidFill>
               <a:schemeClr val="dk2"/>
             </a:solidFill>
             <a:prstDash val="solid"/>
             <a:round/>
-            <a:headEnd type="none" w="sm" len="sm"/>
-            <a:tailEnd type="none" w="sm" len="sm"/>
+            <a:headEnd len="sm" w="sm" type="none"/>
+            <a:tailEnd len="sm" w="sm" type="none"/>
           </a:ln>
           <a:effectLst>
-            <a:outerShdw blurRad="85725" dist="161925" dir="2880000" algn="bl" rotWithShape="0">
+            <a:outerShdw blurRad="85725" rotWithShape="0" algn="bl" dir="2880000" dist="161925">
               <a:schemeClr val="dk2"/>
             </a:outerShdw>
           </a:effectLst>
@@ -6502,19 +6467,18 @@
 </file>
 
 <file path=ppt/slides/slide2.xml><?xml version="1.0" encoding="utf-8"?>
-<p:sld xmlns:a="http://schemas.openxmlformats.org/drawingml/2006/main" xmlns:r="http://schemas.openxmlformats.org/officeDocument/2006/relationships" xmlns:p="http://schemas.openxmlformats.org/presentationml/2006/main">
+<p:sld xmlns:a="http://schemas.openxmlformats.org/drawingml/2006/main" xmlns:r="http://schemas.openxmlformats.org/officeDocument/2006/relationships" xmlns:mc="http://schemas.openxmlformats.org/markup-compatibility/2006" xmlns:mv="urn:schemas-microsoft-com:mac:vml" xmlns:p="http://schemas.openxmlformats.org/presentationml/2006/main" xmlns:c="http://schemas.openxmlformats.org/drawingml/2006/chart" xmlns:dgm="http://schemas.openxmlformats.org/drawingml/2006/diagram" xmlns:o="urn:schemas-microsoft-com:office:office" xmlns:v="urn:schemas-microsoft-com:vml" xmlns:pvml="urn:schemas-microsoft-com:office:powerpoint" xmlns:com="http://schemas.openxmlformats.org/drawingml/2006/compatibility" xmlns:p14="http://schemas.microsoft.com/office/powerpoint/2010/main" xmlns:p15="http://schemas.microsoft.com/office/powerpoint/2012/main" xmlns:ahyp="http://schemas.microsoft.com/office/drawing/2018/hyperlinkcolor">
   <p:cSld>
     <p:bg>
       <p:bgPr>
         <a:solidFill>
           <a:srgbClr val="000000"/>
         </a:solidFill>
-        <a:effectLst/>
       </p:bgPr>
     </p:bg>
     <p:spTree>
       <p:nvGrpSpPr>
-        <p:cNvPr id="1" name="Shape 72"/>
+        <p:cNvPr id="72" name="Shape 72"/>
         <p:cNvGrpSpPr/>
         <p:nvPr/>
       </p:nvGrpSpPr>
@@ -6536,7 +6500,7 @@
           <a:blip r:embed="rId3">
             <a:alphaModFix/>
           </a:blip>
-          <a:srcRect t="28432" b="33197"/>
+          <a:srcRect b="33197" l="0" r="0" t="28432"/>
           <a:stretch/>
         </p:blipFill>
         <p:spPr>
@@ -6573,12 +6537,12 @@
           </a:ln>
         </p:spPr>
         <p:txBody>
-          <a:bodyPr spcFirstLastPara="1" wrap="square" lIns="91425" tIns="91425" rIns="91425" bIns="91425" anchor="t" anchorCtr="0">
+          <a:bodyPr anchorCtr="0" anchor="t" bIns="91425" lIns="91425" spcFirstLastPara="1" rIns="91425" wrap="square" tIns="91425">
             <a:noAutofit/>
           </a:bodyPr>
           <a:lstStyle/>
           <a:p>
-            <a:pPr marL="0" lvl="0" indent="0" algn="just" rtl="0">
+            <a:pPr indent="0" lvl="0" marL="0" rtl="0" algn="just">
               <a:spcBef>
                 <a:spcPts val="0"/>
               </a:spcBef>
@@ -6623,12 +6587,12 @@
           </a:ln>
         </p:spPr>
         <p:txBody>
-          <a:bodyPr spcFirstLastPara="1" wrap="square" lIns="91425" tIns="91425" rIns="91425" bIns="91425" anchor="t" anchorCtr="0">
+          <a:bodyPr anchorCtr="0" anchor="t" bIns="91425" lIns="91425" spcFirstLastPara="1" rIns="91425" wrap="square" tIns="91425">
             <a:noAutofit/>
           </a:bodyPr>
           <a:lstStyle/>
           <a:p>
-            <a:pPr marL="0" lvl="0" indent="0" algn="l" rtl="0">
+            <a:pPr indent="0" lvl="0" marL="0" rtl="0" algn="l">
               <a:spcBef>
                 <a:spcPts val="0"/>
               </a:spcBef>
@@ -6638,7 +6602,7 @@
               <a:buNone/>
             </a:pPr>
             <a:r>
-              <a:rPr lang="fr" sz="2200" b="1">
+              <a:rPr b="1" lang="fr" sz="2200">
                 <a:solidFill>
                   <a:srgbClr val="FFFFFF"/>
                 </a:solidFill>
@@ -6649,7 +6613,7 @@
               </a:rPr>
               <a:t>${title}</a:t>
             </a:r>
-            <a:endParaRPr sz="2200" b="1">
+            <a:endParaRPr b="1" sz="2200">
               <a:solidFill>
                 <a:srgbClr val="FFFFFF"/>
               </a:solidFill>
@@ -6678,23 +6642,23 @@
           <a:solidFill>
             <a:srgbClr val="FFFFFF"/>
           </a:solidFill>
-          <a:ln w="9525" cap="flat" cmpd="sng">
+          <a:ln cap="flat" cmpd="sng" w="9525">
             <a:solidFill>
               <a:srgbClr val="595959"/>
             </a:solidFill>
             <a:prstDash val="solid"/>
             <a:round/>
-            <a:headEnd type="none" w="sm" len="sm"/>
-            <a:tailEnd type="none" w="sm" len="sm"/>
+            <a:headEnd len="sm" w="sm" type="none"/>
+            <a:tailEnd len="sm" w="sm" type="none"/>
           </a:ln>
         </p:spPr>
         <p:txBody>
-          <a:bodyPr spcFirstLastPara="1" wrap="square" lIns="91425" tIns="91425" rIns="91425" bIns="91425" anchor="ctr" anchorCtr="0">
+          <a:bodyPr anchorCtr="0" anchor="ctr" bIns="91425" lIns="91425" spcFirstLastPara="1" rIns="91425" wrap="square" tIns="91425">
             <a:noAutofit/>
           </a:bodyPr>
           <a:lstStyle/>
           <a:p>
-            <a:pPr marL="0" lvl="0" indent="0" algn="l" rtl="0">
+            <a:pPr indent="0" lvl="0" marL="0" rtl="0" algn="l">
               <a:spcBef>
                 <a:spcPts val="0"/>
               </a:spcBef>
@@ -6703,6 +6667,9 @@
               </a:spcAft>
               <a:buNone/>
             </a:pPr>
+            <a:r>
+              <a:t/>
+            </a:r>
             <a:endParaRPr/>
           </a:p>
         </p:txBody>
@@ -6727,12 +6694,12 @@
           </a:ln>
         </p:spPr>
         <p:txBody>
-          <a:bodyPr spcFirstLastPara="1" wrap="square" lIns="91425" tIns="91425" rIns="91425" bIns="91425" anchor="t" anchorCtr="0">
+          <a:bodyPr anchorCtr="0" anchor="t" bIns="91425" lIns="91425" spcFirstLastPara="1" rIns="91425" wrap="square" tIns="91425">
             <a:noAutofit/>
           </a:bodyPr>
           <a:lstStyle/>
           <a:p>
-            <a:pPr marL="0" lvl="0" indent="0" algn="r" rtl="0">
+            <a:pPr indent="0" lvl="0" marL="0" rtl="0" algn="r">
               <a:spcBef>
                 <a:spcPts val="0"/>
               </a:spcBef>
@@ -6764,14 +6731,14 @@
             <a:avLst/>
           </a:prstGeom>
           <a:noFill/>
-          <a:ln w="9525" cap="flat" cmpd="sng">
+          <a:ln cap="flat" cmpd="sng" w="9525">
             <a:solidFill>
               <a:srgbClr val="000000"/>
             </a:solidFill>
             <a:prstDash val="dot"/>
             <a:round/>
-            <a:headEnd type="none" w="med" len="med"/>
-            <a:tailEnd type="none" w="med" len="med"/>
+            <a:headEnd len="med" w="med" type="none"/>
+            <a:tailEnd len="med" w="med" type="none"/>
           </a:ln>
         </p:spPr>
       </p:cxnSp>
@@ -6795,12 +6762,12 @@
           </a:ln>
         </p:spPr>
         <p:txBody>
-          <a:bodyPr spcFirstLastPara="1" wrap="square" lIns="91425" tIns="91425" rIns="91425" bIns="91425" anchor="t" anchorCtr="0">
+          <a:bodyPr anchorCtr="0" anchor="t" bIns="91425" lIns="91425" spcFirstLastPara="1" rIns="91425" wrap="square" tIns="91425">
             <a:noAutofit/>
           </a:bodyPr>
           <a:lstStyle/>
           <a:p>
-            <a:pPr marL="0" lvl="0" indent="0" algn="l" rtl="0">
+            <a:pPr indent="0" lvl="0" marL="0" rtl="0" algn="l">
               <a:spcBef>
                 <a:spcPts val="0"/>
               </a:spcBef>
@@ -6861,12 +6828,12 @@
             </a:ln>
           </p:spPr>
           <p:txBody>
-            <a:bodyPr spcFirstLastPara="1" wrap="square" lIns="91425" tIns="91425" rIns="91425" bIns="91425" anchor="ctr" anchorCtr="0">
+            <a:bodyPr anchorCtr="0" anchor="ctr" bIns="91425" lIns="91425" spcFirstLastPara="1" rIns="91425" wrap="square" tIns="91425">
               <a:noAutofit/>
             </a:bodyPr>
             <a:lstStyle/>
             <a:p>
-              <a:pPr marL="0" lvl="0" indent="0" algn="ctr" rtl="0">
+              <a:pPr indent="0" lvl="0" marL="0" rtl="0" algn="ctr">
                 <a:spcBef>
                   <a:spcPts val="0"/>
                 </a:spcBef>
@@ -6898,7 +6865,7 @@
               </a:endParaRPr>
             </a:p>
             <a:p>
-              <a:pPr marL="0" lvl="0" indent="0" algn="ctr" rtl="0">
+              <a:pPr indent="0" lvl="0" marL="0" rtl="0" algn="ctr">
                 <a:spcBef>
                   <a:spcPts val="0"/>
                 </a:spcBef>
@@ -6907,6 +6874,9 @@
                 </a:spcAft>
                 <a:buNone/>
               </a:pPr>
+              <a:r>
+                <a:t/>
+              </a:r>
               <a:endParaRPr sz="1100">
                 <a:solidFill>
                   <a:srgbClr val="FFFFFF"/>
@@ -6962,14 +6932,14 @@
               <a:avLst/>
             </a:prstGeom>
             <a:noFill/>
-            <a:ln w="9525" cap="flat" cmpd="sng">
+            <a:ln cap="flat" cmpd="sng" w="9525">
               <a:solidFill>
                 <a:srgbClr val="FFFFFF"/>
               </a:solidFill>
               <a:prstDash val="solid"/>
               <a:round/>
-              <a:headEnd type="none" w="med" len="med"/>
-              <a:tailEnd type="none" w="med" len="med"/>
+              <a:headEnd len="med" w="med" type="none"/>
+              <a:tailEnd len="med" w="med" type="none"/>
             </a:ln>
           </p:spPr>
         </p:cxnSp>
@@ -6993,12 +6963,12 @@
             </a:ln>
           </p:spPr>
           <p:txBody>
-            <a:bodyPr spcFirstLastPara="1" wrap="square" lIns="91425" tIns="91425" rIns="91425" bIns="91425" anchor="t" anchorCtr="0">
+            <a:bodyPr anchorCtr="0" anchor="t" bIns="91425" lIns="91425" spcFirstLastPara="1" rIns="91425" wrap="square" tIns="91425">
               <a:noAutofit/>
             </a:bodyPr>
             <a:lstStyle/>
             <a:p>
-              <a:pPr marL="0" lvl="0" indent="0" algn="ctr" rtl="0">
+              <a:pPr indent="0" lvl="0" marL="0" rtl="0" algn="ctr">
                 <a:spcBef>
                   <a:spcPts val="0"/>
                 </a:spcBef>
@@ -7030,7 +7000,7 @@
               </a:endParaRPr>
             </a:p>
             <a:p>
-              <a:pPr marL="0" lvl="0" indent="0" algn="ctr" rtl="0">
+              <a:pPr indent="0" lvl="0" marL="0" rtl="0" algn="ctr">
                 <a:spcBef>
                   <a:spcPts val="0"/>
                 </a:spcBef>
@@ -7039,6 +7009,9 @@
                 </a:spcAft>
                 <a:buNone/>
               </a:pPr>
+              <a:r>
+                <a:t/>
+              </a:r>
               <a:endParaRPr/>
             </a:p>
           </p:txBody>
@@ -7047,11 +7020,9 @@
       <p:sp>
         <p:nvSpPr>
           <p:cNvPr id="85" name="Google Shape;85;p14"/>
-          <p:cNvSpPr txBox="1">
-            <a:spLocks noGrp="1"/>
-          </p:cNvSpPr>
+          <p:cNvSpPr txBox="1"/>
           <p:nvPr>
-            <p:ph type="body" idx="1"/>
+            <p:ph idx="1" type="body"/>
           </p:nvPr>
         </p:nvSpPr>
         <p:spPr>
@@ -7064,12 +7035,12 @@
           </a:prstGeom>
         </p:spPr>
         <p:txBody>
-          <a:bodyPr spcFirstLastPara="1" wrap="square" lIns="91425" tIns="91425" rIns="91425" bIns="91425" anchor="t" anchorCtr="0">
+          <a:bodyPr anchorCtr="0" anchor="t" bIns="91425" lIns="91425" spcFirstLastPara="1" rIns="91425" wrap="square" tIns="91425">
             <a:noAutofit/>
           </a:bodyPr>
           <a:lstStyle/>
           <a:p>
-            <a:pPr marL="0" lvl="0" indent="0" algn="just" rtl="0">
+            <a:pPr indent="0" lvl="0" marL="0" rtl="0" algn="just">
               <a:spcBef>
                 <a:spcPts val="0"/>
               </a:spcBef>
@@ -7098,7 +7069,7 @@
             </a:endParaRPr>
           </a:p>
           <a:p>
-            <a:pPr marL="0" lvl="0" indent="0" algn="just" rtl="0">
+            <a:pPr indent="0" lvl="0" marL="0" rtl="0" algn="just">
               <a:spcBef>
                 <a:spcPts val="1600"/>
               </a:spcBef>
@@ -7107,6 +7078,9 @@
               </a:spcAft>
               <a:buNone/>
             </a:pPr>
+            <a:r>
+              <a:t/>
+            </a:r>
             <a:endParaRPr sz="1000">
               <a:solidFill>
                 <a:srgbClr val="000000"/>
@@ -7135,12 +7109,12 @@
           </a:ln>
         </p:spPr>
         <p:txBody>
-          <a:bodyPr spcFirstLastPara="1" wrap="square" lIns="91425" tIns="91425" rIns="91425" bIns="91425" anchor="t" anchorCtr="0">
+          <a:bodyPr anchorCtr="0" anchor="t" bIns="91425" lIns="91425" spcFirstLastPara="1" rIns="91425" wrap="square" tIns="91425">
             <a:noAutofit/>
           </a:bodyPr>
           <a:lstStyle/>
           <a:p>
-            <a:pPr marL="0" lvl="0" indent="0" algn="l" rtl="0">
+            <a:pPr indent="0" lvl="0" marL="0" rtl="0" algn="l">
               <a:spcBef>
                 <a:spcPts val="0"/>
               </a:spcBef>
@@ -7173,7 +7147,7 @@
             </a:endParaRPr>
           </a:p>
           <a:p>
-            <a:pPr marL="0" lvl="0" indent="0" algn="ctr" rtl="0">
+            <a:pPr indent="0" lvl="0" marL="0" rtl="0" algn="ctr">
               <a:spcBef>
                 <a:spcPts val="0"/>
               </a:spcBef>
@@ -7197,7 +7171,7 @@
             </a:endParaRPr>
           </a:p>
           <a:p>
-            <a:pPr marL="0" lvl="0" indent="0" algn="ctr" rtl="0">
+            <a:pPr indent="0" lvl="0" marL="0" rtl="0" algn="ctr">
               <a:spcBef>
                 <a:spcPts val="0"/>
               </a:spcBef>
@@ -7207,14 +7181,14 @@
               <a:buNone/>
             </a:pPr>
             <a:r>
-              <a:rPr lang="fr" sz="1000" i="1">
+              <a:rPr i="1" lang="fr" sz="1000">
                 <a:solidFill>
                   <a:srgbClr val="FFFFFF"/>
                 </a:solidFill>
               </a:rPr>
               <a:t>Genreated via Pandoc (https://pandoc.org)</a:t>
             </a:r>
-            <a:endParaRPr sz="1000" i="1">
+            <a:endParaRPr i="1" sz="1000">
               <a:solidFill>
                 <a:srgbClr val="FFFFFF"/>
               </a:solidFill>
@@ -7237,14 +7211,14 @@
             <a:avLst/>
           </a:prstGeom>
           <a:noFill/>
-          <a:ln w="76200" cap="flat" cmpd="sng">
+          <a:ln cap="flat" cmpd="sng" w="76200">
             <a:solidFill>
               <a:srgbClr val="FFFFFF"/>
             </a:solidFill>
             <a:prstDash val="solid"/>
             <a:round/>
-            <a:headEnd type="none" w="med" len="med"/>
-            <a:tailEnd type="none" w="med" len="med"/>
+            <a:headEnd len="med" w="med" type="none"/>
+            <a:tailEnd len="med" w="med" type="none"/>
           </a:ln>
         </p:spPr>
       </p:cxnSp>
@@ -7263,14 +7237,14 @@
             <a:avLst/>
           </a:prstGeom>
           <a:noFill/>
-          <a:ln w="76200" cap="flat" cmpd="sng">
+          <a:ln cap="flat" cmpd="sng" w="76200">
             <a:solidFill>
               <a:srgbClr val="FFFFFF"/>
             </a:solidFill>
             <a:prstDash val="solid"/>
             <a:round/>
-            <a:headEnd type="none" w="med" len="med"/>
-            <a:tailEnd type="none" w="med" len="med"/>
+            <a:headEnd len="med" w="med" type="none"/>
+            <a:tailEnd len="med" w="med" type="none"/>
           </a:ln>
         </p:spPr>
       </p:cxnSp>
@@ -7297,14 +7271,14 @@
             <a:avLst/>
           </a:prstGeom>
           <a:noFill/>
-          <a:ln w="9525" cap="flat" cmpd="sng">
+          <a:ln cap="flat" cmpd="sng" w="9525">
             <a:solidFill>
               <a:srgbClr val="000000"/>
             </a:solidFill>
             <a:prstDash val="solid"/>
             <a:round/>
-            <a:headEnd type="none" w="sm" len="sm"/>
-            <a:tailEnd type="none" w="sm" len="sm"/>
+            <a:headEnd len="sm" w="sm" type="none"/>
+            <a:tailEnd len="sm" w="sm" type="none"/>
           </a:ln>
         </p:spPr>
       </p:pic>
@@ -7345,19 +7319,18 @@
 </file>
 
 <file path=ppt/slides/slide3.xml><?xml version="1.0" encoding="utf-8"?>
-<p:sld xmlns:a="http://schemas.openxmlformats.org/drawingml/2006/main" xmlns:r="http://schemas.openxmlformats.org/officeDocument/2006/relationships" xmlns:p="http://schemas.openxmlformats.org/presentationml/2006/main">
+<p:sld xmlns:a="http://schemas.openxmlformats.org/drawingml/2006/main" xmlns:r="http://schemas.openxmlformats.org/officeDocument/2006/relationships" xmlns:mc="http://schemas.openxmlformats.org/markup-compatibility/2006" xmlns:mv="urn:schemas-microsoft-com:mac:vml" xmlns:p="http://schemas.openxmlformats.org/presentationml/2006/main" xmlns:c="http://schemas.openxmlformats.org/drawingml/2006/chart" xmlns:dgm="http://schemas.openxmlformats.org/drawingml/2006/diagram" xmlns:o="urn:schemas-microsoft-com:office:office" xmlns:v="urn:schemas-microsoft-com:vml" xmlns:pvml="urn:schemas-microsoft-com:office:powerpoint" xmlns:com="http://schemas.openxmlformats.org/drawingml/2006/compatibility" xmlns:p14="http://schemas.microsoft.com/office/powerpoint/2010/main" xmlns:p15="http://schemas.microsoft.com/office/powerpoint/2012/main" xmlns:ahyp="http://schemas.microsoft.com/office/drawing/2018/hyperlinkcolor">
   <p:cSld>
     <p:bg>
       <p:bgPr>
         <a:solidFill>
           <a:schemeClr val="dk1"/>
         </a:solidFill>
-        <a:effectLst/>
       </p:bgPr>
     </p:bg>
     <p:spTree>
       <p:nvGrpSpPr>
-        <p:cNvPr id="1" name="Shape 94"/>
+        <p:cNvPr id="94" name="Shape 94"/>
         <p:cNvGrpSpPr/>
         <p:nvPr/>
       </p:nvGrpSpPr>
@@ -7372,16 +7345,14 @@
       <p:sp>
         <p:nvSpPr>
           <p:cNvPr id="95" name="Google Shape;95;p15"/>
-          <p:cNvSpPr txBox="1">
-            <a:spLocks noGrp="1"/>
-          </p:cNvSpPr>
+          <p:cNvSpPr txBox="1"/>
           <p:nvPr>
             <p:ph type="title"/>
           </p:nvPr>
         </p:nvSpPr>
         <p:spPr>
           <a:xfrm>
-            <a:off x="257537" y="2701025"/>
+            <a:off x="257705" y="925091"/>
             <a:ext cx="7044600" cy="1190400"/>
           </a:xfrm>
           <a:prstGeom prst="rect">
@@ -7389,12 +7360,12 @@
           </a:prstGeom>
         </p:spPr>
         <p:txBody>
-          <a:bodyPr spcFirstLastPara="1" wrap="square" lIns="91425" tIns="91425" rIns="91425" bIns="91425" anchor="t" anchorCtr="0">
+          <a:bodyPr anchorCtr="0" anchor="t" bIns="91425" lIns="91425" spcFirstLastPara="1" rIns="91425" wrap="square" tIns="91425">
             <a:noAutofit/>
           </a:bodyPr>
           <a:lstStyle/>
           <a:p>
-            <a:pPr marL="0" lvl="0" indent="0" algn="l" rtl="0">
+            <a:pPr indent="0" lvl="0" marL="0" rtl="0" algn="l">
               <a:spcBef>
                 <a:spcPts val="0"/>
               </a:spcBef>
@@ -7403,13 +7374,10 @@
               </a:spcAft>
               <a:buNone/>
             </a:pPr>
-            <a:endParaRPr>
-              <a:solidFill>
-                <a:schemeClr val="bg1"/>
-              </a:solidFill>
-              <a:latin typeface="Aharoni" panose="020B0604020202020204" pitchFamily="2" charset="-79"/>
-              <a:cs typeface="Aharoni" panose="020B0604020202020204" pitchFamily="2" charset="-79"/>
-            </a:endParaRPr>
+            <a:r>
+              <a:t/>
+            </a:r>
+            <a:endParaRPr/>
           </a:p>
         </p:txBody>
       </p:sp>
@@ -7447,12 +7415,12 @@
             </a:ln>
           </p:spPr>
           <p:txBody>
-            <a:bodyPr spcFirstLastPara="1" wrap="square" lIns="91425" tIns="91425" rIns="91425" bIns="91425" anchor="ctr" anchorCtr="0">
+            <a:bodyPr anchorCtr="0" anchor="ctr" bIns="91425" lIns="91425" spcFirstLastPara="1" rIns="91425" wrap="square" tIns="91425">
               <a:noAutofit/>
             </a:bodyPr>
             <a:lstStyle/>
             <a:p>
-              <a:pPr marL="0" lvl="0" indent="0" algn="ctr" rtl="0">
+              <a:pPr indent="0" lvl="0" marL="0" rtl="0" algn="ctr">
                 <a:spcBef>
                   <a:spcPts val="0"/>
                 </a:spcBef>
@@ -7484,7 +7452,7 @@
               </a:endParaRPr>
             </a:p>
             <a:p>
-              <a:pPr marL="0" lvl="0" indent="0" algn="ctr" rtl="0">
+              <a:pPr indent="0" lvl="0" marL="0" rtl="0" algn="ctr">
                 <a:spcBef>
                   <a:spcPts val="0"/>
                 </a:spcBef>
@@ -7493,6 +7461,9 @@
                 </a:spcAft>
                 <a:buNone/>
               </a:pPr>
+              <a:r>
+                <a:t/>
+              </a:r>
               <a:endParaRPr sz="1100">
                 <a:solidFill>
                   <a:srgbClr val="FFFFFF"/>
@@ -7548,14 +7519,14 @@
               <a:avLst/>
             </a:prstGeom>
             <a:noFill/>
-            <a:ln w="9525" cap="flat" cmpd="sng">
+            <a:ln cap="flat" cmpd="sng" w="9525">
               <a:solidFill>
                 <a:srgbClr val="FFFFFF"/>
               </a:solidFill>
               <a:prstDash val="solid"/>
               <a:round/>
-              <a:headEnd type="none" w="med" len="med"/>
-              <a:tailEnd type="none" w="med" len="med"/>
+              <a:headEnd len="med" w="med" type="none"/>
+              <a:tailEnd len="med" w="med" type="none"/>
             </a:ln>
           </p:spPr>
         </p:cxnSp>
@@ -7579,12 +7550,12 @@
             </a:ln>
           </p:spPr>
           <p:txBody>
-            <a:bodyPr spcFirstLastPara="1" wrap="square" lIns="91425" tIns="91425" rIns="91425" bIns="91425" anchor="t" anchorCtr="0">
+            <a:bodyPr anchorCtr="0" anchor="t" bIns="91425" lIns="91425" spcFirstLastPara="1" rIns="91425" wrap="square" tIns="91425">
               <a:noAutofit/>
             </a:bodyPr>
             <a:lstStyle/>
             <a:p>
-              <a:pPr marL="0" lvl="0" indent="0" algn="ctr" rtl="0">
+              <a:pPr indent="0" lvl="0" marL="0" rtl="0" algn="ctr">
                 <a:spcBef>
                   <a:spcPts val="0"/>
                 </a:spcBef>
@@ -7621,7 +7592,7 @@
               </a:endParaRPr>
             </a:p>
             <a:p>
-              <a:pPr marL="0" lvl="0" indent="0" algn="ctr" rtl="0">
+              <a:pPr indent="0" lvl="0" marL="0" rtl="0" algn="ctr">
                 <a:spcBef>
                   <a:spcPts val="0"/>
                 </a:spcBef>
@@ -7630,6 +7601,9 @@
                 </a:spcAft>
                 <a:buNone/>
               </a:pPr>
+              <a:r>
+                <a:t/>
+              </a:r>
               <a:endParaRPr/>
             </a:p>
           </p:txBody>
@@ -7669,12 +7643,12 @@
             </a:ln>
           </p:spPr>
           <p:txBody>
-            <a:bodyPr spcFirstLastPara="1" wrap="square" lIns="91425" tIns="91425" rIns="91425" bIns="91425" anchor="ctr" anchorCtr="0">
+            <a:bodyPr anchorCtr="0" anchor="ctr" bIns="91425" lIns="91425" spcFirstLastPara="1" rIns="91425" wrap="square" tIns="91425">
               <a:noAutofit/>
             </a:bodyPr>
             <a:lstStyle/>
             <a:p>
-              <a:pPr marL="0" lvl="0" indent="0" algn="ctr" rtl="0">
+              <a:pPr indent="0" lvl="0" marL="0" rtl="0" algn="ctr">
                 <a:spcBef>
                   <a:spcPts val="0"/>
                 </a:spcBef>
@@ -7706,7 +7680,7 @@
               </a:endParaRPr>
             </a:p>
             <a:p>
-              <a:pPr marL="0" lvl="0" indent="0" algn="ctr" rtl="0">
+              <a:pPr indent="0" lvl="0" marL="0" rtl="0" algn="ctr">
                 <a:spcBef>
                   <a:spcPts val="0"/>
                 </a:spcBef>
@@ -7715,6 +7689,9 @@
                 </a:spcAft>
                 <a:buNone/>
               </a:pPr>
+              <a:r>
+                <a:t/>
+              </a:r>
               <a:endParaRPr sz="1100">
                 <a:solidFill>
                   <a:srgbClr val="FFFFFF"/>
@@ -7770,14 +7747,14 @@
               <a:avLst/>
             </a:prstGeom>
             <a:noFill/>
-            <a:ln w="9525" cap="flat" cmpd="sng">
+            <a:ln cap="flat" cmpd="sng" w="9525">
               <a:solidFill>
                 <a:srgbClr val="FFFFFF"/>
               </a:solidFill>
               <a:prstDash val="solid"/>
               <a:round/>
-              <a:headEnd type="none" w="med" len="med"/>
-              <a:tailEnd type="none" w="med" len="med"/>
+              <a:headEnd len="med" w="med" type="none"/>
+              <a:tailEnd len="med" w="med" type="none"/>
             </a:ln>
           </p:spPr>
         </p:cxnSp>
@@ -7801,12 +7778,12 @@
             </a:ln>
           </p:spPr>
           <p:txBody>
-            <a:bodyPr spcFirstLastPara="1" wrap="square" lIns="91425" tIns="91425" rIns="91425" bIns="91425" anchor="t" anchorCtr="0">
+            <a:bodyPr anchorCtr="0" anchor="t" bIns="91425" lIns="91425" spcFirstLastPara="1" rIns="91425" wrap="square" tIns="91425">
               <a:noAutofit/>
             </a:bodyPr>
             <a:lstStyle/>
             <a:p>
-              <a:pPr marL="0" lvl="0" indent="0" algn="ctr" rtl="0">
+              <a:pPr indent="0" lvl="0" marL="0" rtl="0" algn="ctr">
                 <a:spcBef>
                   <a:spcPts val="0"/>
                 </a:spcBef>
@@ -7816,7 +7793,7 @@
                 <a:buNone/>
               </a:pPr>
               <a:r>
-                <a:rPr lang="fr" sz="900" dirty="0">
+                <a:rPr lang="fr" sz="900">
                   <a:solidFill>
                     <a:schemeClr val="lt1"/>
                   </a:solidFill>
@@ -7827,7 +7804,7 @@
                 </a:rPr>
                 <a:t>E D I T I O N</a:t>
               </a:r>
-              <a:endParaRPr sz="900" dirty="0">
+              <a:endParaRPr sz="900">
                 <a:solidFill>
                   <a:schemeClr val="lt1"/>
                 </a:solidFill>
@@ -7838,7 +7815,7 @@
               </a:endParaRPr>
             </a:p>
             <a:p>
-              <a:pPr marL="0" lvl="0" indent="0" algn="ctr" rtl="0">
+              <a:pPr indent="0" lvl="0" marL="0" rtl="0" algn="ctr">
                 <a:spcBef>
                   <a:spcPts val="0"/>
                 </a:spcBef>
@@ -7847,7 +7824,10 @@
                 </a:spcAft>
                 <a:buNone/>
               </a:pPr>
-              <a:endParaRPr dirty="0"/>
+              <a:r>
+                <a:t/>
+              </a:r>
+              <a:endParaRPr/>
             </a:p>
           </p:txBody>
         </p:sp>
@@ -7862,7 +7842,7 @@
           <a:blip r:embed="rId4">
             <a:alphaModFix/>
           </a:blip>
-          <a:srcRect b="7175"/>
+          <a:srcRect b="7175" l="0" r="0" t="0"/>
           <a:stretch/>
         </p:blipFill>
         <p:spPr>
@@ -7887,8 +7867,791 @@
 </p:sld>
 </file>
 
+<file path=ppt/slides/slide4.xml><?xml version="1.0" encoding="utf-8"?>
+<p:sld xmlns:a="http://schemas.openxmlformats.org/drawingml/2006/main" xmlns:r="http://schemas.openxmlformats.org/officeDocument/2006/relationships" xmlns:mc="http://schemas.openxmlformats.org/markup-compatibility/2006" xmlns:mv="urn:schemas-microsoft-com:mac:vml" xmlns:p="http://schemas.openxmlformats.org/presentationml/2006/main" xmlns:c="http://schemas.openxmlformats.org/drawingml/2006/chart" xmlns:dgm="http://schemas.openxmlformats.org/drawingml/2006/diagram" xmlns:o="urn:schemas-microsoft-com:office:office" xmlns:v="urn:schemas-microsoft-com:vml" xmlns:pvml="urn:schemas-microsoft-com:office:powerpoint" xmlns:com="http://schemas.openxmlformats.org/drawingml/2006/compatibility" xmlns:p14="http://schemas.microsoft.com/office/powerpoint/2010/main" xmlns:p15="http://schemas.microsoft.com/office/powerpoint/2012/main" xmlns:ahyp="http://schemas.microsoft.com/office/drawing/2018/hyperlinkcolor">
+  <p:cSld>
+    <p:spTree>
+      <p:nvGrpSpPr>
+        <p:cNvPr id="110" name="Shape 110"/>
+        <p:cNvGrpSpPr/>
+        <p:nvPr/>
+      </p:nvGrpSpPr>
+      <p:grpSpPr>
+        <a:xfrm>
+          <a:off x="0" y="0"/>
+          <a:ext cx="0" cy="0"/>
+          <a:chOff x="0" y="0"/>
+          <a:chExt cx="0" cy="0"/>
+        </a:xfrm>
+      </p:grpSpPr>
+      <p:pic>
+        <p:nvPicPr>
+          <p:cNvPr id="111" name="Google Shape;111;p16"/>
+          <p:cNvPicPr preferRelativeResize="0"/>
+          <p:nvPr/>
+        </p:nvPicPr>
+        <p:blipFill>
+          <a:blip r:embed="rId3">
+            <a:alphaModFix/>
+          </a:blip>
+          <a:stretch>
+            <a:fillRect/>
+          </a:stretch>
+        </p:blipFill>
+        <p:spPr>
+          <a:xfrm>
+            <a:off x="1097325" y="352650"/>
+            <a:ext cx="372750" cy="372750"/>
+          </a:xfrm>
+          <a:prstGeom prst="rect">
+            <a:avLst/>
+          </a:prstGeom>
+          <a:noFill/>
+          <a:ln>
+            <a:noFill/>
+          </a:ln>
+        </p:spPr>
+      </p:pic>
+      <p:grpSp>
+        <p:nvGrpSpPr>
+          <p:cNvPr id="112" name="Google Shape;112;p16"/>
+          <p:cNvGrpSpPr/>
+          <p:nvPr/>
+        </p:nvGrpSpPr>
+        <p:grpSpPr>
+          <a:xfrm>
+            <a:off x="443400" y="725400"/>
+            <a:ext cx="1680600" cy="546600"/>
+            <a:chOff x="443400" y="725400"/>
+            <a:chExt cx="1680600" cy="546600"/>
+          </a:xfrm>
+        </p:grpSpPr>
+        <p:sp>
+          <p:nvSpPr>
+            <p:cNvPr id="113" name="Google Shape;113;p16"/>
+            <p:cNvSpPr txBox="1"/>
+            <p:nvPr/>
+          </p:nvSpPr>
+          <p:spPr>
+            <a:xfrm>
+              <a:off x="443400" y="725400"/>
+              <a:ext cx="1680600" cy="469200"/>
+            </a:xfrm>
+            <a:prstGeom prst="rect">
+              <a:avLst/>
+            </a:prstGeom>
+            <a:noFill/>
+            <a:ln>
+              <a:noFill/>
+            </a:ln>
+          </p:spPr>
+          <p:txBody>
+            <a:bodyPr anchorCtr="0" anchor="ctr" bIns="91425" lIns="91425" spcFirstLastPara="1" rIns="91425" wrap="square" tIns="91425">
+              <a:noAutofit/>
+            </a:bodyPr>
+            <a:lstStyle/>
+            <a:p>
+              <a:pPr indent="0" lvl="0" marL="0" rtl="0" algn="ctr">
+                <a:spcBef>
+                  <a:spcPts val="0"/>
+                </a:spcBef>
+                <a:spcAft>
+                  <a:spcPts val="0"/>
+                </a:spcAft>
+                <a:buNone/>
+              </a:pPr>
+              <a:r>
+                <a:rPr lang="fr" sz="1600">
+                  <a:solidFill>
+                    <a:schemeClr val="dk1"/>
+                  </a:solidFill>
+                  <a:latin typeface="Bree Serif"/>
+                  <a:ea typeface="Bree Serif"/>
+                  <a:cs typeface="Bree Serif"/>
+                  <a:sym typeface="Bree Serif"/>
+                </a:rPr>
+                <a:t>SnapGames</a:t>
+              </a:r>
+              <a:endParaRPr sz="1600">
+                <a:solidFill>
+                  <a:schemeClr val="dk1"/>
+                </a:solidFill>
+                <a:latin typeface="Bree Serif"/>
+                <a:ea typeface="Bree Serif"/>
+                <a:cs typeface="Bree Serif"/>
+                <a:sym typeface="Bree Serif"/>
+              </a:endParaRPr>
+            </a:p>
+            <a:p>
+              <a:pPr indent="0" lvl="0" marL="0" rtl="0" algn="ctr">
+                <a:spcBef>
+                  <a:spcPts val="0"/>
+                </a:spcBef>
+                <a:spcAft>
+                  <a:spcPts val="0"/>
+                </a:spcAft>
+                <a:buNone/>
+              </a:pPr>
+              <a:r>
+                <a:t/>
+              </a:r>
+              <a:endParaRPr sz="1200">
+                <a:solidFill>
+                  <a:schemeClr val="dk1"/>
+                </a:solidFill>
+                <a:latin typeface="Syncopate"/>
+                <a:ea typeface="Syncopate"/>
+                <a:cs typeface="Syncopate"/>
+                <a:sym typeface="Syncopate"/>
+              </a:endParaRPr>
+            </a:p>
+          </p:txBody>
+        </p:sp>
+        <p:sp>
+          <p:nvSpPr>
+            <p:cNvPr id="114" name="Google Shape;114;p16"/>
+            <p:cNvSpPr txBox="1"/>
+            <p:nvPr/>
+          </p:nvSpPr>
+          <p:spPr>
+            <a:xfrm>
+              <a:off x="567575" y="951900"/>
+              <a:ext cx="1428600" cy="320100"/>
+            </a:xfrm>
+            <a:prstGeom prst="rect">
+              <a:avLst/>
+            </a:prstGeom>
+            <a:noFill/>
+            <a:ln>
+              <a:noFill/>
+            </a:ln>
+          </p:spPr>
+          <p:txBody>
+            <a:bodyPr anchorCtr="0" anchor="t" bIns="91425" lIns="91425" spcFirstLastPara="1" rIns="91425" wrap="square" tIns="91425">
+              <a:noAutofit/>
+            </a:bodyPr>
+            <a:lstStyle/>
+            <a:p>
+              <a:pPr indent="0" lvl="0" marL="0" rtl="0" algn="ctr">
+                <a:spcBef>
+                  <a:spcPts val="0"/>
+                </a:spcBef>
+                <a:spcAft>
+                  <a:spcPts val="0"/>
+                </a:spcAft>
+                <a:buClr>
+                  <a:schemeClr val="dk1"/>
+                </a:buClr>
+                <a:buSzPts val="1100"/>
+                <a:buFont typeface="Arial"/>
+                <a:buNone/>
+              </a:pPr>
+              <a:r>
+                <a:rPr lang="fr" sz="900">
+                  <a:solidFill>
+                    <a:schemeClr val="dk1"/>
+                  </a:solidFill>
+                  <a:latin typeface="Syncopate"/>
+                  <a:ea typeface="Syncopate"/>
+                  <a:cs typeface="Syncopate"/>
+                  <a:sym typeface="Syncopate"/>
+                </a:rPr>
+                <a:t>S O F T W A R E</a:t>
+              </a:r>
+              <a:endParaRPr sz="900">
+                <a:solidFill>
+                  <a:schemeClr val="dk1"/>
+                </a:solidFill>
+                <a:latin typeface="Syncopate"/>
+                <a:ea typeface="Syncopate"/>
+                <a:cs typeface="Syncopate"/>
+                <a:sym typeface="Syncopate"/>
+              </a:endParaRPr>
+            </a:p>
+            <a:p>
+              <a:pPr indent="0" lvl="0" marL="0" rtl="0" algn="ctr">
+                <a:spcBef>
+                  <a:spcPts val="0"/>
+                </a:spcBef>
+                <a:spcAft>
+                  <a:spcPts val="0"/>
+                </a:spcAft>
+                <a:buNone/>
+              </a:pPr>
+              <a:r>
+                <a:t/>
+              </a:r>
+              <a:endParaRPr>
+                <a:solidFill>
+                  <a:schemeClr val="dk1"/>
+                </a:solidFill>
+              </a:endParaRPr>
+            </a:p>
+          </p:txBody>
+        </p:sp>
+        <p:cxnSp>
+          <p:nvCxnSpPr>
+            <p:cNvPr id="115" name="Google Shape;115;p16"/>
+            <p:cNvCxnSpPr/>
+            <p:nvPr/>
+          </p:nvCxnSpPr>
+          <p:spPr>
+            <a:xfrm>
+              <a:off x="756825" y="1005900"/>
+              <a:ext cx="1063500" cy="0"/>
+            </a:xfrm>
+            <a:prstGeom prst="straightConnector1">
+              <a:avLst/>
+            </a:prstGeom>
+            <a:noFill/>
+            <a:ln cap="flat" cmpd="sng" w="9525">
+              <a:solidFill>
+                <a:schemeClr val="dk1"/>
+              </a:solidFill>
+              <a:prstDash val="solid"/>
+              <a:round/>
+              <a:headEnd len="med" w="med" type="none"/>
+              <a:tailEnd len="med" w="med" type="none"/>
+            </a:ln>
+          </p:spPr>
+        </p:cxnSp>
+      </p:grpSp>
+      <p:grpSp>
+        <p:nvGrpSpPr>
+          <p:cNvPr id="116" name="Google Shape;116;p16"/>
+          <p:cNvGrpSpPr/>
+          <p:nvPr/>
+        </p:nvGrpSpPr>
+        <p:grpSpPr>
+          <a:xfrm>
+            <a:off x="938613" y="2036185"/>
+            <a:ext cx="1815363" cy="546600"/>
+            <a:chOff x="938613" y="2036185"/>
+            <a:chExt cx="1815363" cy="546600"/>
+          </a:xfrm>
+        </p:grpSpPr>
+        <p:pic>
+          <p:nvPicPr>
+            <p:cNvPr id="117" name="Google Shape;117;p16"/>
+            <p:cNvPicPr preferRelativeResize="0"/>
+            <p:nvPr/>
+          </p:nvPicPr>
+          <p:blipFill>
+            <a:blip r:embed="rId3">
+              <a:alphaModFix/>
+            </a:blip>
+            <a:stretch>
+              <a:fillRect/>
+            </a:stretch>
+          </p:blipFill>
+          <p:spPr>
+            <a:xfrm>
+              <a:off x="938613" y="2103950"/>
+              <a:ext cx="372750" cy="372750"/>
+            </a:xfrm>
+            <a:prstGeom prst="rect">
+              <a:avLst/>
+            </a:prstGeom>
+            <a:noFill/>
+            <a:ln>
+              <a:noFill/>
+            </a:ln>
+          </p:spPr>
+        </p:pic>
+        <p:grpSp>
+          <p:nvGrpSpPr>
+            <p:cNvPr id="118" name="Google Shape;118;p16"/>
+            <p:cNvGrpSpPr/>
+            <p:nvPr/>
+          </p:nvGrpSpPr>
+          <p:grpSpPr>
+            <a:xfrm>
+              <a:off x="1073375" y="2036185"/>
+              <a:ext cx="1680600" cy="546600"/>
+              <a:chOff x="443400" y="725400"/>
+              <a:chExt cx="1680600" cy="546600"/>
+            </a:xfrm>
+          </p:grpSpPr>
+          <p:sp>
+            <p:nvSpPr>
+              <p:cNvPr id="119" name="Google Shape;119;p16"/>
+              <p:cNvSpPr txBox="1"/>
+              <p:nvPr/>
+            </p:nvSpPr>
+            <p:spPr>
+              <a:xfrm>
+                <a:off x="443400" y="725400"/>
+                <a:ext cx="1680600" cy="469200"/>
+              </a:xfrm>
+              <a:prstGeom prst="rect">
+                <a:avLst/>
+              </a:prstGeom>
+              <a:noFill/>
+              <a:ln>
+                <a:noFill/>
+              </a:ln>
+            </p:spPr>
+            <p:txBody>
+              <a:bodyPr anchorCtr="0" anchor="ctr" bIns="91425" lIns="91425" spcFirstLastPara="1" rIns="91425" wrap="square" tIns="91425">
+                <a:noAutofit/>
+              </a:bodyPr>
+              <a:lstStyle/>
+              <a:p>
+                <a:pPr indent="0" lvl="0" marL="0" rtl="0" algn="ctr">
+                  <a:spcBef>
+                    <a:spcPts val="0"/>
+                  </a:spcBef>
+                  <a:spcAft>
+                    <a:spcPts val="0"/>
+                  </a:spcAft>
+                  <a:buNone/>
+                </a:pPr>
+                <a:r>
+                  <a:rPr lang="fr" sz="1600">
+                    <a:solidFill>
+                      <a:schemeClr val="dk1"/>
+                    </a:solidFill>
+                    <a:latin typeface="Bree Serif"/>
+                    <a:ea typeface="Bree Serif"/>
+                    <a:cs typeface="Bree Serif"/>
+                    <a:sym typeface="Bree Serif"/>
+                  </a:rPr>
+                  <a:t>SnapGames</a:t>
+                </a:r>
+                <a:endParaRPr sz="1600">
+                  <a:solidFill>
+                    <a:schemeClr val="dk1"/>
+                  </a:solidFill>
+                  <a:latin typeface="Bree Serif"/>
+                  <a:ea typeface="Bree Serif"/>
+                  <a:cs typeface="Bree Serif"/>
+                  <a:sym typeface="Bree Serif"/>
+                </a:endParaRPr>
+              </a:p>
+              <a:p>
+                <a:pPr indent="0" lvl="0" marL="0" rtl="0" algn="ctr">
+                  <a:spcBef>
+                    <a:spcPts val="0"/>
+                  </a:spcBef>
+                  <a:spcAft>
+                    <a:spcPts val="0"/>
+                  </a:spcAft>
+                  <a:buNone/>
+                </a:pPr>
+                <a:r>
+                  <a:t/>
+                </a:r>
+                <a:endParaRPr sz="1200">
+                  <a:solidFill>
+                    <a:schemeClr val="dk1"/>
+                  </a:solidFill>
+                  <a:latin typeface="Syncopate"/>
+                  <a:ea typeface="Syncopate"/>
+                  <a:cs typeface="Syncopate"/>
+                  <a:sym typeface="Syncopate"/>
+                </a:endParaRPr>
+              </a:p>
+            </p:txBody>
+          </p:sp>
+          <p:sp>
+            <p:nvSpPr>
+              <p:cNvPr id="120" name="Google Shape;120;p16"/>
+              <p:cNvSpPr txBox="1"/>
+              <p:nvPr/>
+            </p:nvSpPr>
+            <p:spPr>
+              <a:xfrm>
+                <a:off x="567575" y="951900"/>
+                <a:ext cx="1428600" cy="320100"/>
+              </a:xfrm>
+              <a:prstGeom prst="rect">
+                <a:avLst/>
+              </a:prstGeom>
+              <a:noFill/>
+              <a:ln>
+                <a:noFill/>
+              </a:ln>
+            </p:spPr>
+            <p:txBody>
+              <a:bodyPr anchorCtr="0" anchor="t" bIns="91425" lIns="91425" spcFirstLastPara="1" rIns="91425" wrap="square" tIns="91425">
+                <a:noAutofit/>
+              </a:bodyPr>
+              <a:lstStyle/>
+              <a:p>
+                <a:pPr indent="0" lvl="0" marL="0" rtl="0" algn="ctr">
+                  <a:spcBef>
+                    <a:spcPts val="0"/>
+                  </a:spcBef>
+                  <a:spcAft>
+                    <a:spcPts val="0"/>
+                  </a:spcAft>
+                  <a:buClr>
+                    <a:schemeClr val="dk1"/>
+                  </a:buClr>
+                  <a:buSzPts val="1100"/>
+                  <a:buFont typeface="Arial"/>
+                  <a:buNone/>
+                </a:pPr>
+                <a:r>
+                  <a:rPr lang="fr" sz="900">
+                    <a:solidFill>
+                      <a:schemeClr val="dk1"/>
+                    </a:solidFill>
+                    <a:latin typeface="Syncopate"/>
+                    <a:ea typeface="Syncopate"/>
+                    <a:cs typeface="Syncopate"/>
+                    <a:sym typeface="Syncopate"/>
+                  </a:rPr>
+                  <a:t>S O F T W A R E</a:t>
+                </a:r>
+                <a:endParaRPr sz="900">
+                  <a:solidFill>
+                    <a:schemeClr val="dk1"/>
+                  </a:solidFill>
+                  <a:latin typeface="Syncopate"/>
+                  <a:ea typeface="Syncopate"/>
+                  <a:cs typeface="Syncopate"/>
+                  <a:sym typeface="Syncopate"/>
+                </a:endParaRPr>
+              </a:p>
+              <a:p>
+                <a:pPr indent="0" lvl="0" marL="0" rtl="0" algn="ctr">
+                  <a:spcBef>
+                    <a:spcPts val="0"/>
+                  </a:spcBef>
+                  <a:spcAft>
+                    <a:spcPts val="0"/>
+                  </a:spcAft>
+                  <a:buNone/>
+                </a:pPr>
+                <a:r>
+                  <a:t/>
+                </a:r>
+                <a:endParaRPr>
+                  <a:solidFill>
+                    <a:schemeClr val="dk1"/>
+                  </a:solidFill>
+                </a:endParaRPr>
+              </a:p>
+            </p:txBody>
+          </p:sp>
+          <p:cxnSp>
+            <p:nvCxnSpPr>
+              <p:cNvPr id="121" name="Google Shape;121;p16"/>
+              <p:cNvCxnSpPr/>
+              <p:nvPr/>
+            </p:nvCxnSpPr>
+            <p:spPr>
+              <a:xfrm>
+                <a:off x="756825" y="1005900"/>
+                <a:ext cx="1063500" cy="0"/>
+              </a:xfrm>
+              <a:prstGeom prst="straightConnector1">
+                <a:avLst/>
+              </a:prstGeom>
+              <a:noFill/>
+              <a:ln cap="flat" cmpd="sng" w="9525">
+                <a:solidFill>
+                  <a:schemeClr val="dk1"/>
+                </a:solidFill>
+                <a:prstDash val="solid"/>
+                <a:round/>
+                <a:headEnd len="med" w="med" type="none"/>
+                <a:tailEnd len="med" w="med" type="none"/>
+              </a:ln>
+            </p:spPr>
+          </p:cxnSp>
+        </p:grpSp>
+      </p:grpSp>
+    </p:spTree>
+  </p:cSld>
+  <p:clrMapOvr>
+    <a:masterClrMapping/>
+  </p:clrMapOvr>
+</p:sld>
+</file>
+
 <file path=ppt/theme/theme1.xml><?xml version="1.0" encoding="utf-8"?>
-<a:theme xmlns:a="http://schemas.openxmlformats.org/drawingml/2006/main" name="Simple Light">
+<a:theme xmlns:a="http://schemas.openxmlformats.org/drawingml/2006/main" xmlns:r="http://schemas.openxmlformats.org/officeDocument/2006/relationships">
+  <a:themeElements>
+    <a:clrScheme name="Default">
+      <a:dk1>
+        <a:srgbClr val="000000"/>
+      </a:dk1>
+      <a:lt1>
+        <a:srgbClr val="FFFFFF"/>
+      </a:lt1>
+      <a:dk2>
+        <a:srgbClr val="158158"/>
+      </a:dk2>
+      <a:lt2>
+        <a:srgbClr val="F3F3F3"/>
+      </a:lt2>
+      <a:accent1>
+        <a:srgbClr val="058DC7"/>
+      </a:accent1>
+      <a:accent2>
+        <a:srgbClr val="50B432"/>
+      </a:accent2>
+      <a:accent3>
+        <a:srgbClr val="ED561B"/>
+      </a:accent3>
+      <a:accent4>
+        <a:srgbClr val="EDEF00"/>
+      </a:accent4>
+      <a:accent5>
+        <a:srgbClr val="24CBE5"/>
+      </a:accent5>
+      <a:accent6>
+        <a:srgbClr val="64E572"/>
+      </a:accent6>
+      <a:hlink>
+        <a:srgbClr val="2200CC"/>
+      </a:hlink>
+      <a:folHlink>
+        <a:srgbClr val="551A8B"/>
+      </a:folHlink>
+    </a:clrScheme>
+    <a:fontScheme name="Office">
+      <a:majorFont>
+        <a:latin typeface="Arial"/>
+        <a:ea typeface=""/>
+        <a:cs typeface=""/>
+        <a:font script="Jpan" typeface="ＭＳ Ｐゴシック"/>
+        <a:font script="Hang" typeface="맑은 고딕"/>
+        <a:font script="Hans" typeface="宋体"/>
+        <a:font script="Hant" typeface="新細明體"/>
+        <a:font script="Arab" typeface="Times New Roman"/>
+        <a:font script="Hebr" typeface="Times New Roman"/>
+        <a:font script="Thai" typeface="Angsana New"/>
+        <a:font script="Ethi" typeface="Nyala"/>
+        <a:font script="Beng" typeface="Vrinda"/>
+        <a:font script="Gujr" typeface="Shruti"/>
+        <a:font script="Khmr" typeface="MoolBoran"/>
+        <a:font script="Knda" typeface="Tunga"/>
+        <a:font script="Guru" typeface="Raavi"/>
+        <a:font script="Cans" typeface="Euphemia"/>
+        <a:font script="Cher" typeface="Plantagenet Cherokee"/>
+        <a:font script="Yiii" typeface="Microsoft Yi Baiti"/>
+        <a:font script="Tibt" typeface="Microsoft Himalaya"/>
+        <a:font script="Thaa" typeface="MV Boli"/>
+        <a:font script="Deva" typeface="Mangal"/>
+        <a:font script="Telu" typeface="Gautami"/>
+        <a:font script="Taml" typeface="Latha"/>
+        <a:font script="Syrc" typeface="Estrangelo Edessa"/>
+        <a:font script="Orya" typeface="Kalinga"/>
+        <a:font script="Mlym" typeface="Kartika"/>
+        <a:font script="Laoo" typeface="DokChampa"/>
+        <a:font script="Sinh" typeface="Iskoola Pota"/>
+        <a:font script="Mong" typeface="Mongolian Baiti"/>
+        <a:font script="Viet" typeface="Times New Roman"/>
+        <a:font script="Uigh" typeface="Microsoft Uighur"/>
+        <a:font script="Geor" typeface="Sylfaen"/>
+      </a:majorFont>
+      <a:minorFont>
+        <a:latin typeface="Arial"/>
+        <a:ea typeface=""/>
+        <a:cs typeface=""/>
+        <a:font script="Jpan" typeface="ＭＳ Ｐゴシック"/>
+        <a:font script="Hang" typeface="맑은 고딕"/>
+        <a:font script="Hans" typeface="宋体"/>
+        <a:font script="Hant" typeface="新細明體"/>
+        <a:font script="Arab" typeface="Arial"/>
+        <a:font script="Hebr" typeface="Arial"/>
+        <a:font script="Thai" typeface="Cordia New"/>
+        <a:font script="Ethi" typeface="Nyala"/>
+        <a:font script="Beng" typeface="Vrinda"/>
+        <a:font script="Gujr" typeface="Shruti"/>
+        <a:font script="Khmr" typeface="DaunPenh"/>
+        <a:font script="Knda" typeface="Tunga"/>
+        <a:font script="Guru" typeface="Raavi"/>
+        <a:font script="Cans" typeface="Euphemia"/>
+        <a:font script="Cher" typeface="Plantagenet Cherokee"/>
+        <a:font script="Yiii" typeface="Microsoft Yi Baiti"/>
+        <a:font script="Tibt" typeface="Microsoft Himalaya"/>
+        <a:font script="Thaa" typeface="MV Boli"/>
+        <a:font script="Deva" typeface="Mangal"/>
+        <a:font script="Telu" typeface="Gautami"/>
+        <a:font script="Taml" typeface="Latha"/>
+        <a:font script="Syrc" typeface="Estrangelo Edessa"/>
+        <a:font script="Orya" typeface="Kalinga"/>
+        <a:font script="Mlym" typeface="Kartika"/>
+        <a:font script="Laoo" typeface="DokChampa"/>
+        <a:font script="Sinh" typeface="Iskoola Pota"/>
+        <a:font script="Mong" typeface="Mongolian Baiti"/>
+        <a:font script="Viet" typeface="Arial"/>
+        <a:font script="Uigh" typeface="Microsoft Uighur"/>
+        <a:font script="Geor" typeface="Sylfaen"/>
+      </a:minorFont>
+    </a:fontScheme>
+    <a:fmtScheme name="Office">
+      <a:fillStyleLst>
+        <a:solidFill>
+          <a:schemeClr val="phClr"/>
+        </a:solidFill>
+        <a:gradFill rotWithShape="1">
+          <a:gsLst>
+            <a:gs pos="0">
+              <a:schemeClr val="phClr">
+                <a:tint val="50000"/>
+                <a:satMod val="300000"/>
+              </a:schemeClr>
+            </a:gs>
+            <a:gs pos="35000">
+              <a:schemeClr val="phClr">
+                <a:tint val="37000"/>
+                <a:satMod val="300000"/>
+              </a:schemeClr>
+            </a:gs>
+            <a:gs pos="100000">
+              <a:schemeClr val="phClr">
+                <a:tint val="15000"/>
+                <a:satMod val="350000"/>
+              </a:schemeClr>
+            </a:gs>
+          </a:gsLst>
+          <a:lin ang="16200000" scaled="1"/>
+        </a:gradFill>
+        <a:gradFill rotWithShape="1">
+          <a:gsLst>
+            <a:gs pos="0">
+              <a:schemeClr val="phClr">
+                <a:tint val="100000"/>
+                <a:shade val="100000"/>
+                <a:satMod val="130000"/>
+              </a:schemeClr>
+            </a:gs>
+            <a:gs pos="100000">
+              <a:schemeClr val="phClr">
+                <a:tint val="50000"/>
+                <a:shade val="100000"/>
+                <a:satMod val="350000"/>
+              </a:schemeClr>
+            </a:gs>
+          </a:gsLst>
+          <a:lin ang="16200000" scaled="0"/>
+        </a:gradFill>
+      </a:fillStyleLst>
+      <a:lnStyleLst>
+        <a:ln w="9525" cap="flat" cmpd="sng" algn="ctr">
+          <a:solidFill>
+            <a:schemeClr val="phClr">
+              <a:shade val="95000"/>
+              <a:satMod val="105000"/>
+            </a:schemeClr>
+          </a:solidFill>
+          <a:prstDash val="solid"/>
+        </a:ln>
+        <a:ln w="25400" cap="flat" cmpd="sng" algn="ctr">
+          <a:solidFill>
+            <a:schemeClr val="phClr"/>
+          </a:solidFill>
+          <a:prstDash val="solid"/>
+        </a:ln>
+        <a:ln w="38100" cap="flat" cmpd="sng" algn="ctr">
+          <a:solidFill>
+            <a:schemeClr val="phClr"/>
+          </a:solidFill>
+          <a:prstDash val="solid"/>
+        </a:ln>
+      </a:lnStyleLst>
+      <a:effectStyleLst>
+        <a:effectStyle>
+          <a:effectLst>
+            <a:outerShdw blurRad="40000" dist="20000" dir="5400000" rotWithShape="0">
+              <a:srgbClr val="000000">
+                <a:alpha val="38000"/>
+              </a:srgbClr>
+            </a:outerShdw>
+          </a:effectLst>
+        </a:effectStyle>
+        <a:effectStyle>
+          <a:effectLst>
+            <a:outerShdw blurRad="40000" dist="23000" dir="5400000" rotWithShape="0">
+              <a:srgbClr val="000000">
+                <a:alpha val="35000"/>
+              </a:srgbClr>
+            </a:outerShdw>
+          </a:effectLst>
+        </a:effectStyle>
+        <a:effectStyle>
+          <a:effectLst>
+            <a:outerShdw blurRad="40000" dist="23000" dir="5400000" rotWithShape="0">
+              <a:srgbClr val="000000">
+                <a:alpha val="35000"/>
+              </a:srgbClr>
+            </a:outerShdw>
+          </a:effectLst>
+          <a:scene3d>
+            <a:camera prst="orthographicFront">
+              <a:rot lat="0" lon="0" rev="0"/>
+            </a:camera>
+            <a:lightRig rig="threePt" dir="t">
+              <a:rot lat="0" lon="0" rev="1200000"/>
+            </a:lightRig>
+          </a:scene3d>
+          <a:sp3d>
+            <a:bevelT w="63500" h="25400"/>
+          </a:sp3d>
+        </a:effectStyle>
+      </a:effectStyleLst>
+      <a:bgFillStyleLst>
+        <a:solidFill>
+          <a:schemeClr val="phClr"/>
+        </a:solidFill>
+        <a:gradFill rotWithShape="1">
+          <a:gsLst>
+            <a:gs pos="0">
+              <a:schemeClr val="phClr">
+                <a:tint val="40000"/>
+                <a:satMod val="350000"/>
+              </a:schemeClr>
+            </a:gs>
+            <a:gs pos="40000">
+              <a:schemeClr val="phClr">
+                <a:tint val="45000"/>
+                <a:shade val="99000"/>
+                <a:satMod val="350000"/>
+              </a:schemeClr>
+            </a:gs>
+            <a:gs pos="100000">
+              <a:schemeClr val="phClr">
+                <a:shade val="20000"/>
+                <a:satMod val="255000"/>
+              </a:schemeClr>
+            </a:gs>
+          </a:gsLst>
+          <a:path path="circle">
+            <a:fillToRect l="50000" t="-80000" r="50000" b="180000"/>
+          </a:path>
+        </a:gradFill>
+        <a:gradFill rotWithShape="1">
+          <a:gsLst>
+            <a:gs pos="0">
+              <a:schemeClr val="phClr">
+                <a:tint val="80000"/>
+                <a:satMod val="300000"/>
+              </a:schemeClr>
+            </a:gs>
+            <a:gs pos="100000">
+              <a:schemeClr val="phClr">
+                <a:shade val="30000"/>
+                <a:satMod val="200000"/>
+              </a:schemeClr>
+            </a:gs>
+          </a:gsLst>
+          <a:path path="circle">
+            <a:fillToRect l="50000" t="50000" r="50000" b="50000"/>
+          </a:path>
+        </a:gradFill>
+      </a:bgFillStyleLst>
+    </a:fmtScheme>
+  </a:themeElements>
+</a:theme>
+</file>
+
+<file path=ppt/theme/theme2.xml><?xml version="1.0" encoding="utf-8"?>
+<a:theme xmlns:a="http://schemas.openxmlformats.org/drawingml/2006/main" xmlns:r="http://schemas.openxmlformats.org/officeDocument/2006/relationships" name="Simple Light">
   <a:themeElements>
     <a:clrScheme name="Simple Light">
       <a:dk1>
@@ -8163,288 +8926,5 @@
       </a:bgFillStyleLst>
     </a:fmtScheme>
   </a:themeElements>
-  <a:objectDefaults/>
-  <a:extraClrSchemeLst/>
-</a:theme>
-</file>
-
-<file path=ppt/theme/theme2.xml><?xml version="1.0" encoding="utf-8"?>
-<a:theme xmlns:a="http://schemas.openxmlformats.org/drawingml/2006/main">
-  <a:themeElements>
-    <a:clrScheme name="Default">
-      <a:dk1>
-        <a:srgbClr val="000000"/>
-      </a:dk1>
-      <a:lt1>
-        <a:srgbClr val="FFFFFF"/>
-      </a:lt1>
-      <a:dk2>
-        <a:srgbClr val="158158"/>
-      </a:dk2>
-      <a:lt2>
-        <a:srgbClr val="F3F3F3"/>
-      </a:lt2>
-      <a:accent1>
-        <a:srgbClr val="058DC7"/>
-      </a:accent1>
-      <a:accent2>
-        <a:srgbClr val="50B432"/>
-      </a:accent2>
-      <a:accent3>
-        <a:srgbClr val="ED561B"/>
-      </a:accent3>
-      <a:accent4>
-        <a:srgbClr val="EDEF00"/>
-      </a:accent4>
-      <a:accent5>
-        <a:srgbClr val="24CBE5"/>
-      </a:accent5>
-      <a:accent6>
-        <a:srgbClr val="64E572"/>
-      </a:accent6>
-      <a:hlink>
-        <a:srgbClr val="2200CC"/>
-      </a:hlink>
-      <a:folHlink>
-        <a:srgbClr val="551A8B"/>
-      </a:folHlink>
-    </a:clrScheme>
-    <a:fontScheme name="Office">
-      <a:majorFont>
-        <a:latin typeface="Arial"/>
-        <a:ea typeface=""/>
-        <a:cs typeface=""/>
-        <a:font script="Jpan" typeface="ＭＳ Ｐゴシック"/>
-        <a:font script="Hang" typeface="맑은 고딕"/>
-        <a:font script="Hans" typeface="宋体"/>
-        <a:font script="Hant" typeface="新細明體"/>
-        <a:font script="Arab" typeface="Times New Roman"/>
-        <a:font script="Hebr" typeface="Times New Roman"/>
-        <a:font script="Thai" typeface="Angsana New"/>
-        <a:font script="Ethi" typeface="Nyala"/>
-        <a:font script="Beng" typeface="Vrinda"/>
-        <a:font script="Gujr" typeface="Shruti"/>
-        <a:font script="Khmr" typeface="MoolBoran"/>
-        <a:font script="Knda" typeface="Tunga"/>
-        <a:font script="Guru" typeface="Raavi"/>
-        <a:font script="Cans" typeface="Euphemia"/>
-        <a:font script="Cher" typeface="Plantagenet Cherokee"/>
-        <a:font script="Yiii" typeface="Microsoft Yi Baiti"/>
-        <a:font script="Tibt" typeface="Microsoft Himalaya"/>
-        <a:font script="Thaa" typeface="MV Boli"/>
-        <a:font script="Deva" typeface="Mangal"/>
-        <a:font script="Telu" typeface="Gautami"/>
-        <a:font script="Taml" typeface="Latha"/>
-        <a:font script="Syrc" typeface="Estrangelo Edessa"/>
-        <a:font script="Orya" typeface="Kalinga"/>
-        <a:font script="Mlym" typeface="Kartika"/>
-        <a:font script="Laoo" typeface="DokChampa"/>
-        <a:font script="Sinh" typeface="Iskoola Pota"/>
-        <a:font script="Mong" typeface="Mongolian Baiti"/>
-        <a:font script="Viet" typeface="Times New Roman"/>
-        <a:font script="Uigh" typeface="Microsoft Uighur"/>
-        <a:font script="Geor" typeface="Sylfaen"/>
-      </a:majorFont>
-      <a:minorFont>
-        <a:latin typeface="Arial"/>
-        <a:ea typeface=""/>
-        <a:cs typeface=""/>
-        <a:font script="Jpan" typeface="ＭＳ Ｐゴシック"/>
-        <a:font script="Hang" typeface="맑은 고딕"/>
-        <a:font script="Hans" typeface="宋体"/>
-        <a:font script="Hant" typeface="新細明體"/>
-        <a:font script="Arab" typeface="Arial"/>
-        <a:font script="Hebr" typeface="Arial"/>
-        <a:font script="Thai" typeface="Cordia New"/>
-        <a:font script="Ethi" typeface="Nyala"/>
-        <a:font script="Beng" typeface="Vrinda"/>
-        <a:font script="Gujr" typeface="Shruti"/>
-        <a:font script="Khmr" typeface="DaunPenh"/>
-        <a:font script="Knda" typeface="Tunga"/>
-        <a:font script="Guru" typeface="Raavi"/>
-        <a:font script="Cans" typeface="Euphemia"/>
-        <a:font script="Cher" typeface="Plantagenet Cherokee"/>
-        <a:font script="Yiii" typeface="Microsoft Yi Baiti"/>
-        <a:font script="Tibt" typeface="Microsoft Himalaya"/>
-        <a:font script="Thaa" typeface="MV Boli"/>
-        <a:font script="Deva" typeface="Mangal"/>
-        <a:font script="Telu" typeface="Gautami"/>
-        <a:font script="Taml" typeface="Latha"/>
-        <a:font script="Syrc" typeface="Estrangelo Edessa"/>
-        <a:font script="Orya" typeface="Kalinga"/>
-        <a:font script="Mlym" typeface="Kartika"/>
-        <a:font script="Laoo" typeface="DokChampa"/>
-        <a:font script="Sinh" typeface="Iskoola Pota"/>
-        <a:font script="Mong" typeface="Mongolian Baiti"/>
-        <a:font script="Viet" typeface="Arial"/>
-        <a:font script="Uigh" typeface="Microsoft Uighur"/>
-        <a:font script="Geor" typeface="Sylfaen"/>
-      </a:minorFont>
-    </a:fontScheme>
-    <a:fmtScheme name="Office">
-      <a:fillStyleLst>
-        <a:solidFill>
-          <a:schemeClr val="phClr"/>
-        </a:solidFill>
-        <a:gradFill rotWithShape="1">
-          <a:gsLst>
-            <a:gs pos="0">
-              <a:schemeClr val="phClr">
-                <a:tint val="50000"/>
-                <a:satMod val="300000"/>
-              </a:schemeClr>
-            </a:gs>
-            <a:gs pos="35000">
-              <a:schemeClr val="phClr">
-                <a:tint val="37000"/>
-                <a:satMod val="300000"/>
-              </a:schemeClr>
-            </a:gs>
-            <a:gs pos="100000">
-              <a:schemeClr val="phClr">
-                <a:tint val="15000"/>
-                <a:satMod val="350000"/>
-              </a:schemeClr>
-            </a:gs>
-          </a:gsLst>
-          <a:lin ang="16200000" scaled="1"/>
-        </a:gradFill>
-        <a:gradFill rotWithShape="1">
-          <a:gsLst>
-            <a:gs pos="0">
-              <a:schemeClr val="phClr">
-                <a:tint val="100000"/>
-                <a:shade val="100000"/>
-                <a:satMod val="130000"/>
-              </a:schemeClr>
-            </a:gs>
-            <a:gs pos="100000">
-              <a:schemeClr val="phClr">
-                <a:tint val="50000"/>
-                <a:shade val="100000"/>
-                <a:satMod val="350000"/>
-              </a:schemeClr>
-            </a:gs>
-          </a:gsLst>
-          <a:lin ang="16200000" scaled="0"/>
-        </a:gradFill>
-      </a:fillStyleLst>
-      <a:lnStyleLst>
-        <a:ln w="9525" cap="flat" cmpd="sng" algn="ctr">
-          <a:solidFill>
-            <a:schemeClr val="phClr">
-              <a:shade val="95000"/>
-              <a:satMod val="105000"/>
-            </a:schemeClr>
-          </a:solidFill>
-          <a:prstDash val="solid"/>
-        </a:ln>
-        <a:ln w="25400" cap="flat" cmpd="sng" algn="ctr">
-          <a:solidFill>
-            <a:schemeClr val="phClr"/>
-          </a:solidFill>
-          <a:prstDash val="solid"/>
-        </a:ln>
-        <a:ln w="38100" cap="flat" cmpd="sng" algn="ctr">
-          <a:solidFill>
-            <a:schemeClr val="phClr"/>
-          </a:solidFill>
-          <a:prstDash val="solid"/>
-        </a:ln>
-      </a:lnStyleLst>
-      <a:effectStyleLst>
-        <a:effectStyle>
-          <a:effectLst>
-            <a:outerShdw blurRad="40000" dist="20000" dir="5400000" rotWithShape="0">
-              <a:srgbClr val="000000">
-                <a:alpha val="38000"/>
-              </a:srgbClr>
-            </a:outerShdw>
-          </a:effectLst>
-        </a:effectStyle>
-        <a:effectStyle>
-          <a:effectLst>
-            <a:outerShdw blurRad="40000" dist="23000" dir="5400000" rotWithShape="0">
-              <a:srgbClr val="000000">
-                <a:alpha val="35000"/>
-              </a:srgbClr>
-            </a:outerShdw>
-          </a:effectLst>
-        </a:effectStyle>
-        <a:effectStyle>
-          <a:effectLst>
-            <a:outerShdw blurRad="40000" dist="23000" dir="5400000" rotWithShape="0">
-              <a:srgbClr val="000000">
-                <a:alpha val="35000"/>
-              </a:srgbClr>
-            </a:outerShdw>
-          </a:effectLst>
-          <a:scene3d>
-            <a:camera prst="orthographicFront">
-              <a:rot lat="0" lon="0" rev="0"/>
-            </a:camera>
-            <a:lightRig rig="threePt" dir="t">
-              <a:rot lat="0" lon="0" rev="1200000"/>
-            </a:lightRig>
-          </a:scene3d>
-          <a:sp3d>
-            <a:bevelT w="63500" h="25400"/>
-          </a:sp3d>
-        </a:effectStyle>
-      </a:effectStyleLst>
-      <a:bgFillStyleLst>
-        <a:solidFill>
-          <a:schemeClr val="phClr"/>
-        </a:solidFill>
-        <a:gradFill rotWithShape="1">
-          <a:gsLst>
-            <a:gs pos="0">
-              <a:schemeClr val="phClr">
-                <a:tint val="40000"/>
-                <a:satMod val="350000"/>
-              </a:schemeClr>
-            </a:gs>
-            <a:gs pos="40000">
-              <a:schemeClr val="phClr">
-                <a:tint val="45000"/>
-                <a:shade val="99000"/>
-                <a:satMod val="350000"/>
-              </a:schemeClr>
-            </a:gs>
-            <a:gs pos="100000">
-              <a:schemeClr val="phClr">
-                <a:shade val="20000"/>
-                <a:satMod val="255000"/>
-              </a:schemeClr>
-            </a:gs>
-          </a:gsLst>
-          <a:path path="circle">
-            <a:fillToRect l="50000" t="-80000" r="50000" b="180000"/>
-          </a:path>
-        </a:gradFill>
-        <a:gradFill rotWithShape="1">
-          <a:gsLst>
-            <a:gs pos="0">
-              <a:schemeClr val="phClr">
-                <a:tint val="80000"/>
-                <a:satMod val="300000"/>
-              </a:schemeClr>
-            </a:gs>
-            <a:gs pos="100000">
-              <a:schemeClr val="phClr">
-                <a:shade val="30000"/>
-                <a:satMod val="200000"/>
-              </a:schemeClr>
-            </a:gs>
-          </a:gsLst>
-          <a:path path="circle">
-            <a:fillToRect l="50000" t="50000" r="50000" b="50000"/>
-          </a:path>
-        </a:gradFill>
-      </a:bgFillStyleLst>
-    </a:fmtScheme>
-  </a:themeElements>
-  <a:objectDefaults/>
-  <a:extraClrSchemeLst/>
 </a:theme>
 </file>